--- a/MySubject/slide/2019_04_25/2019_04_25_栗原.pptx
+++ b/MySubject/slide/2019_04_25/2019_04_25_栗原.pptx
@@ -5,13 +5,16 @@
     <p:sldMasterId id="2147483660" r:id="rId1"/>
   </p:sldMasterIdLst>
   <p:notesMasterIdLst>
-    <p:notesMasterId r:id="rId6"/>
+    <p:notesMasterId r:id="rId9"/>
   </p:notesMasterIdLst>
   <p:sldIdLst>
     <p:sldId id="256" r:id="rId2"/>
     <p:sldId id="257" r:id="rId3"/>
     <p:sldId id="258" r:id="rId4"/>
-    <p:sldId id="259" r:id="rId5"/>
+    <p:sldId id="262" r:id="rId5"/>
+    <p:sldId id="260" r:id="rId6"/>
+    <p:sldId id="259" r:id="rId7"/>
+    <p:sldId id="261" r:id="rId8"/>
   </p:sldIdLst>
   <p:sldSz cx="9144000" cy="6858000" type="screen4x3"/>
   <p:notesSz cx="6858000" cy="9144000"/>
@@ -110,6 +113,11 @@
       </a:defRPr>
     </a:lvl9pPr>
   </p:defaultTextStyle>
+  <p:extLst>
+    <p:ext uri="{EFAFB233-063F-42B5-8137-9DF3F51BA10A}">
+      <p15:sldGuideLst xmlns:p15="http://schemas.microsoft.com/office/powerpoint/2012/main"/>
+    </p:ext>
+  </p:extLst>
 </p:presentation>
 </file>
 
@@ -195,7 +203,7 @@
           <a:p>
             <a:fld id="{35835878-6442-4256-86FD-4092D23083B5}" type="datetimeFigureOut">
               <a:rPr kumimoji="1" lang="ja-JP" altLang="en-US" smtClean="0"/>
-              <a:t>2019/4/19</a:t>
+              <a:t>2019/4/24</a:t>
             </a:fld>
             <a:endParaRPr kumimoji="1" lang="ja-JP" altLang="en-US"/>
           </a:p>
@@ -495,6 +503,204 @@
 </p:notesMaster>
 </file>
 
+<file path=ppt/notesSlides/notesSlide1.xml><?xml version="1.0" encoding="utf-8"?>
+<p:notes xmlns:a="http://schemas.openxmlformats.org/drawingml/2006/main" xmlns:r="http://schemas.openxmlformats.org/officeDocument/2006/relationships" xmlns:p="http://schemas.openxmlformats.org/presentationml/2006/main">
+  <p:cSld>
+    <p:spTree>
+      <p:nvGrpSpPr>
+        <p:cNvPr id="1" name=""/>
+        <p:cNvGrpSpPr/>
+        <p:nvPr/>
+      </p:nvGrpSpPr>
+      <p:grpSpPr>
+        <a:xfrm>
+          <a:off x="0" y="0"/>
+          <a:ext cx="0" cy="0"/>
+          <a:chOff x="0" y="0"/>
+          <a:chExt cx="0" cy="0"/>
+        </a:xfrm>
+      </p:grpSpPr>
+      <p:sp>
+        <p:nvSpPr>
+          <p:cNvPr id="2" name="スライド イメージ プレースホルダー 1"/>
+          <p:cNvSpPr>
+            <a:spLocks noGrp="1" noRot="1" noChangeAspect="1"/>
+          </p:cNvSpPr>
+          <p:nvPr>
+            <p:ph type="sldImg"/>
+          </p:nvPr>
+        </p:nvSpPr>
+        <p:spPr/>
+      </p:sp>
+      <p:sp>
+        <p:nvSpPr>
+          <p:cNvPr id="3" name="ノート プレースホルダー 2"/>
+          <p:cNvSpPr>
+            <a:spLocks noGrp="1"/>
+          </p:cNvSpPr>
+          <p:nvPr>
+            <p:ph type="body" idx="1"/>
+          </p:nvPr>
+        </p:nvSpPr>
+        <p:spPr/>
+        <p:txBody>
+          <a:bodyPr/>
+          <a:lstStyle/>
+          <a:p>
+            <a:endParaRPr kumimoji="1" lang="ja-JP" altLang="en-US" dirty="0"/>
+          </a:p>
+        </p:txBody>
+      </p:sp>
+      <p:sp>
+        <p:nvSpPr>
+          <p:cNvPr id="4" name="スライド番号プレースホルダー 3"/>
+          <p:cNvSpPr>
+            <a:spLocks noGrp="1"/>
+          </p:cNvSpPr>
+          <p:nvPr>
+            <p:ph type="sldNum" sz="quarter" idx="10"/>
+          </p:nvPr>
+        </p:nvSpPr>
+        <p:spPr/>
+        <p:txBody>
+          <a:bodyPr/>
+          <a:lstStyle/>
+          <a:p>
+            <a:fld id="{DCB4FEFF-1A39-455D-930A-3227C695EF9E}" type="slidenum">
+              <a:rPr kumimoji="1" lang="ja-JP" altLang="en-US" smtClean="0"/>
+              <a:t>3</a:t>
+            </a:fld>
+            <a:endParaRPr kumimoji="1" lang="ja-JP" altLang="en-US"/>
+          </a:p>
+        </p:txBody>
+      </p:sp>
+    </p:spTree>
+    <p:extLst>
+      <p:ext uri="{BB962C8B-B14F-4D97-AF65-F5344CB8AC3E}">
+        <p14:creationId xmlns:p14="http://schemas.microsoft.com/office/powerpoint/2010/main" val="1315627797"/>
+      </p:ext>
+    </p:extLst>
+  </p:cSld>
+  <p:clrMapOvr>
+    <a:masterClrMapping/>
+  </p:clrMapOvr>
+</p:notes>
+</file>
+
+<file path=ppt/notesSlides/notesSlide2.xml><?xml version="1.0" encoding="utf-8"?>
+<p:notes xmlns:a="http://schemas.openxmlformats.org/drawingml/2006/main" xmlns:r="http://schemas.openxmlformats.org/officeDocument/2006/relationships" xmlns:p="http://schemas.openxmlformats.org/presentationml/2006/main">
+  <p:cSld>
+    <p:spTree>
+      <p:nvGrpSpPr>
+        <p:cNvPr id="1" name=""/>
+        <p:cNvGrpSpPr/>
+        <p:nvPr/>
+      </p:nvGrpSpPr>
+      <p:grpSpPr>
+        <a:xfrm>
+          <a:off x="0" y="0"/>
+          <a:ext cx="0" cy="0"/>
+          <a:chOff x="0" y="0"/>
+          <a:chExt cx="0" cy="0"/>
+        </a:xfrm>
+      </p:grpSpPr>
+      <p:sp>
+        <p:nvSpPr>
+          <p:cNvPr id="2" name="スライド イメージ プレースホルダー 1"/>
+          <p:cNvSpPr>
+            <a:spLocks noGrp="1" noRot="1" noChangeAspect="1"/>
+          </p:cNvSpPr>
+          <p:nvPr>
+            <p:ph type="sldImg"/>
+          </p:nvPr>
+        </p:nvSpPr>
+        <p:spPr/>
+      </p:sp>
+      <p:sp>
+        <p:nvSpPr>
+          <p:cNvPr id="3" name="ノート プレースホルダー 2"/>
+          <p:cNvSpPr>
+            <a:spLocks noGrp="1"/>
+          </p:cNvSpPr>
+          <p:nvPr>
+            <p:ph type="body" idx="1"/>
+          </p:nvPr>
+        </p:nvSpPr>
+        <p:spPr/>
+        <p:txBody>
+          <a:bodyPr/>
+          <a:lstStyle/>
+          <a:p>
+            <a:pPr>
+              <a:buFont typeface="Wingdings" panose="05000000000000000000" pitchFamily="2" charset="2"/>
+              <a:buChar char="p"/>
+            </a:pPr>
+            <a:r>
+              <a:rPr lang="ja-JP" altLang="en-US" sz="1200" dirty="0" smtClean="0">
+                <a:latin typeface="Meiryo UI" panose="020B0604030504040204" pitchFamily="50" charset="-128"/>
+                <a:ea typeface="Meiryo UI" panose="020B0604030504040204" pitchFamily="50" charset="-128"/>
+              </a:rPr>
+              <a:t>「注目点の明るさや色の知覚量はその点の絶対的な光学量よりも、</a:t>
+            </a:r>
+            <a:endParaRPr lang="en-US" altLang="ja-JP" sz="1200" dirty="0" smtClean="0">
+              <a:latin typeface="Meiryo UI" panose="020B0604030504040204" pitchFamily="50" charset="-128"/>
+              <a:ea typeface="Meiryo UI" panose="020B0604030504040204" pitchFamily="50" charset="-128"/>
+            </a:endParaRPr>
+          </a:p>
+          <a:p>
+            <a:r>
+              <a:rPr lang="ja-JP" altLang="en-US" sz="1200" dirty="0" smtClean="0">
+                <a:latin typeface="Meiryo UI" panose="020B0604030504040204" pitchFamily="50" charset="-128"/>
+                <a:ea typeface="Meiryo UI" panose="020B0604030504040204" pitchFamily="50" charset="-128"/>
+              </a:rPr>
+              <a:t>　　周囲の光学量との相対的な変化量に影響される」という理論に基づく</a:t>
+            </a:r>
+            <a:endParaRPr lang="en-US" altLang="ja-JP" sz="1200" dirty="0" smtClean="0">
+              <a:latin typeface="Meiryo UI" panose="020B0604030504040204" pitchFamily="50" charset="-128"/>
+              <a:ea typeface="Meiryo UI" panose="020B0604030504040204" pitchFamily="50" charset="-128"/>
+            </a:endParaRPr>
+          </a:p>
+          <a:p>
+            <a:endParaRPr kumimoji="1" lang="ja-JP" altLang="en-US" dirty="0"/>
+          </a:p>
+        </p:txBody>
+      </p:sp>
+      <p:sp>
+        <p:nvSpPr>
+          <p:cNvPr id="4" name="スライド番号プレースホルダー 3"/>
+          <p:cNvSpPr>
+            <a:spLocks noGrp="1"/>
+          </p:cNvSpPr>
+          <p:nvPr>
+            <p:ph type="sldNum" sz="quarter" idx="10"/>
+          </p:nvPr>
+        </p:nvSpPr>
+        <p:spPr/>
+        <p:txBody>
+          <a:bodyPr/>
+          <a:lstStyle/>
+          <a:p>
+            <a:fld id="{DCB4FEFF-1A39-455D-930A-3227C695EF9E}" type="slidenum">
+              <a:rPr kumimoji="1" lang="ja-JP" altLang="en-US" smtClean="0"/>
+              <a:t>5</a:t>
+            </a:fld>
+            <a:endParaRPr kumimoji="1" lang="ja-JP" altLang="en-US"/>
+          </a:p>
+        </p:txBody>
+      </p:sp>
+    </p:spTree>
+    <p:extLst>
+      <p:ext uri="{BB962C8B-B14F-4D97-AF65-F5344CB8AC3E}">
+        <p14:creationId xmlns:p14="http://schemas.microsoft.com/office/powerpoint/2010/main" val="2691981765"/>
+      </p:ext>
+    </p:extLst>
+  </p:cSld>
+  <p:clrMapOvr>
+    <a:masterClrMapping/>
+  </p:clrMapOvr>
+</p:notes>
+</file>
+
 <file path=ppt/slideLayouts/slideLayout1.xml><?xml version="1.0" encoding="utf-8"?>
 <p:sldLayout xmlns:a="http://schemas.openxmlformats.org/drawingml/2006/main" xmlns:r="http://schemas.openxmlformats.org/officeDocument/2006/relationships" xmlns:p="http://schemas.openxmlformats.org/presentationml/2006/main" type="title" preserve="1">
   <p:cSld name="タイトル スライド">
@@ -632,9 +838,9 @@
           <a:bodyPr/>
           <a:lstStyle/>
           <a:p>
-            <a:fld id="{8FBAF48B-F0F7-4D9F-BED1-097BBC13B25F}" type="datetime1">
+            <a:fld id="{4B6A254A-602E-4FE2-90A5-E88EBCBA4EF4}" type="datetime1">
               <a:rPr kumimoji="1" lang="ja-JP" altLang="en-US" smtClean="0"/>
-              <a:t>2019/4/19</a:t>
+              <a:t>2019/4/24</a:t>
             </a:fld>
             <a:endParaRPr kumimoji="1" lang="ja-JP" altLang="en-US"/>
           </a:p>
@@ -834,9 +1040,9 @@
           <a:bodyPr/>
           <a:lstStyle/>
           <a:p>
-            <a:fld id="{554C0001-6A80-4F55-A247-2F747CE86E5B}" type="datetime1">
+            <a:fld id="{CD9DE79D-28BC-4FCF-AAC6-044B93AFD508}" type="datetime1">
               <a:rPr kumimoji="1" lang="ja-JP" altLang="en-US" smtClean="0"/>
-              <a:t>2019/4/19</a:t>
+              <a:t>2019/4/24</a:t>
             </a:fld>
             <a:endParaRPr kumimoji="1" lang="ja-JP" altLang="en-US"/>
           </a:p>
@@ -1046,9 +1252,9 @@
           <a:bodyPr/>
           <a:lstStyle/>
           <a:p>
-            <a:fld id="{745DBE5A-5DB1-4133-8862-B2CF7722647A}" type="datetime1">
+            <a:fld id="{2CB61FF3-0DB0-49C8-9ABC-66E61F9C6967}" type="datetime1">
               <a:rPr kumimoji="1" lang="ja-JP" altLang="en-US" smtClean="0"/>
-              <a:t>2019/4/19</a:t>
+              <a:t>2019/4/24</a:t>
             </a:fld>
             <a:endParaRPr kumimoji="1" lang="ja-JP" altLang="en-US"/>
           </a:p>
@@ -1175,7 +1381,7 @@
         </p:nvSpPr>
         <p:spPr>
           <a:xfrm>
-            <a:off x="628650" y="993602"/>
+            <a:off x="628650" y="1101158"/>
             <a:ext cx="7886700" cy="4970591"/>
           </a:xfrm>
         </p:spPr>
@@ -1364,6 +1570,46 @@
           <a:p>
             <a:pPr algn="ctr"/>
             <a:endParaRPr kumimoji="1" lang="ja-JP" altLang="en-US"/>
+          </a:p>
+        </p:txBody>
+      </p:sp>
+      <p:sp>
+        <p:nvSpPr>
+          <p:cNvPr id="8" name="Footer Placeholder 4"/>
+          <p:cNvSpPr>
+            <a:spLocks noGrp="1"/>
+          </p:cNvSpPr>
+          <p:nvPr>
+            <p:ph type="ftr" sz="quarter" idx="3"/>
+          </p:nvPr>
+        </p:nvSpPr>
+        <p:spPr>
+          <a:xfrm>
+            <a:off x="628650" y="6492875"/>
+            <a:ext cx="7886700" cy="365125"/>
+          </a:xfrm>
+          <a:prstGeom prst="rect">
+            <a:avLst/>
+          </a:prstGeom>
+          <a:solidFill>
+            <a:schemeClr val="accent1"/>
+          </a:solidFill>
+        </p:spPr>
+        <p:txBody>
+          <a:bodyPr vert="horz" lIns="91440" tIns="45720" rIns="91440" bIns="45720" rtlCol="0" anchor="ctr"/>
+          <a:lstStyle>
+            <a:lvl1pPr algn="ctr">
+              <a:defRPr sz="2000" b="1">
+                <a:solidFill>
+                  <a:schemeClr val="tx1"/>
+                </a:solidFill>
+                <a:latin typeface="Meiryo UI" panose="020B0604030504040204" pitchFamily="50" charset="-128"/>
+                <a:ea typeface="Meiryo UI" panose="020B0604030504040204" pitchFamily="50" charset="-128"/>
+              </a:defRPr>
+            </a:lvl1pPr>
+          </a:lstStyle>
+          <a:p>
+            <a:endParaRPr lang="ja-JP" altLang="en-US" dirty="0"/>
           </a:p>
         </p:txBody>
       </p:sp>
@@ -1561,9 +1807,9 @@
           <a:bodyPr/>
           <a:lstStyle/>
           <a:p>
-            <a:fld id="{150ED5AA-6C75-4126-8825-505EF198B9EB}" type="datetime1">
+            <a:fld id="{5EB60ED8-5519-4EEE-B8D7-80CE19618534}" type="datetime1">
               <a:rPr kumimoji="1" lang="ja-JP" altLang="en-US" smtClean="0"/>
-              <a:t>2019/4/19</a:t>
+              <a:t>2019/4/24</a:t>
             </a:fld>
             <a:endParaRPr kumimoji="1" lang="ja-JP" altLang="en-US"/>
           </a:p>
@@ -1857,9 +2103,9 @@
           <a:bodyPr/>
           <a:lstStyle/>
           <a:p>
-            <a:fld id="{CB529D10-C416-4A61-BB9F-A0AB7143DE23}" type="datetime1">
+            <a:fld id="{50359A41-8674-462B-8D87-1397E635A302}" type="datetime1">
               <a:rPr kumimoji="1" lang="ja-JP" altLang="en-US" smtClean="0"/>
-              <a:t>2019/4/19</a:t>
+              <a:t>2019/4/24</a:t>
             </a:fld>
             <a:endParaRPr kumimoji="1" lang="ja-JP" altLang="en-US"/>
           </a:p>
@@ -2288,9 +2534,9 @@
           <a:bodyPr/>
           <a:lstStyle/>
           <a:p>
-            <a:fld id="{85BA98EF-6CA4-4400-8662-CDEF96A96097}" type="datetime1">
+            <a:fld id="{FC7D21CB-8EC0-41B3-8854-19DF3BB2ACDF}" type="datetime1">
               <a:rPr kumimoji="1" lang="ja-JP" altLang="en-US" smtClean="0"/>
-              <a:t>2019/4/19</a:t>
+              <a:t>2019/4/24</a:t>
             </a:fld>
             <a:endParaRPr kumimoji="1" lang="ja-JP" altLang="en-US"/>
           </a:p>
@@ -2406,9 +2652,9 @@
           <a:bodyPr/>
           <a:lstStyle/>
           <a:p>
-            <a:fld id="{909F6921-3C2A-4FBB-9B72-9D655B75E323}" type="datetime1">
+            <a:fld id="{F024D92A-1DE7-4B72-9E60-DD1122E78C5B}" type="datetime1">
               <a:rPr kumimoji="1" lang="ja-JP" altLang="en-US" smtClean="0"/>
-              <a:t>2019/4/19</a:t>
+              <a:t>2019/4/24</a:t>
             </a:fld>
             <a:endParaRPr kumimoji="1" lang="ja-JP" altLang="en-US"/>
           </a:p>
@@ -2501,9 +2747,9 @@
           <a:bodyPr/>
           <a:lstStyle/>
           <a:p>
-            <a:fld id="{5D185DF1-405E-458A-98C3-A1288C147C8F}" type="datetime1">
+            <a:fld id="{712C5C9A-3905-40C3-B945-C71CFFCE2890}" type="datetime1">
               <a:rPr kumimoji="1" lang="ja-JP" altLang="en-US" smtClean="0"/>
-              <a:t>2019/4/19</a:t>
+              <a:t>2019/4/24</a:t>
             </a:fld>
             <a:endParaRPr kumimoji="1" lang="ja-JP" altLang="en-US"/>
           </a:p>
@@ -2810,9 +3056,9 @@
           <a:bodyPr/>
           <a:lstStyle/>
           <a:p>
-            <a:fld id="{B318DE5F-3A5B-4C50-A3C3-0B6ADDDE58F7}" type="datetime1">
+            <a:fld id="{878C3483-77FC-4197-BCAC-C7481D52E853}" type="datetime1">
               <a:rPr kumimoji="1" lang="ja-JP" altLang="en-US" smtClean="0"/>
-              <a:t>2019/4/19</a:t>
+              <a:t>2019/4/24</a:t>
             </a:fld>
             <a:endParaRPr kumimoji="1" lang="ja-JP" altLang="en-US"/>
           </a:p>
@@ -3067,9 +3313,9 @@
           <a:bodyPr/>
           <a:lstStyle/>
           <a:p>
-            <a:fld id="{476E5B48-1A58-486E-9FB8-2AB2197ECDA9}" type="datetime1">
+            <a:fld id="{679B3802-3F71-4639-A5B2-6747B905B13D}" type="datetime1">
               <a:rPr kumimoji="1" lang="ja-JP" altLang="en-US" smtClean="0"/>
-              <a:t>2019/4/19</a:t>
+              <a:t>2019/4/24</a:t>
             </a:fld>
             <a:endParaRPr kumimoji="1" lang="ja-JP" altLang="en-US"/>
           </a:p>
@@ -3312,9 +3558,9 @@
             </a:lvl1pPr>
           </a:lstStyle>
           <a:p>
-            <a:fld id="{72D0BCED-0C07-4166-8365-153EA3A99818}" type="datetime1">
+            <a:fld id="{AD839D67-CDD7-4021-AA7A-5563507FD873}" type="datetime1">
               <a:rPr kumimoji="1" lang="ja-JP" altLang="en-US" smtClean="0"/>
-              <a:t>2019/4/19</a:t>
+              <a:t>2019/4/24</a:t>
             </a:fld>
             <a:endParaRPr kumimoji="1" lang="ja-JP" altLang="en-US"/>
           </a:p>
@@ -3419,7 +3665,7 @@
     <p:sldLayoutId id="2147483670" r:id="rId10"/>
     <p:sldLayoutId id="2147483671" r:id="rId11"/>
   </p:sldLayoutIdLst>
-  <p:hf hdr="0" ftr="0" dt="0"/>
+  <p:hf hdr="0" dt="0"/>
   <p:txStyles>
     <p:titleStyle>
       <a:lvl1pPr algn="l" defTabSz="914400" rtl="0" eaLnBrk="1" latinLnBrk="0" hangingPunct="1">
@@ -3730,31 +3976,52 @@
             <p:ph type="ctrTitle"/>
           </p:nvPr>
         </p:nvSpPr>
+        <p:spPr>
+          <a:xfrm>
+            <a:off x="743465" y="2219002"/>
+            <a:ext cx="7772400" cy="865617"/>
+          </a:xfrm>
+        </p:spPr>
+        <p:txBody>
+          <a:bodyPr/>
+          <a:lstStyle/>
+          <a:p>
+            <a:r>
+              <a:rPr kumimoji="1" lang="ja-JP" altLang="en-US" dirty="0" smtClean="0"/>
+              <a:t>進捗報告会</a:t>
+            </a:r>
+            <a:r>
+              <a:rPr kumimoji="1" lang="en-US" altLang="ja-JP" dirty="0" smtClean="0"/>
+              <a:t>(04/25)</a:t>
+            </a:r>
+            <a:endParaRPr kumimoji="1" lang="ja-JP" altLang="en-US" dirty="0"/>
+          </a:p>
+        </p:txBody>
+      </p:sp>
+      <p:sp>
+        <p:nvSpPr>
+          <p:cNvPr id="3" name="サブタイトル 2"/>
+          <p:cNvSpPr>
+            <a:spLocks noGrp="1"/>
+          </p:cNvSpPr>
+          <p:nvPr>
+            <p:ph type="subTitle" idx="1"/>
+          </p:nvPr>
+        </p:nvSpPr>
         <p:spPr/>
         <p:txBody>
           <a:bodyPr/>
           <a:lstStyle/>
           <a:p>
-            <a:endParaRPr kumimoji="1" lang="ja-JP" altLang="en-US"/>
-          </a:p>
-        </p:txBody>
-      </p:sp>
-      <p:sp>
-        <p:nvSpPr>
-          <p:cNvPr id="3" name="サブタイトル 2"/>
-          <p:cNvSpPr>
-            <a:spLocks noGrp="1"/>
-          </p:cNvSpPr>
-          <p:nvPr>
-            <p:ph type="subTitle" idx="1"/>
-          </p:nvPr>
-        </p:nvSpPr>
-        <p:spPr/>
-        <p:txBody>
-          <a:bodyPr/>
-          <a:lstStyle/>
-          <a:p>
-            <a:endParaRPr kumimoji="1" lang="ja-JP" altLang="en-US"/>
+            <a:r>
+              <a:rPr kumimoji="1" lang="en-US" altLang="ja-JP" dirty="0" smtClean="0"/>
+              <a:t>M2 </a:t>
+            </a:r>
+            <a:r>
+              <a:rPr kumimoji="1" lang="ja-JP" altLang="en-US" dirty="0" smtClean="0"/>
+              <a:t>栗原　一樹</a:t>
+            </a:r>
+            <a:endParaRPr kumimoji="1" lang="ja-JP" altLang="en-US" dirty="0"/>
           </a:p>
         </p:txBody>
       </p:sp>
@@ -3833,25 +4100,23 @@
             <a:endParaRPr kumimoji="1" lang="en-US" altLang="ja-JP" dirty="0" smtClean="0"/>
           </a:p>
           <a:p>
-            <a:endParaRPr lang="en-US" altLang="ja-JP" dirty="0"/>
-          </a:p>
-          <a:p>
-            <a:r>
-              <a:rPr kumimoji="1" lang="ja-JP" altLang="en-US" dirty="0" smtClean="0"/>
-              <a:t>従来手法の説明</a:t>
-            </a:r>
-            <a:endParaRPr lang="en-US" altLang="ja-JP" dirty="0" smtClean="0"/>
-          </a:p>
-          <a:p>
             <a:pPr lvl="1">
               <a:buFont typeface="Wingdings" panose="05000000000000000000" pitchFamily="2" charset="2"/>
               <a:buChar char="Ø"/>
             </a:pPr>
             <a:r>
-              <a:rPr kumimoji="1" lang="ja-JP" altLang="en-US" dirty="0" smtClean="0"/>
-              <a:t>選定基準</a:t>
-            </a:r>
-            <a:endParaRPr kumimoji="1" lang="en-US" altLang="ja-JP" dirty="0" smtClean="0"/>
+              <a:rPr lang="ja-JP" altLang="en-US" dirty="0" smtClean="0"/>
+              <a:t>低照度</a:t>
+            </a:r>
+            <a:r>
+              <a:rPr lang="ja-JP" altLang="en-US" dirty="0"/>
+              <a:t>画像</a:t>
+            </a:r>
+            <a:r>
+              <a:rPr lang="ja-JP" altLang="en-US" dirty="0" smtClean="0"/>
+              <a:t>の特徴</a:t>
+            </a:r>
+            <a:endParaRPr lang="en-US" altLang="ja-JP" dirty="0" smtClean="0"/>
           </a:p>
           <a:p>
             <a:pPr lvl="1">
@@ -3860,7 +4125,28 @@
             </a:pPr>
             <a:r>
               <a:rPr lang="ja-JP" altLang="en-US" dirty="0" smtClean="0"/>
-              <a:t>アルゴリズム</a:t>
+              <a:t>照度改善について</a:t>
+            </a:r>
+            <a:endParaRPr kumimoji="1" lang="en-US" altLang="ja-JP" dirty="0" smtClean="0"/>
+          </a:p>
+          <a:p>
+            <a:endParaRPr lang="en-US" altLang="ja-JP" dirty="0"/>
+          </a:p>
+          <a:p>
+            <a:r>
+              <a:rPr kumimoji="1" lang="ja-JP" altLang="en-US" dirty="0" smtClean="0"/>
+              <a:t>従来手法の説明</a:t>
+            </a:r>
+            <a:endParaRPr kumimoji="1" lang="en-US" altLang="ja-JP" dirty="0" smtClean="0"/>
+          </a:p>
+          <a:p>
+            <a:pPr lvl="1">
+              <a:buFont typeface="Wingdings" panose="05000000000000000000" pitchFamily="2" charset="2"/>
+              <a:buChar char="Ø"/>
+            </a:pPr>
+            <a:r>
+              <a:rPr lang="ja-JP" altLang="en-US" dirty="0" smtClean="0"/>
+              <a:t>選定基準、アルゴリズム</a:t>
             </a:r>
             <a:endParaRPr lang="en-US" altLang="ja-JP" dirty="0" smtClean="0"/>
           </a:p>
@@ -3955,86 +4241,9 @@
           <a:chExt cx="0" cy="0"/>
         </a:xfrm>
       </p:grpSpPr>
-      <p:sp>
-        <p:nvSpPr>
-          <p:cNvPr id="2" name="タイトル 1"/>
-          <p:cNvSpPr>
-            <a:spLocks noGrp="1"/>
-          </p:cNvSpPr>
-          <p:nvPr>
-            <p:ph type="title"/>
-          </p:nvPr>
-        </p:nvSpPr>
-        <p:spPr/>
-        <p:txBody>
-          <a:bodyPr/>
-          <a:lstStyle/>
-          <a:p>
-            <a:r>
-              <a:rPr kumimoji="1" lang="ja-JP" altLang="en-US" dirty="0" smtClean="0"/>
-              <a:t>研究背景</a:t>
-            </a:r>
-            <a:endParaRPr kumimoji="1" lang="ja-JP" altLang="en-US" dirty="0"/>
-          </a:p>
-        </p:txBody>
-      </p:sp>
-      <p:sp>
-        <p:nvSpPr>
-          <p:cNvPr id="4" name="スライド番号プレースホルダー 3"/>
-          <p:cNvSpPr>
-            <a:spLocks noGrp="1"/>
-          </p:cNvSpPr>
-          <p:nvPr>
-            <p:ph type="sldNum" sz="quarter" idx="12"/>
-          </p:nvPr>
-        </p:nvSpPr>
-        <p:spPr/>
-        <p:txBody>
-          <a:bodyPr/>
-          <a:lstStyle/>
-          <a:p>
-            <a:fld id="{347682C8-82D1-46D0-9478-90028B6C6E2B}" type="slidenum">
-              <a:rPr lang="ja-JP" altLang="en-US" smtClean="0"/>
-              <a:pPr/>
-              <a:t>3</a:t>
-            </a:fld>
-            <a:endParaRPr lang="ja-JP" altLang="en-US" dirty="0"/>
-          </a:p>
-        </p:txBody>
-      </p:sp>
       <p:pic>
         <p:nvPicPr>
-          <p:cNvPr id="5" name="図 4"/>
-          <p:cNvPicPr>
-            <a:picLocks noChangeAspect="1"/>
-          </p:cNvPicPr>
-          <p:nvPr/>
-        </p:nvPicPr>
-        <p:blipFill>
-          <a:blip r:embed="rId2" cstate="print">
-            <a:extLst>
-              <a:ext uri="{28A0092B-C50C-407E-A947-70E740481C1C}">
-                <a14:useLocalDpi xmlns:a14="http://schemas.microsoft.com/office/drawing/2010/main" val="0"/>
-              </a:ext>
-            </a:extLst>
-          </a:blip>
-          <a:stretch>
-            <a:fillRect/>
-          </a:stretch>
-        </p:blipFill>
-        <p:spPr>
-          <a:xfrm>
-            <a:off x="5195021" y="2243809"/>
-            <a:ext cx="2435630" cy="1611526"/>
-          </a:xfrm>
-          <a:prstGeom prst="rect">
-            <a:avLst/>
-          </a:prstGeom>
-        </p:spPr>
-      </p:pic>
-      <p:pic>
-        <p:nvPicPr>
-          <p:cNvPr id="13" name="図 12"/>
+          <p:cNvPr id="18" name="図 17"/>
           <p:cNvPicPr>
             <a:picLocks noChangeAspect="1"/>
           </p:cNvPicPr>
@@ -4054,8 +4263,8 @@
         </p:blipFill>
         <p:spPr>
           <a:xfrm>
-            <a:off x="7893196" y="2582370"/>
-            <a:ext cx="1185602" cy="934403"/>
+            <a:off x="3201802" y="4316113"/>
+            <a:ext cx="1837427" cy="1714368"/>
           </a:xfrm>
           <a:prstGeom prst="rect">
             <a:avLst/>
@@ -4064,13 +4273,98 @@
       </p:pic>
       <p:sp>
         <p:nvSpPr>
+          <p:cNvPr id="2" name="タイトル 1"/>
+          <p:cNvSpPr>
+            <a:spLocks noGrp="1"/>
+          </p:cNvSpPr>
+          <p:nvPr>
+            <p:ph type="title"/>
+          </p:nvPr>
+        </p:nvSpPr>
+        <p:spPr/>
+        <p:txBody>
+          <a:bodyPr/>
+          <a:lstStyle/>
+          <a:p>
+            <a:r>
+              <a:rPr kumimoji="1" lang="ja-JP" altLang="en-US" dirty="0" smtClean="0"/>
+              <a:t>研究背景 </a:t>
+            </a:r>
+            <a:r>
+              <a:rPr kumimoji="1" lang="en-US" altLang="ja-JP" dirty="0" smtClean="0"/>
+              <a:t>| </a:t>
+            </a:r>
+            <a:r>
+              <a:rPr kumimoji="1" lang="ja-JP" altLang="en-US" dirty="0" smtClean="0"/>
+              <a:t>低照度画像の特徴</a:t>
+            </a:r>
+            <a:endParaRPr kumimoji="1" lang="ja-JP" altLang="en-US" dirty="0"/>
+          </a:p>
+        </p:txBody>
+      </p:sp>
+      <p:sp>
+        <p:nvSpPr>
+          <p:cNvPr id="4" name="スライド番号プレースホルダー 3"/>
+          <p:cNvSpPr>
+            <a:spLocks noGrp="1"/>
+          </p:cNvSpPr>
+          <p:nvPr>
+            <p:ph type="sldNum" sz="quarter" idx="12"/>
+          </p:nvPr>
+        </p:nvSpPr>
+        <p:spPr/>
+        <p:txBody>
+          <a:bodyPr/>
+          <a:lstStyle/>
+          <a:p>
+            <a:fld id="{347682C8-82D1-46D0-9478-90028B6C6E2B}" type="slidenum">
+              <a:rPr lang="ja-JP" altLang="en-US" smtClean="0"/>
+              <a:pPr/>
+              <a:t>3</a:t>
+            </a:fld>
+            <a:endParaRPr lang="ja-JP" altLang="en-US" dirty="0"/>
+          </a:p>
+        </p:txBody>
+      </p:sp>
+      <p:pic>
+        <p:nvPicPr>
+          <p:cNvPr id="5" name="図 4"/>
+          <p:cNvPicPr>
+            <a:picLocks noChangeAspect="1"/>
+          </p:cNvPicPr>
+          <p:nvPr/>
+        </p:nvPicPr>
+        <p:blipFill>
+          <a:blip r:embed="rId4" cstate="print">
+            <a:extLst>
+              <a:ext uri="{28A0092B-C50C-407E-A947-70E740481C1C}">
+                <a14:useLocalDpi xmlns:a14="http://schemas.microsoft.com/office/drawing/2010/main" val="0"/>
+              </a:ext>
+            </a:extLst>
+          </a:blip>
+          <a:stretch>
+            <a:fillRect/>
+          </a:stretch>
+        </p:blipFill>
+        <p:spPr>
+          <a:xfrm>
+            <a:off x="445988" y="4367534"/>
+            <a:ext cx="2435630" cy="1611526"/>
+          </a:xfrm>
+          <a:prstGeom prst="rect">
+            <a:avLst/>
+          </a:prstGeom>
+        </p:spPr>
+      </p:pic>
+      <p:sp>
+        <p:nvSpPr>
           <p:cNvPr id="14" name="正方形/長方形 13"/>
           <p:cNvSpPr/>
           <p:nvPr/>
         </p:nvSpPr>
         <p:spPr>
           <a:xfrm>
-            <a:off x="6870209" y="2945768"/>
+            <a:off x="2121176" y="5069493"/>
             <a:ext cx="365760" cy="307571"/>
           </a:xfrm>
           <a:prstGeom prst="rect">
@@ -4116,8 +4410,8 @@
         </p:nvCxnSpPr>
         <p:spPr>
           <a:xfrm flipV="1">
-            <a:off x="7235969" y="2599247"/>
-            <a:ext cx="657227" cy="346521"/>
+            <a:off x="2486936" y="4316113"/>
+            <a:ext cx="639205" cy="753382"/>
           </a:xfrm>
           <a:prstGeom prst="line">
             <a:avLst/>
@@ -4151,8 +4445,8 @@
         </p:nvCxnSpPr>
         <p:spPr>
           <a:xfrm>
-            <a:off x="7235969" y="3253340"/>
-            <a:ext cx="657227" cy="263433"/>
+            <a:off x="2486936" y="5377065"/>
+            <a:ext cx="639205" cy="653416"/>
           </a:xfrm>
           <a:prstGeom prst="line">
             <a:avLst/>
@@ -4188,7 +4482,7 @@
         </p:nvSpPr>
         <p:spPr>
           <a:xfrm>
-            <a:off x="1794500" y="868097"/>
+            <a:off x="1648952" y="875917"/>
             <a:ext cx="5967895" cy="945300"/>
           </a:xfrm>
           <a:prstGeom prst="rect">
@@ -4423,7 +4717,7 @@
         </p:nvSpPr>
         <p:spPr>
           <a:xfrm>
-            <a:off x="874583" y="2535672"/>
+            <a:off x="729035" y="2529888"/>
             <a:ext cx="3903865" cy="1323439"/>
           </a:xfrm>
           <a:prstGeom prst="rect">
@@ -4453,18 +4747,28 @@
                 <a:latin typeface="Meiryo UI" panose="020B0604030504040204" pitchFamily="50" charset="-128"/>
                 <a:ea typeface="Meiryo UI" panose="020B0604030504040204" pitchFamily="50" charset="-128"/>
               </a:rPr>
-              <a:t> 視認性・コントラストが低い</a:t>
-            </a:r>
-            <a:endParaRPr lang="en-US" altLang="ja-JP" sz="2000" dirty="0" smtClean="0">
+              <a:t> </a:t>
+            </a:r>
+            <a:r>
+              <a:rPr lang="ja-JP" altLang="en-US" sz="2000" dirty="0" smtClean="0">
+                <a:solidFill>
+                  <a:srgbClr val="00B050"/>
+                </a:solidFill>
+                <a:latin typeface="Meiryo UI" panose="020B0604030504040204" pitchFamily="50" charset="-128"/>
+                <a:ea typeface="Meiryo UI" panose="020B0604030504040204" pitchFamily="50" charset="-128"/>
+              </a:rPr>
+              <a:t>視認性・コントラストが低い</a:t>
+            </a:r>
+            <a:endParaRPr lang="en-US" altLang="ja-JP" sz="2000" dirty="0">
               <a:solidFill>
-                <a:schemeClr val="accent4"/>
+                <a:srgbClr val="00B050"/>
               </a:solidFill>
               <a:latin typeface="Meiryo UI" panose="020B0604030504040204" pitchFamily="50" charset="-128"/>
               <a:ea typeface="Meiryo UI" panose="020B0604030504040204" pitchFamily="50" charset="-128"/>
             </a:endParaRPr>
           </a:p>
           <a:p>
-            <a:pPr lvl="1">
+            <a:pPr>
               <a:buClr>
                 <a:schemeClr val="bg1">
                   <a:lumMod val="65000"/>
@@ -4472,13 +4776,23 @@
               </a:buClr>
             </a:pPr>
             <a:r>
+              <a:rPr lang="en-US" altLang="ja-JP" sz="2000" dirty="0" smtClean="0">
+                <a:solidFill>
+                  <a:schemeClr val="accent4"/>
+                </a:solidFill>
+                <a:latin typeface="Meiryo UI" panose="020B0604030504040204" pitchFamily="50" charset="-128"/>
+                <a:ea typeface="Meiryo UI" panose="020B0604030504040204" pitchFamily="50" charset="-128"/>
+              </a:rPr>
+              <a:t>    </a:t>
+            </a:r>
+            <a:r>
               <a:rPr lang="ja-JP" altLang="en-US" sz="2000" dirty="0" smtClean="0">
                 <a:latin typeface="Meiryo UI" panose="020B0604030504040204" pitchFamily="50" charset="-128"/>
                 <a:ea typeface="Meiryo UI" panose="020B0604030504040204" pitchFamily="50" charset="-128"/>
               </a:rPr>
               <a:t>検出率に影響を及ぼす</a:t>
             </a:r>
-            <a:endParaRPr lang="en-US" altLang="ja-JP" sz="2000" dirty="0">
+            <a:endParaRPr lang="en-US" altLang="ja-JP" sz="2000" dirty="0" smtClean="0">
               <a:latin typeface="Meiryo UI" panose="020B0604030504040204" pitchFamily="50" charset="-128"/>
               <a:ea typeface="Meiryo UI" panose="020B0604030504040204" pitchFamily="50" charset="-128"/>
             </a:endParaRPr>
@@ -4501,12 +4815,22 @@
                 <a:latin typeface="Meiryo UI" panose="020B0604030504040204" pitchFamily="50" charset="-128"/>
                 <a:ea typeface="Meiryo UI" panose="020B0604030504040204" pitchFamily="50" charset="-128"/>
               </a:rPr>
-              <a:t> ノイズ</a:t>
+              <a:t> </a:t>
+            </a:r>
+            <a:r>
+              <a:rPr lang="ja-JP" altLang="en-US" sz="2000" dirty="0" smtClean="0">
+                <a:solidFill>
+                  <a:srgbClr val="00B050"/>
+                </a:solidFill>
+                <a:latin typeface="Meiryo UI" panose="020B0604030504040204" pitchFamily="50" charset="-128"/>
+                <a:ea typeface="Meiryo UI" panose="020B0604030504040204" pitchFamily="50" charset="-128"/>
+              </a:rPr>
+              <a:t>ノイズ</a:t>
             </a:r>
             <a:r>
               <a:rPr lang="ja-JP" altLang="en-US" sz="2000" dirty="0">
                 <a:solidFill>
-                  <a:schemeClr val="accent4"/>
+                  <a:srgbClr val="00B050"/>
                 </a:solidFill>
                 <a:latin typeface="Meiryo UI" panose="020B0604030504040204" pitchFamily="50" charset="-128"/>
                 <a:ea typeface="Meiryo UI" panose="020B0604030504040204" pitchFamily="50" charset="-128"/>
@@ -4516,7 +4840,7 @@
             <a:r>
               <a:rPr lang="ja-JP" altLang="en-US" sz="2000" dirty="0" smtClean="0">
                 <a:solidFill>
-                  <a:schemeClr val="accent4"/>
+                  <a:srgbClr val="00B050"/>
                 </a:solidFill>
                 <a:latin typeface="Meiryo UI" panose="020B0604030504040204" pitchFamily="50" charset="-128"/>
                 <a:ea typeface="Meiryo UI" panose="020B0604030504040204" pitchFamily="50" charset="-128"/>
@@ -4525,7 +4849,7 @@
             </a:r>
             <a:endParaRPr lang="en-US" altLang="ja-JP" sz="2000" dirty="0">
               <a:solidFill>
-                <a:schemeClr val="accent4"/>
+                <a:srgbClr val="00B050"/>
               </a:solidFill>
               <a:latin typeface="Meiryo UI" panose="020B0604030504040204" pitchFamily="50" charset="-128"/>
               <a:ea typeface="Meiryo UI" panose="020B0604030504040204" pitchFamily="50" charset="-128"/>
@@ -4574,16 +4898,16 @@
         </p:nvSpPr>
         <p:spPr>
           <a:xfrm>
-            <a:off x="817155" y="2258993"/>
+            <a:off x="671607" y="2253209"/>
             <a:ext cx="3630657" cy="1681240"/>
           </a:xfrm>
           <a:prstGeom prst="rect">
             <a:avLst/>
           </a:prstGeom>
           <a:noFill/>
-          <a:ln>
+          <a:ln w="28575">
             <a:solidFill>
-              <a:schemeClr val="accent4"/>
+              <a:srgbClr val="00B050"/>
             </a:solidFill>
           </a:ln>
         </p:spPr>
@@ -4624,11 +4948,11 @@
         </p:nvSpPr>
         <p:spPr>
           <a:xfrm>
-            <a:off x="1197927" y="2023060"/>
+            <a:off x="1052379" y="2017276"/>
             <a:ext cx="2710162" cy="471867"/>
           </a:xfrm>
           <a:solidFill>
-            <a:schemeClr val="accent4"/>
+            <a:srgbClr val="00B050"/>
           </a:solidFill>
           <a:ln>
             <a:solidFill>
@@ -4671,172 +4995,14 @@
       </p:sp>
       <p:sp>
         <p:nvSpPr>
-          <p:cNvPr id="32" name="正方形/長方形 31"/>
+          <p:cNvPr id="35" name="正方形/長方形 34"/>
           <p:cNvSpPr/>
           <p:nvPr/>
         </p:nvSpPr>
         <p:spPr>
           <a:xfrm>
-            <a:off x="874583" y="4695374"/>
-            <a:ext cx="3903865" cy="1323439"/>
-          </a:xfrm>
-          <a:prstGeom prst="rect">
-            <a:avLst/>
-          </a:prstGeom>
-        </p:spPr>
-        <p:txBody>
-          <a:bodyPr wrap="square">
-            <a:spAutoFit/>
-          </a:bodyPr>
-          <a:lstStyle/>
-          <a:p>
-            <a:pPr>
-              <a:buClr>
-                <a:schemeClr val="bg1">
-                  <a:lumMod val="65000"/>
-                </a:schemeClr>
-              </a:buClr>
-              <a:buFont typeface="Wingdings" panose="05000000000000000000" pitchFamily="2" charset="2"/>
-              <a:buChar char="p"/>
-            </a:pPr>
-            <a:r>
-              <a:rPr lang="ja-JP" altLang="en-US" sz="2000" dirty="0" smtClean="0">
-                <a:solidFill>
-                  <a:schemeClr val="accent4"/>
-                </a:solidFill>
-                <a:latin typeface="Meiryo UI" panose="020B0604030504040204" pitchFamily="50" charset="-128"/>
-                <a:ea typeface="Meiryo UI" panose="020B0604030504040204" pitchFamily="50" charset="-128"/>
-              </a:rPr>
-              <a:t> </a:t>
-            </a:r>
-            <a:r>
-              <a:rPr lang="ja-JP" altLang="en-US" sz="2000" dirty="0" smtClean="0">
-                <a:solidFill>
-                  <a:srgbClr val="00B050"/>
-                </a:solidFill>
-                <a:latin typeface="Meiryo UI" panose="020B0604030504040204" pitchFamily="50" charset="-128"/>
-                <a:ea typeface="Meiryo UI" panose="020B0604030504040204" pitchFamily="50" charset="-128"/>
-              </a:rPr>
-              <a:t>露光時間を長くする</a:t>
-            </a:r>
-            <a:endParaRPr lang="en-US" altLang="ja-JP" sz="2000" dirty="0" smtClean="0">
-              <a:solidFill>
-                <a:srgbClr val="00B050"/>
-              </a:solidFill>
-              <a:latin typeface="Meiryo UI" panose="020B0604030504040204" pitchFamily="50" charset="-128"/>
-              <a:ea typeface="Meiryo UI" panose="020B0604030504040204" pitchFamily="50" charset="-128"/>
-            </a:endParaRPr>
-          </a:p>
-          <a:p>
-            <a:pPr lvl="1">
-              <a:buClr>
-                <a:schemeClr val="bg1">
-                  <a:lumMod val="65000"/>
-                </a:schemeClr>
-              </a:buClr>
-            </a:pPr>
-            <a:r>
-              <a:rPr lang="ja-JP" altLang="en-US" sz="2000" dirty="0" smtClean="0">
-                <a:latin typeface="Meiryo UI" panose="020B0604030504040204" pitchFamily="50" charset="-128"/>
-                <a:ea typeface="Meiryo UI" panose="020B0604030504040204" pitchFamily="50" charset="-128"/>
-              </a:rPr>
-              <a:t>モーションブラーが生じる</a:t>
-            </a:r>
-            <a:endParaRPr lang="en-US" altLang="ja-JP" sz="2000" dirty="0">
-              <a:latin typeface="Meiryo UI" panose="020B0604030504040204" pitchFamily="50" charset="-128"/>
-              <a:ea typeface="Meiryo UI" panose="020B0604030504040204" pitchFamily="50" charset="-128"/>
-            </a:endParaRPr>
-          </a:p>
-          <a:p>
-            <a:pPr>
-              <a:buClr>
-                <a:schemeClr val="bg1">
-                  <a:lumMod val="65000"/>
-                </a:schemeClr>
-              </a:buClr>
-              <a:buFont typeface="Wingdings" panose="05000000000000000000" pitchFamily="2" charset="2"/>
-              <a:buChar char="p"/>
-            </a:pPr>
-            <a:r>
-              <a:rPr lang="ja-JP" altLang="en-US" sz="2000" dirty="0" smtClean="0">
-                <a:solidFill>
-                  <a:schemeClr val="accent4"/>
-                </a:solidFill>
-                <a:latin typeface="Meiryo UI" panose="020B0604030504040204" pitchFamily="50" charset="-128"/>
-                <a:ea typeface="Meiryo UI" panose="020B0604030504040204" pitchFamily="50" charset="-128"/>
-              </a:rPr>
-              <a:t> </a:t>
-            </a:r>
-            <a:r>
-              <a:rPr lang="en-US" altLang="ja-JP" sz="2000" dirty="0" smtClean="0">
-                <a:solidFill>
-                  <a:srgbClr val="00B050"/>
-                </a:solidFill>
-                <a:latin typeface="Meiryo UI" panose="020B0604030504040204" pitchFamily="50" charset="-128"/>
-                <a:ea typeface="Meiryo UI" panose="020B0604030504040204" pitchFamily="50" charset="-128"/>
-              </a:rPr>
-              <a:t>ISO</a:t>
-            </a:r>
-            <a:r>
-              <a:rPr lang="ja-JP" altLang="en-US" sz="2000" dirty="0" smtClean="0">
-                <a:solidFill>
-                  <a:srgbClr val="00B050"/>
-                </a:solidFill>
-                <a:latin typeface="Meiryo UI" panose="020B0604030504040204" pitchFamily="50" charset="-128"/>
-                <a:ea typeface="Meiryo UI" panose="020B0604030504040204" pitchFamily="50" charset="-128"/>
-              </a:rPr>
-              <a:t>感度を上げる</a:t>
-            </a:r>
-            <a:endParaRPr lang="en-US" altLang="ja-JP" sz="2000" dirty="0">
-              <a:solidFill>
-                <a:srgbClr val="00B050"/>
-              </a:solidFill>
-              <a:latin typeface="Meiryo UI" panose="020B0604030504040204" pitchFamily="50" charset="-128"/>
-              <a:ea typeface="Meiryo UI" panose="020B0604030504040204" pitchFamily="50" charset="-128"/>
-            </a:endParaRPr>
-          </a:p>
-          <a:p>
-            <a:pPr>
-              <a:buClr>
-                <a:schemeClr val="bg1">
-                  <a:lumMod val="65000"/>
-                </a:schemeClr>
-              </a:buClr>
-            </a:pPr>
-            <a:r>
-              <a:rPr lang="en-US" altLang="ja-JP" sz="2000" dirty="0" smtClean="0">
-                <a:solidFill>
-                  <a:schemeClr val="accent4"/>
-                </a:solidFill>
-                <a:latin typeface="Meiryo UI" panose="020B0604030504040204" pitchFamily="50" charset="-128"/>
-                <a:ea typeface="Meiryo UI" panose="020B0604030504040204" pitchFamily="50" charset="-128"/>
-              </a:rPr>
-              <a:t>    </a:t>
-            </a:r>
-            <a:r>
-              <a:rPr lang="ja-JP" altLang="en-US" sz="2000" dirty="0" smtClean="0">
-                <a:latin typeface="Meiryo UI" panose="020B0604030504040204" pitchFamily="50" charset="-128"/>
-                <a:ea typeface="Meiryo UI" panose="020B0604030504040204" pitchFamily="50" charset="-128"/>
-              </a:rPr>
-              <a:t>ノイズが増幅する</a:t>
-            </a:r>
-            <a:endParaRPr lang="en-US" altLang="ja-JP" sz="2000" dirty="0" smtClean="0">
-              <a:latin typeface="Meiryo UI" panose="020B0604030504040204" pitchFamily="50" charset="-128"/>
-              <a:ea typeface="Meiryo UI" panose="020B0604030504040204" pitchFamily="50" charset="-128"/>
-            </a:endParaRPr>
-          </a:p>
-        </p:txBody>
-      </p:sp>
-      <p:sp>
-        <p:nvSpPr>
-          <p:cNvPr id="33" name="正方形/長方形 32"/>
-          <p:cNvSpPr/>
-          <p:nvPr/>
-        </p:nvSpPr>
-        <p:spPr>
-          <a:xfrm>
-            <a:off x="817155" y="4378183"/>
-            <a:ext cx="3630657" cy="1731671"/>
+            <a:off x="1283582" y="4898194"/>
+            <a:ext cx="365760" cy="307571"/>
           </a:xfrm>
           <a:prstGeom prst="rect">
             <a:avLst/>
@@ -4844,7 +5010,7 @@
           <a:noFill/>
           <a:ln>
             <a:solidFill>
-              <a:srgbClr val="00B050"/>
+              <a:srgbClr val="FF0000"/>
             </a:solidFill>
           </a:ln>
         </p:spPr>
@@ -4873,9 +5039,614 @@
           </a:p>
         </p:txBody>
       </p:sp>
-      <p:sp>
-        <p:nvSpPr>
-          <p:cNvPr id="34" name="コンテンツ プレースホルダー 2"/>
+      <p:pic>
+        <p:nvPicPr>
+          <p:cNvPr id="40" name="図 39"/>
+          <p:cNvPicPr>
+            <a:picLocks noChangeAspect="1"/>
+          </p:cNvPicPr>
+          <p:nvPr/>
+        </p:nvPicPr>
+        <p:blipFill>
+          <a:blip r:embed="rId5">
+            <a:extLst>
+              <a:ext uri="{28A0092B-C50C-407E-A947-70E740481C1C}">
+                <a14:useLocalDpi xmlns:a14="http://schemas.microsoft.com/office/drawing/2010/main" val="0"/>
+              </a:ext>
+            </a:extLst>
+          </a:blip>
+          <a:stretch>
+            <a:fillRect/>
+          </a:stretch>
+        </p:blipFill>
+        <p:spPr>
+          <a:xfrm>
+            <a:off x="5283753" y="3926501"/>
+            <a:ext cx="3749046" cy="2266359"/>
+          </a:xfrm>
+          <a:prstGeom prst="rect">
+            <a:avLst/>
+          </a:prstGeom>
+        </p:spPr>
+      </p:pic>
+      <p:sp>
+        <p:nvSpPr>
+          <p:cNvPr id="42" name="テキスト ボックス 41"/>
+          <p:cNvSpPr txBox="1"/>
+          <p:nvPr/>
+        </p:nvSpPr>
+        <p:spPr>
+          <a:xfrm>
+            <a:off x="3167193" y="4960694"/>
+            <a:ext cx="1930978" cy="400110"/>
+          </a:xfrm>
+          <a:prstGeom prst="rect">
+            <a:avLst/>
+          </a:prstGeom>
+          <a:noFill/>
+        </p:spPr>
+        <p:txBody>
+          <a:bodyPr wrap="square" rtlCol="0">
+            <a:spAutoFit/>
+          </a:bodyPr>
+          <a:lstStyle/>
+          <a:p>
+            <a:pPr algn="ctr"/>
+            <a:r>
+              <a:rPr lang="ja-JP" altLang="en-US" sz="2000" b="1" dirty="0" smtClean="0">
+                <a:ln w="10160">
+                  <a:solidFill>
+                    <a:schemeClr val="tx1"/>
+                  </a:solidFill>
+                  <a:prstDash val="solid"/>
+                </a:ln>
+                <a:solidFill>
+                  <a:schemeClr val="bg1"/>
+                </a:solidFill>
+                <a:effectLst>
+                  <a:outerShdw blurRad="38100" dist="22860" dir="5400000" algn="tl" rotWithShape="0">
+                    <a:srgbClr val="000000">
+                      <a:alpha val="30000"/>
+                    </a:srgbClr>
+                  </a:outerShdw>
+                </a:effectLst>
+                <a:latin typeface="Meiryo UI" panose="020B0604030504040204" pitchFamily="50" charset="-128"/>
+                <a:ea typeface="Meiryo UI" panose="020B0604030504040204" pitchFamily="50" charset="-128"/>
+              </a:rPr>
+              <a:t>ノイズが存在</a:t>
+            </a:r>
+            <a:endParaRPr kumimoji="1" lang="ja-JP" altLang="en-US" sz="2000" b="1" dirty="0">
+              <a:ln w="10160">
+                <a:solidFill>
+                  <a:schemeClr val="tx1"/>
+                </a:solidFill>
+                <a:prstDash val="solid"/>
+              </a:ln>
+              <a:solidFill>
+                <a:schemeClr val="bg1"/>
+              </a:solidFill>
+              <a:effectLst>
+                <a:outerShdw blurRad="38100" dist="22860" dir="5400000" algn="tl" rotWithShape="0">
+                  <a:srgbClr val="000000">
+                    <a:alpha val="30000"/>
+                  </a:srgbClr>
+                </a:outerShdw>
+              </a:effectLst>
+              <a:latin typeface="Meiryo UI" panose="020B0604030504040204" pitchFamily="50" charset="-128"/>
+              <a:ea typeface="Meiryo UI" panose="020B0604030504040204" pitchFamily="50" charset="-128"/>
+            </a:endParaRPr>
+          </a:p>
+        </p:txBody>
+      </p:sp>
+      <p:sp>
+        <p:nvSpPr>
+          <p:cNvPr id="43" name="テキスト ボックス 42"/>
+          <p:cNvSpPr txBox="1"/>
+          <p:nvPr/>
+        </p:nvSpPr>
+        <p:spPr>
+          <a:xfrm>
+            <a:off x="6311647" y="4818944"/>
+            <a:ext cx="2148801" cy="400110"/>
+          </a:xfrm>
+          <a:prstGeom prst="rect">
+            <a:avLst/>
+          </a:prstGeom>
+          <a:noFill/>
+        </p:spPr>
+        <p:txBody>
+          <a:bodyPr wrap="square" rtlCol="0">
+            <a:spAutoFit/>
+          </a:bodyPr>
+          <a:lstStyle/>
+          <a:p>
+            <a:pPr algn="ctr"/>
+            <a:r>
+              <a:rPr lang="ja-JP" altLang="en-US" sz="2000" b="1" dirty="0">
+                <a:ln w="10160">
+                  <a:solidFill>
+                    <a:schemeClr val="tx1"/>
+                  </a:solidFill>
+                  <a:prstDash val="solid"/>
+                </a:ln>
+                <a:solidFill>
+                  <a:schemeClr val="bg1"/>
+                </a:solidFill>
+                <a:effectLst>
+                  <a:outerShdw blurRad="38100" dist="22860" dir="5400000" algn="tl" rotWithShape="0">
+                    <a:srgbClr val="000000">
+                      <a:alpha val="30000"/>
+                    </a:srgbClr>
+                  </a:outerShdw>
+                </a:effectLst>
+                <a:latin typeface="Meiryo UI" panose="020B0604030504040204" pitchFamily="50" charset="-128"/>
+                <a:ea typeface="Meiryo UI" panose="020B0604030504040204" pitchFamily="50" charset="-128"/>
+              </a:rPr>
+              <a:t>コントラスト</a:t>
+            </a:r>
+            <a:r>
+              <a:rPr lang="ja-JP" altLang="en-US" sz="2000" b="1" dirty="0" smtClean="0">
+                <a:ln w="10160">
+                  <a:solidFill>
+                    <a:schemeClr val="tx1"/>
+                  </a:solidFill>
+                  <a:prstDash val="solid"/>
+                </a:ln>
+                <a:solidFill>
+                  <a:schemeClr val="bg1"/>
+                </a:solidFill>
+                <a:effectLst>
+                  <a:outerShdw blurRad="38100" dist="22860" dir="5400000" algn="tl" rotWithShape="0">
+                    <a:srgbClr val="000000">
+                      <a:alpha val="30000"/>
+                    </a:srgbClr>
+                  </a:outerShdw>
+                </a:effectLst>
+                <a:latin typeface="Meiryo UI" panose="020B0604030504040204" pitchFamily="50" charset="-128"/>
+                <a:ea typeface="Meiryo UI" panose="020B0604030504040204" pitchFamily="50" charset="-128"/>
+              </a:rPr>
+              <a:t>が低い</a:t>
+            </a:r>
+            <a:endParaRPr kumimoji="1" lang="ja-JP" altLang="en-US" sz="2000" b="1" dirty="0">
+              <a:ln w="10160">
+                <a:solidFill>
+                  <a:schemeClr val="tx1"/>
+                </a:solidFill>
+                <a:prstDash val="solid"/>
+              </a:ln>
+              <a:solidFill>
+                <a:schemeClr val="bg1"/>
+              </a:solidFill>
+              <a:effectLst>
+                <a:outerShdw blurRad="38100" dist="22860" dir="5400000" algn="tl" rotWithShape="0">
+                  <a:srgbClr val="000000">
+                    <a:alpha val="30000"/>
+                  </a:srgbClr>
+                </a:outerShdw>
+              </a:effectLst>
+              <a:latin typeface="Meiryo UI" panose="020B0604030504040204" pitchFamily="50" charset="-128"/>
+              <a:ea typeface="Meiryo UI" panose="020B0604030504040204" pitchFamily="50" charset="-128"/>
+            </a:endParaRPr>
+          </a:p>
+        </p:txBody>
+      </p:sp>
+      <p:sp>
+        <p:nvSpPr>
+          <p:cNvPr id="44" name="テキスト ボックス 43"/>
+          <p:cNvSpPr txBox="1"/>
+          <p:nvPr/>
+        </p:nvSpPr>
+        <p:spPr>
+          <a:xfrm>
+            <a:off x="270383" y="4437591"/>
+            <a:ext cx="1930978" cy="400110"/>
+          </a:xfrm>
+          <a:prstGeom prst="rect">
+            <a:avLst/>
+          </a:prstGeom>
+          <a:noFill/>
+        </p:spPr>
+        <p:txBody>
+          <a:bodyPr wrap="square" rtlCol="0">
+            <a:spAutoFit/>
+          </a:bodyPr>
+          <a:lstStyle/>
+          <a:p>
+            <a:pPr algn="ctr"/>
+            <a:r>
+              <a:rPr lang="ja-JP" altLang="en-US" sz="2000" b="1" dirty="0" smtClean="0">
+                <a:ln w="10160">
+                  <a:solidFill>
+                    <a:schemeClr val="tx1"/>
+                  </a:solidFill>
+                  <a:prstDash val="solid"/>
+                </a:ln>
+                <a:solidFill>
+                  <a:schemeClr val="bg1"/>
+                </a:solidFill>
+                <a:effectLst>
+                  <a:outerShdw blurRad="38100" dist="22860" dir="5400000" algn="tl" rotWithShape="0">
+                    <a:srgbClr val="000000">
+                      <a:alpha val="30000"/>
+                    </a:srgbClr>
+                  </a:outerShdw>
+                </a:effectLst>
+                <a:latin typeface="Meiryo UI" panose="020B0604030504040204" pitchFamily="50" charset="-128"/>
+                <a:ea typeface="Meiryo UI" panose="020B0604030504040204" pitchFamily="50" charset="-128"/>
+              </a:rPr>
+              <a:t>視認性が低い</a:t>
+            </a:r>
+            <a:endParaRPr kumimoji="1" lang="ja-JP" altLang="en-US" sz="2000" b="1" dirty="0">
+              <a:ln w="10160">
+                <a:solidFill>
+                  <a:schemeClr val="tx1"/>
+                </a:solidFill>
+                <a:prstDash val="solid"/>
+              </a:ln>
+              <a:solidFill>
+                <a:schemeClr val="bg1"/>
+              </a:solidFill>
+              <a:effectLst>
+                <a:outerShdw blurRad="38100" dist="22860" dir="5400000" algn="tl" rotWithShape="0">
+                  <a:srgbClr val="000000">
+                    <a:alpha val="30000"/>
+                  </a:srgbClr>
+                </a:outerShdw>
+              </a:effectLst>
+              <a:latin typeface="Meiryo UI" panose="020B0604030504040204" pitchFamily="50" charset="-128"/>
+              <a:ea typeface="Meiryo UI" panose="020B0604030504040204" pitchFamily="50" charset="-128"/>
+            </a:endParaRPr>
+          </a:p>
+        </p:txBody>
+      </p:sp>
+      <p:sp>
+        <p:nvSpPr>
+          <p:cNvPr id="45" name="テキスト ボックス 44"/>
+          <p:cNvSpPr txBox="1"/>
+          <p:nvPr/>
+        </p:nvSpPr>
+        <p:spPr>
+          <a:xfrm>
+            <a:off x="6311647" y="6135085"/>
+            <a:ext cx="2010957" cy="369332"/>
+          </a:xfrm>
+          <a:prstGeom prst="rect">
+            <a:avLst/>
+          </a:prstGeom>
+          <a:noFill/>
+        </p:spPr>
+        <p:txBody>
+          <a:bodyPr wrap="square" rtlCol="0">
+            <a:spAutoFit/>
+          </a:bodyPr>
+          <a:lstStyle/>
+          <a:p>
+            <a:r>
+              <a:rPr lang="en-US" altLang="ja-JP" dirty="0" smtClean="0">
+                <a:latin typeface="Meiryo UI" panose="020B0604030504040204" pitchFamily="50" charset="-128"/>
+                <a:ea typeface="Meiryo UI" panose="020B0604030504040204" pitchFamily="50" charset="-128"/>
+              </a:rPr>
+              <a:t>RGB</a:t>
+            </a:r>
+            <a:r>
+              <a:rPr lang="ja-JP" altLang="en-US" dirty="0" smtClean="0">
+                <a:latin typeface="Meiryo UI" panose="020B0604030504040204" pitchFamily="50" charset="-128"/>
+                <a:ea typeface="Meiryo UI" panose="020B0604030504040204" pitchFamily="50" charset="-128"/>
+              </a:rPr>
+              <a:t>ヒストグラム</a:t>
+            </a:r>
+            <a:endParaRPr kumimoji="1" lang="ja-JP" altLang="en-US" dirty="0">
+              <a:latin typeface="Meiryo UI" panose="020B0604030504040204" pitchFamily="50" charset="-128"/>
+              <a:ea typeface="Meiryo UI" panose="020B0604030504040204" pitchFamily="50" charset="-128"/>
+            </a:endParaRPr>
+          </a:p>
+        </p:txBody>
+      </p:sp>
+      <p:sp>
+        <p:nvSpPr>
+          <p:cNvPr id="46" name="テキスト ボックス 45"/>
+          <p:cNvSpPr txBox="1"/>
+          <p:nvPr/>
+        </p:nvSpPr>
+        <p:spPr>
+          <a:xfrm>
+            <a:off x="2103629" y="6111603"/>
+            <a:ext cx="1405817" cy="369332"/>
+          </a:xfrm>
+          <a:prstGeom prst="rect">
+            <a:avLst/>
+          </a:prstGeom>
+          <a:noFill/>
+        </p:spPr>
+        <p:txBody>
+          <a:bodyPr wrap="square" rtlCol="0">
+            <a:spAutoFit/>
+          </a:bodyPr>
+          <a:lstStyle/>
+          <a:p>
+            <a:r>
+              <a:rPr lang="ja-JP" altLang="en-US" dirty="0" smtClean="0">
+                <a:latin typeface="Meiryo UI" panose="020B0604030504040204" pitchFamily="50" charset="-128"/>
+                <a:ea typeface="Meiryo UI" panose="020B0604030504040204" pitchFamily="50" charset="-128"/>
+              </a:rPr>
+              <a:t>低照度</a:t>
+            </a:r>
+            <a:r>
+              <a:rPr lang="ja-JP" altLang="en-US" dirty="0">
+                <a:latin typeface="Meiryo UI" panose="020B0604030504040204" pitchFamily="50" charset="-128"/>
+                <a:ea typeface="Meiryo UI" panose="020B0604030504040204" pitchFamily="50" charset="-128"/>
+              </a:rPr>
+              <a:t>画像</a:t>
+            </a:r>
+            <a:endParaRPr kumimoji="1" lang="ja-JP" altLang="en-US" dirty="0">
+              <a:latin typeface="Meiryo UI" panose="020B0604030504040204" pitchFamily="50" charset="-128"/>
+              <a:ea typeface="Meiryo UI" panose="020B0604030504040204" pitchFamily="50" charset="-128"/>
+            </a:endParaRPr>
+          </a:p>
+        </p:txBody>
+      </p:sp>
+      <p:sp>
+        <p:nvSpPr>
+          <p:cNvPr id="6" name="下矢印 5"/>
+          <p:cNvSpPr/>
+          <p:nvPr/>
+        </p:nvSpPr>
+        <p:spPr>
+          <a:xfrm rot="4052139">
+            <a:off x="6004659" y="4990338"/>
+            <a:ext cx="324197" cy="340822"/>
+          </a:xfrm>
+          <a:prstGeom prst="downArrow">
+            <a:avLst/>
+          </a:prstGeom>
+          <a:ln>
+            <a:solidFill>
+              <a:schemeClr val="tx1"/>
+            </a:solidFill>
+          </a:ln>
+        </p:spPr>
+        <p:style>
+          <a:lnRef idx="2">
+            <a:schemeClr val="accent4">
+              <a:shade val="50000"/>
+            </a:schemeClr>
+          </a:lnRef>
+          <a:fillRef idx="1">
+            <a:schemeClr val="accent4"/>
+          </a:fillRef>
+          <a:effectRef idx="0">
+            <a:schemeClr val="accent4"/>
+          </a:effectRef>
+          <a:fontRef idx="minor">
+            <a:schemeClr val="lt1"/>
+          </a:fontRef>
+        </p:style>
+        <p:txBody>
+          <a:bodyPr rtlCol="0" anchor="ctr"/>
+          <a:lstStyle/>
+          <a:p>
+            <a:pPr algn="ctr"/>
+            <a:endParaRPr kumimoji="1" lang="ja-JP" altLang="en-US"/>
+          </a:p>
+        </p:txBody>
+      </p:sp>
+      <p:sp>
+        <p:nvSpPr>
+          <p:cNvPr id="24" name="正方形/長方形 23"/>
+          <p:cNvSpPr/>
+          <p:nvPr/>
+        </p:nvSpPr>
+        <p:spPr>
+          <a:xfrm>
+            <a:off x="4893410" y="2570400"/>
+            <a:ext cx="3903865" cy="1323439"/>
+          </a:xfrm>
+          <a:prstGeom prst="rect">
+            <a:avLst/>
+          </a:prstGeom>
+        </p:spPr>
+        <p:txBody>
+          <a:bodyPr wrap="square">
+            <a:spAutoFit/>
+          </a:bodyPr>
+          <a:lstStyle/>
+          <a:p>
+            <a:pPr>
+              <a:buClr>
+                <a:schemeClr val="bg1">
+                  <a:lumMod val="65000"/>
+                </a:schemeClr>
+              </a:buClr>
+              <a:buFont typeface="Wingdings" panose="05000000000000000000" pitchFamily="2" charset="2"/>
+              <a:buChar char="p"/>
+            </a:pPr>
+            <a:r>
+              <a:rPr lang="ja-JP" altLang="en-US" sz="2000" dirty="0" smtClean="0">
+                <a:solidFill>
+                  <a:schemeClr val="accent4"/>
+                </a:solidFill>
+                <a:latin typeface="Meiryo UI" panose="020B0604030504040204" pitchFamily="50" charset="-128"/>
+                <a:ea typeface="Meiryo UI" panose="020B0604030504040204" pitchFamily="50" charset="-128"/>
+              </a:rPr>
+              <a:t> </a:t>
+            </a:r>
+            <a:r>
+              <a:rPr lang="ja-JP" altLang="en-US" sz="2000" dirty="0" smtClean="0">
+                <a:solidFill>
+                  <a:schemeClr val="accent2"/>
+                </a:solidFill>
+                <a:latin typeface="Meiryo UI" panose="020B0604030504040204" pitchFamily="50" charset="-128"/>
+                <a:ea typeface="Meiryo UI" panose="020B0604030504040204" pitchFamily="50" charset="-128"/>
+              </a:rPr>
+              <a:t>露光時間を長くする</a:t>
+            </a:r>
+            <a:endParaRPr lang="en-US" altLang="ja-JP" sz="2000" dirty="0">
+              <a:solidFill>
+                <a:schemeClr val="accent2"/>
+              </a:solidFill>
+              <a:latin typeface="Meiryo UI" panose="020B0604030504040204" pitchFamily="50" charset="-128"/>
+              <a:ea typeface="Meiryo UI" panose="020B0604030504040204" pitchFamily="50" charset="-128"/>
+            </a:endParaRPr>
+          </a:p>
+          <a:p>
+            <a:pPr>
+              <a:buClr>
+                <a:schemeClr val="bg1">
+                  <a:lumMod val="65000"/>
+                </a:schemeClr>
+              </a:buClr>
+            </a:pPr>
+            <a:r>
+              <a:rPr lang="ja-JP" altLang="en-US" sz="2000" dirty="0" smtClean="0">
+                <a:solidFill>
+                  <a:srgbClr val="00B050"/>
+                </a:solidFill>
+                <a:latin typeface="Meiryo UI" panose="020B0604030504040204" pitchFamily="50" charset="-128"/>
+                <a:ea typeface="Meiryo UI" panose="020B0604030504040204" pitchFamily="50" charset="-128"/>
+              </a:rPr>
+              <a:t>　　</a:t>
+            </a:r>
+            <a:r>
+              <a:rPr lang="ja-JP" altLang="en-US" sz="2000" dirty="0" smtClean="0">
+                <a:latin typeface="Meiryo UI" panose="020B0604030504040204" pitchFamily="50" charset="-128"/>
+                <a:ea typeface="Meiryo UI" panose="020B0604030504040204" pitchFamily="50" charset="-128"/>
+              </a:rPr>
+              <a:t>モーションブラーが生じる</a:t>
+            </a:r>
+            <a:endParaRPr lang="en-US" altLang="ja-JP" sz="2000" dirty="0">
+              <a:latin typeface="Meiryo UI" panose="020B0604030504040204" pitchFamily="50" charset="-128"/>
+              <a:ea typeface="Meiryo UI" panose="020B0604030504040204" pitchFamily="50" charset="-128"/>
+            </a:endParaRPr>
+          </a:p>
+          <a:p>
+            <a:pPr>
+              <a:buClr>
+                <a:schemeClr val="bg1">
+                  <a:lumMod val="65000"/>
+                </a:schemeClr>
+              </a:buClr>
+              <a:buFont typeface="Wingdings" panose="05000000000000000000" pitchFamily="2" charset="2"/>
+              <a:buChar char="p"/>
+            </a:pPr>
+            <a:r>
+              <a:rPr lang="ja-JP" altLang="en-US" sz="2000" dirty="0" smtClean="0">
+                <a:solidFill>
+                  <a:schemeClr val="accent4"/>
+                </a:solidFill>
+                <a:latin typeface="Meiryo UI" panose="020B0604030504040204" pitchFamily="50" charset="-128"/>
+                <a:ea typeface="Meiryo UI" panose="020B0604030504040204" pitchFamily="50" charset="-128"/>
+              </a:rPr>
+              <a:t> </a:t>
+            </a:r>
+            <a:r>
+              <a:rPr lang="en-US" altLang="ja-JP" sz="2000" dirty="0" smtClean="0">
+                <a:solidFill>
+                  <a:schemeClr val="accent2"/>
+                </a:solidFill>
+                <a:latin typeface="Meiryo UI" panose="020B0604030504040204" pitchFamily="50" charset="-128"/>
+                <a:ea typeface="Meiryo UI" panose="020B0604030504040204" pitchFamily="50" charset="-128"/>
+              </a:rPr>
+              <a:t>ISO</a:t>
+            </a:r>
+            <a:r>
+              <a:rPr lang="ja-JP" altLang="en-US" sz="2000" dirty="0" smtClean="0">
+                <a:solidFill>
+                  <a:schemeClr val="accent2"/>
+                </a:solidFill>
+                <a:latin typeface="Meiryo UI" panose="020B0604030504040204" pitchFamily="50" charset="-128"/>
+                <a:ea typeface="Meiryo UI" panose="020B0604030504040204" pitchFamily="50" charset="-128"/>
+              </a:rPr>
+              <a:t>感度を上げる</a:t>
+            </a:r>
+            <a:endParaRPr lang="en-US" altLang="ja-JP" sz="2000" dirty="0">
+              <a:solidFill>
+                <a:schemeClr val="accent2"/>
+              </a:solidFill>
+              <a:latin typeface="Meiryo UI" panose="020B0604030504040204" pitchFamily="50" charset="-128"/>
+              <a:ea typeface="Meiryo UI" panose="020B0604030504040204" pitchFamily="50" charset="-128"/>
+            </a:endParaRPr>
+          </a:p>
+          <a:p>
+            <a:pPr>
+              <a:buClr>
+                <a:schemeClr val="bg1">
+                  <a:lumMod val="65000"/>
+                </a:schemeClr>
+              </a:buClr>
+            </a:pPr>
+            <a:r>
+              <a:rPr lang="en-US" altLang="ja-JP" sz="2000" dirty="0" smtClean="0">
+                <a:solidFill>
+                  <a:schemeClr val="accent4"/>
+                </a:solidFill>
+                <a:latin typeface="Meiryo UI" panose="020B0604030504040204" pitchFamily="50" charset="-128"/>
+                <a:ea typeface="Meiryo UI" panose="020B0604030504040204" pitchFamily="50" charset="-128"/>
+              </a:rPr>
+              <a:t>    </a:t>
+            </a:r>
+            <a:r>
+              <a:rPr lang="ja-JP" altLang="en-US" sz="2000" dirty="0" smtClean="0">
+                <a:latin typeface="Meiryo UI" panose="020B0604030504040204" pitchFamily="50" charset="-128"/>
+                <a:ea typeface="Meiryo UI" panose="020B0604030504040204" pitchFamily="50" charset="-128"/>
+              </a:rPr>
+              <a:t>ノイズが増幅する</a:t>
+            </a:r>
+            <a:endParaRPr lang="en-US" altLang="ja-JP" sz="2000" dirty="0" smtClean="0">
+              <a:latin typeface="Meiryo UI" panose="020B0604030504040204" pitchFamily="50" charset="-128"/>
+              <a:ea typeface="Meiryo UI" panose="020B0604030504040204" pitchFamily="50" charset="-128"/>
+            </a:endParaRPr>
+          </a:p>
+        </p:txBody>
+      </p:sp>
+      <p:sp>
+        <p:nvSpPr>
+          <p:cNvPr id="25" name="正方形/長方形 24"/>
+          <p:cNvSpPr/>
+          <p:nvPr/>
+        </p:nvSpPr>
+        <p:spPr>
+          <a:xfrm>
+            <a:off x="4835982" y="2253209"/>
+            <a:ext cx="3630657" cy="1681240"/>
+          </a:xfrm>
+          <a:prstGeom prst="rect">
+            <a:avLst/>
+          </a:prstGeom>
+          <a:noFill/>
+          <a:ln w="28575">
+            <a:solidFill>
+              <a:schemeClr val="accent2"/>
+            </a:solidFill>
+          </a:ln>
+        </p:spPr>
+        <p:style>
+          <a:lnRef idx="2">
+            <a:schemeClr val="accent1">
+              <a:shade val="50000"/>
+            </a:schemeClr>
+          </a:lnRef>
+          <a:fillRef idx="1">
+            <a:schemeClr val="accent1"/>
+          </a:fillRef>
+          <a:effectRef idx="0">
+            <a:schemeClr val="accent1"/>
+          </a:effectRef>
+          <a:fontRef idx="minor">
+            <a:schemeClr val="lt1"/>
+          </a:fontRef>
+        </p:style>
+        <p:txBody>
+          <a:bodyPr rtlCol="0" anchor="ctr"/>
+          <a:lstStyle/>
+          <a:p>
+            <a:pPr algn="ctr"/>
+            <a:endParaRPr kumimoji="1" lang="ja-JP" altLang="en-US"/>
+          </a:p>
+        </p:txBody>
+      </p:sp>
+      <p:sp>
+        <p:nvSpPr>
+          <p:cNvPr id="27" name="コンテンツ プレースホルダー 2"/>
           <p:cNvSpPr txBox="1">
             <a:spLocks/>
           </p:cNvSpPr>
@@ -4883,14 +5654,14 @@
         </p:nvSpPr>
         <p:spPr>
           <a:xfrm>
-            <a:off x="1197927" y="4142250"/>
+            <a:off x="5216754" y="2017276"/>
             <a:ext cx="2708113" cy="471867"/>
           </a:xfrm>
           <a:prstGeom prst="rect">
             <a:avLst/>
           </a:prstGeom>
           <a:solidFill>
-            <a:srgbClr val="00B050"/>
+            <a:schemeClr val="accent2"/>
           </a:solidFill>
           <a:ln>
             <a:solidFill>
@@ -5103,416 +5874,34 @@
               </a:rPr>
               <a:t>)</a:t>
             </a:r>
-            <a:endParaRPr lang="en-US" altLang="ja-JP" sz="2000" dirty="0" smtClean="0">
-              <a:solidFill>
-                <a:schemeClr val="bg1"/>
-              </a:solidFill>
-            </a:endParaRPr>
-          </a:p>
-        </p:txBody>
-      </p:sp>
-      <p:sp>
-        <p:nvSpPr>
-          <p:cNvPr id="35" name="正方形/長方形 34"/>
-          <p:cNvSpPr/>
-          <p:nvPr/>
-        </p:nvSpPr>
-        <p:spPr>
-          <a:xfrm>
-            <a:off x="6032615" y="2774469"/>
-            <a:ext cx="365760" cy="307571"/>
-          </a:xfrm>
-          <a:prstGeom prst="rect">
-            <a:avLst/>
-          </a:prstGeom>
-          <a:noFill/>
-          <a:ln>
-            <a:solidFill>
-              <a:srgbClr val="FF0000"/>
-            </a:solidFill>
-          </a:ln>
-        </p:spPr>
-        <p:style>
-          <a:lnRef idx="2">
-            <a:schemeClr val="accent1">
-              <a:shade val="50000"/>
-            </a:schemeClr>
-          </a:lnRef>
-          <a:fillRef idx="1">
-            <a:schemeClr val="accent1"/>
-          </a:fillRef>
-          <a:effectRef idx="0">
-            <a:schemeClr val="accent1"/>
-          </a:effectRef>
-          <a:fontRef idx="minor">
-            <a:schemeClr val="lt1"/>
-          </a:fontRef>
-        </p:style>
-        <p:txBody>
-          <a:bodyPr rtlCol="0" anchor="ctr"/>
-          <a:lstStyle/>
-          <a:p>
-            <a:pPr algn="ctr"/>
-            <a:endParaRPr kumimoji="1" lang="ja-JP" altLang="en-US"/>
-          </a:p>
-        </p:txBody>
-      </p:sp>
-      <p:pic>
-        <p:nvPicPr>
-          <p:cNvPr id="40" name="図 39"/>
-          <p:cNvPicPr>
-            <a:picLocks noChangeAspect="1"/>
-          </p:cNvPicPr>
-          <p:nvPr/>
-        </p:nvPicPr>
-        <p:blipFill>
-          <a:blip r:embed="rId4">
-            <a:extLst>
-              <a:ext uri="{28A0092B-C50C-407E-A947-70E740481C1C}">
-                <a14:useLocalDpi xmlns:a14="http://schemas.microsoft.com/office/drawing/2010/main" val="0"/>
-              </a:ext>
-            </a:extLst>
-          </a:blip>
-          <a:stretch>
-            <a:fillRect/>
-          </a:stretch>
-        </p:blipFill>
-        <p:spPr>
-          <a:xfrm>
-            <a:off x="5053219" y="4160686"/>
-            <a:ext cx="3749046" cy="2266359"/>
-          </a:xfrm>
-          <a:prstGeom prst="rect">
-            <a:avLst/>
-          </a:prstGeom>
-        </p:spPr>
-      </p:pic>
-      <p:sp>
-        <p:nvSpPr>
-          <p:cNvPr id="42" name="テキスト ボックス 41"/>
-          <p:cNvSpPr txBox="1"/>
-          <p:nvPr/>
-        </p:nvSpPr>
-        <p:spPr>
-          <a:xfrm>
-            <a:off x="7502756" y="2853229"/>
-            <a:ext cx="1930978" cy="400110"/>
-          </a:xfrm>
-          <a:prstGeom prst="rect">
-            <a:avLst/>
-          </a:prstGeom>
-          <a:noFill/>
-        </p:spPr>
-        <p:txBody>
-          <a:bodyPr wrap="square" rtlCol="0">
-            <a:spAutoFit/>
-          </a:bodyPr>
-          <a:lstStyle/>
-          <a:p>
-            <a:pPr algn="ctr"/>
-            <a:r>
-              <a:rPr lang="ja-JP" altLang="en-US" sz="2000" b="1" dirty="0" smtClean="0">
-                <a:ln w="10160">
-                  <a:solidFill>
-                    <a:schemeClr val="tx1"/>
-                  </a:solidFill>
-                  <a:prstDash val="solid"/>
-                </a:ln>
-                <a:solidFill>
-                  <a:schemeClr val="bg1"/>
-                </a:solidFill>
-                <a:effectLst>
-                  <a:outerShdw blurRad="38100" dist="22860" dir="5400000" algn="tl" rotWithShape="0">
-                    <a:srgbClr val="000000">
-                      <a:alpha val="30000"/>
-                    </a:srgbClr>
-                  </a:outerShdw>
-                </a:effectLst>
-                <a:latin typeface="Meiryo UI" panose="020B0604030504040204" pitchFamily="50" charset="-128"/>
-                <a:ea typeface="Meiryo UI" panose="020B0604030504040204" pitchFamily="50" charset="-128"/>
-              </a:rPr>
-              <a:t>ノイズが存在</a:t>
-            </a:r>
-            <a:endParaRPr kumimoji="1" lang="ja-JP" altLang="en-US" sz="2000" b="1" dirty="0">
-              <a:ln w="10160">
-                <a:solidFill>
-                  <a:schemeClr val="tx1"/>
-                </a:solidFill>
-                <a:prstDash val="solid"/>
-              </a:ln>
-              <a:solidFill>
-                <a:schemeClr val="bg1"/>
-              </a:solidFill>
-              <a:effectLst>
-                <a:outerShdw blurRad="38100" dist="22860" dir="5400000" algn="tl" rotWithShape="0">
-                  <a:srgbClr val="000000">
-                    <a:alpha val="30000"/>
-                  </a:srgbClr>
-                </a:outerShdw>
-              </a:effectLst>
-              <a:latin typeface="Meiryo UI" panose="020B0604030504040204" pitchFamily="50" charset="-128"/>
-              <a:ea typeface="Meiryo UI" panose="020B0604030504040204" pitchFamily="50" charset="-128"/>
-            </a:endParaRPr>
-          </a:p>
-        </p:txBody>
-      </p:sp>
-      <p:sp>
-        <p:nvSpPr>
-          <p:cNvPr id="43" name="テキスト ボックス 42"/>
-          <p:cNvSpPr txBox="1"/>
-          <p:nvPr/>
-        </p:nvSpPr>
-        <p:spPr>
-          <a:xfrm>
-            <a:off x="5633604" y="5052374"/>
-            <a:ext cx="1930978" cy="400110"/>
-          </a:xfrm>
-          <a:prstGeom prst="rect">
-            <a:avLst/>
-          </a:prstGeom>
-          <a:noFill/>
-        </p:spPr>
-        <p:txBody>
-          <a:bodyPr wrap="square" rtlCol="0">
-            <a:spAutoFit/>
-          </a:bodyPr>
-          <a:lstStyle/>
-          <a:p>
-            <a:pPr algn="ctr"/>
-            <a:r>
-              <a:rPr lang="ja-JP" altLang="en-US" sz="2000" b="1" dirty="0" smtClean="0">
-                <a:ln w="10160">
-                  <a:solidFill>
-                    <a:schemeClr val="tx1"/>
-                  </a:solidFill>
-                  <a:prstDash val="solid"/>
-                </a:ln>
-                <a:solidFill>
-                  <a:schemeClr val="bg1"/>
-                </a:solidFill>
-                <a:effectLst>
-                  <a:outerShdw blurRad="38100" dist="22860" dir="5400000" algn="tl" rotWithShape="0">
-                    <a:srgbClr val="000000">
-                      <a:alpha val="30000"/>
-                    </a:srgbClr>
-                  </a:outerShdw>
-                </a:effectLst>
-                <a:latin typeface="Meiryo UI" panose="020B0604030504040204" pitchFamily="50" charset="-128"/>
-                <a:ea typeface="Meiryo UI" panose="020B0604030504040204" pitchFamily="50" charset="-128"/>
-              </a:rPr>
-              <a:t>低値に密集</a:t>
-            </a:r>
-            <a:endParaRPr kumimoji="1" lang="ja-JP" altLang="en-US" sz="2000" b="1" dirty="0">
-              <a:ln w="10160">
-                <a:solidFill>
-                  <a:schemeClr val="tx1"/>
-                </a:solidFill>
-                <a:prstDash val="solid"/>
-              </a:ln>
-              <a:solidFill>
-                <a:schemeClr val="bg1"/>
-              </a:solidFill>
-              <a:effectLst>
-                <a:outerShdw blurRad="38100" dist="22860" dir="5400000" algn="tl" rotWithShape="0">
-                  <a:srgbClr val="000000">
-                    <a:alpha val="30000"/>
-                  </a:srgbClr>
-                </a:outerShdw>
-              </a:effectLst>
-              <a:latin typeface="Meiryo UI" panose="020B0604030504040204" pitchFamily="50" charset="-128"/>
-              <a:ea typeface="Meiryo UI" panose="020B0604030504040204" pitchFamily="50" charset="-128"/>
-            </a:endParaRPr>
-          </a:p>
-        </p:txBody>
-      </p:sp>
-      <p:sp>
-        <p:nvSpPr>
-          <p:cNvPr id="44" name="テキスト ボックス 43"/>
-          <p:cNvSpPr txBox="1"/>
-          <p:nvPr/>
-        </p:nvSpPr>
-        <p:spPr>
-          <a:xfrm>
-            <a:off x="4879619" y="2251347"/>
-            <a:ext cx="1930978" cy="400110"/>
-          </a:xfrm>
-          <a:prstGeom prst="rect">
-            <a:avLst/>
-          </a:prstGeom>
-          <a:noFill/>
-        </p:spPr>
-        <p:txBody>
-          <a:bodyPr wrap="square" rtlCol="0">
-            <a:spAutoFit/>
-          </a:bodyPr>
-          <a:lstStyle/>
-          <a:p>
-            <a:pPr algn="ctr"/>
-            <a:r>
-              <a:rPr lang="ja-JP" altLang="en-US" sz="2000" b="1" dirty="0" smtClean="0">
-                <a:ln w="10160">
-                  <a:solidFill>
-                    <a:schemeClr val="tx1"/>
-                  </a:solidFill>
-                  <a:prstDash val="solid"/>
-                </a:ln>
-                <a:solidFill>
-                  <a:schemeClr val="bg1"/>
-                </a:solidFill>
-                <a:effectLst>
-                  <a:outerShdw blurRad="38100" dist="22860" dir="5400000" algn="tl" rotWithShape="0">
-                    <a:srgbClr val="000000">
-                      <a:alpha val="30000"/>
-                    </a:srgbClr>
-                  </a:outerShdw>
-                </a:effectLst>
-                <a:latin typeface="Meiryo UI" panose="020B0604030504040204" pitchFamily="50" charset="-128"/>
-                <a:ea typeface="Meiryo UI" panose="020B0604030504040204" pitchFamily="50" charset="-128"/>
-              </a:rPr>
-              <a:t>視認性が低い</a:t>
-            </a:r>
-            <a:endParaRPr kumimoji="1" lang="ja-JP" altLang="en-US" sz="2000" b="1" dirty="0">
-              <a:ln w="10160">
-                <a:solidFill>
-                  <a:schemeClr val="tx1"/>
-                </a:solidFill>
-                <a:prstDash val="solid"/>
-              </a:ln>
-              <a:solidFill>
-                <a:schemeClr val="bg1"/>
-              </a:solidFill>
-              <a:effectLst>
-                <a:outerShdw blurRad="38100" dist="22860" dir="5400000" algn="tl" rotWithShape="0">
-                  <a:srgbClr val="000000">
-                    <a:alpha val="30000"/>
-                  </a:srgbClr>
-                </a:outerShdw>
-              </a:effectLst>
-              <a:latin typeface="Meiryo UI" panose="020B0604030504040204" pitchFamily="50" charset="-128"/>
-              <a:ea typeface="Meiryo UI" panose="020B0604030504040204" pitchFamily="50" charset="-128"/>
-            </a:endParaRPr>
-          </a:p>
-        </p:txBody>
-      </p:sp>
-      <p:sp>
-        <p:nvSpPr>
-          <p:cNvPr id="45" name="テキスト ボックス 44"/>
-          <p:cNvSpPr txBox="1"/>
-          <p:nvPr/>
-        </p:nvSpPr>
-        <p:spPr>
-          <a:xfrm>
-            <a:off x="6230490" y="6408552"/>
-            <a:ext cx="2010957" cy="369332"/>
-          </a:xfrm>
-          <a:prstGeom prst="rect">
-            <a:avLst/>
-          </a:prstGeom>
-          <a:noFill/>
-        </p:spPr>
-        <p:txBody>
-          <a:bodyPr wrap="square" rtlCol="0">
-            <a:spAutoFit/>
-          </a:bodyPr>
-          <a:lstStyle/>
-          <a:p>
-            <a:r>
-              <a:rPr lang="en-US" altLang="ja-JP" dirty="0" smtClean="0">
-                <a:latin typeface="Meiryo UI" panose="020B0604030504040204" pitchFamily="50" charset="-128"/>
-                <a:ea typeface="Meiryo UI" panose="020B0604030504040204" pitchFamily="50" charset="-128"/>
-              </a:rPr>
-              <a:t>RGB</a:t>
-            </a:r>
-            <a:r>
-              <a:rPr lang="ja-JP" altLang="en-US" dirty="0" smtClean="0">
-                <a:latin typeface="Meiryo UI" panose="020B0604030504040204" pitchFamily="50" charset="-128"/>
-                <a:ea typeface="Meiryo UI" panose="020B0604030504040204" pitchFamily="50" charset="-128"/>
-              </a:rPr>
-              <a:t>ヒストグラム</a:t>
-            </a:r>
-            <a:endParaRPr kumimoji="1" lang="ja-JP" altLang="en-US" dirty="0">
-              <a:latin typeface="Meiryo UI" panose="020B0604030504040204" pitchFamily="50" charset="-128"/>
-              <a:ea typeface="Meiryo UI" panose="020B0604030504040204" pitchFamily="50" charset="-128"/>
-            </a:endParaRPr>
-          </a:p>
-        </p:txBody>
-      </p:sp>
-      <p:sp>
-        <p:nvSpPr>
-          <p:cNvPr id="46" name="テキスト ボックス 45"/>
-          <p:cNvSpPr txBox="1"/>
-          <p:nvPr/>
-        </p:nvSpPr>
-        <p:spPr>
-          <a:xfrm>
-            <a:off x="6224834" y="3893537"/>
-            <a:ext cx="1405817" cy="369332"/>
-          </a:xfrm>
-          <a:prstGeom prst="rect">
-            <a:avLst/>
-          </a:prstGeom>
-          <a:noFill/>
-        </p:spPr>
-        <p:txBody>
-          <a:bodyPr wrap="square" rtlCol="0">
-            <a:spAutoFit/>
-          </a:bodyPr>
-          <a:lstStyle/>
-          <a:p>
-            <a:r>
-              <a:rPr lang="ja-JP" altLang="en-US" dirty="0" smtClean="0">
-                <a:latin typeface="Meiryo UI" panose="020B0604030504040204" pitchFamily="50" charset="-128"/>
-                <a:ea typeface="Meiryo UI" panose="020B0604030504040204" pitchFamily="50" charset="-128"/>
-              </a:rPr>
-              <a:t>低照度</a:t>
-            </a:r>
-            <a:r>
-              <a:rPr lang="ja-JP" altLang="en-US" dirty="0">
-                <a:latin typeface="Meiryo UI" panose="020B0604030504040204" pitchFamily="50" charset="-128"/>
-                <a:ea typeface="Meiryo UI" panose="020B0604030504040204" pitchFamily="50" charset="-128"/>
-              </a:rPr>
-              <a:t>画像</a:t>
-            </a:r>
-            <a:endParaRPr kumimoji="1" lang="ja-JP" altLang="en-US" dirty="0">
-              <a:latin typeface="Meiryo UI" panose="020B0604030504040204" pitchFamily="50" charset="-128"/>
-              <a:ea typeface="Meiryo UI" panose="020B0604030504040204" pitchFamily="50" charset="-128"/>
-            </a:endParaRPr>
-          </a:p>
-        </p:txBody>
-      </p:sp>
-      <p:sp>
-        <p:nvSpPr>
-          <p:cNvPr id="47" name="テキスト ボックス 46"/>
-          <p:cNvSpPr txBox="1"/>
-          <p:nvPr/>
-        </p:nvSpPr>
-        <p:spPr>
-          <a:xfrm>
-            <a:off x="656722" y="6226990"/>
-            <a:ext cx="4153856" cy="400110"/>
-          </a:xfrm>
-          <a:prstGeom prst="rect">
-            <a:avLst/>
-          </a:prstGeom>
-          <a:noFill/>
-        </p:spPr>
-        <p:txBody>
-          <a:bodyPr wrap="square" rtlCol="0">
-            <a:spAutoFit/>
-          </a:bodyPr>
-          <a:lstStyle/>
-          <a:p>
-            <a:r>
-              <a:rPr kumimoji="1" lang="ja-JP" altLang="en-US" sz="2000" b="1" dirty="0" smtClean="0">
-                <a:latin typeface="Meiryo UI" panose="020B0604030504040204" pitchFamily="50" charset="-128"/>
-                <a:ea typeface="Meiryo UI" panose="020B0604030504040204" pitchFamily="50" charset="-128"/>
-              </a:rPr>
-              <a:t>ソフトウェアレベルで対処を行うべき！</a:t>
-            </a:r>
-            <a:endParaRPr kumimoji="1" lang="ja-JP" altLang="en-US" sz="2000" b="1" dirty="0">
-              <a:latin typeface="Meiryo UI" panose="020B0604030504040204" pitchFamily="50" charset="-128"/>
-              <a:ea typeface="Meiryo UI" panose="020B0604030504040204" pitchFamily="50" charset="-128"/>
-            </a:endParaRPr>
+          </a:p>
+        </p:txBody>
+      </p:sp>
+      <p:sp>
+        <p:nvSpPr>
+          <p:cNvPr id="15" name="フッター プレースホルダー 14"/>
+          <p:cNvSpPr>
+            <a:spLocks noGrp="1"/>
+          </p:cNvSpPr>
+          <p:nvPr>
+            <p:ph type="ftr" sz="quarter" idx="3"/>
+          </p:nvPr>
+        </p:nvSpPr>
+        <p:spPr>
+          <a:xfrm>
+            <a:off x="628650" y="6487295"/>
+            <a:ext cx="7886700" cy="365125"/>
+          </a:xfrm>
+        </p:spPr>
+        <p:txBody>
+          <a:bodyPr/>
+          <a:lstStyle/>
+          <a:p>
+            <a:r>
+              <a:rPr lang="ja-JP" altLang="en-US" dirty="0" smtClean="0"/>
+              <a:t>ソフトウェアレベルで対処することが望ましい</a:t>
+            </a:r>
+            <a:endParaRPr lang="ja-JP" altLang="en-US" dirty="0"/>
           </a:p>
         </p:txBody>
       </p:sp>
@@ -5546,6 +5935,36 @@
           <a:chExt cx="0" cy="0"/>
         </a:xfrm>
       </p:grpSpPr>
+      <p:pic>
+        <p:nvPicPr>
+          <p:cNvPr id="9" name="図 8"/>
+          <p:cNvPicPr>
+            <a:picLocks noChangeAspect="1"/>
+          </p:cNvPicPr>
+          <p:nvPr/>
+        </p:nvPicPr>
+        <p:blipFill>
+          <a:blip r:embed="rId2" cstate="print">
+            <a:extLst>
+              <a:ext uri="{28A0092B-C50C-407E-A947-70E740481C1C}">
+                <a14:useLocalDpi xmlns:a14="http://schemas.microsoft.com/office/drawing/2010/main" val="0"/>
+              </a:ext>
+            </a:extLst>
+          </a:blip>
+          <a:stretch>
+            <a:fillRect/>
+          </a:stretch>
+        </p:blipFill>
+        <p:spPr>
+          <a:xfrm>
+            <a:off x="4645152" y="1829531"/>
+            <a:ext cx="4243332" cy="3353279"/>
+          </a:xfrm>
+          <a:prstGeom prst="rect">
+            <a:avLst/>
+          </a:prstGeom>
+        </p:spPr>
+      </p:pic>
       <p:sp>
         <p:nvSpPr>
           <p:cNvPr id="2" name="タイトル 1"/>
@@ -5563,7 +5982,23 @@
           <a:p>
             <a:r>
               <a:rPr kumimoji="1" lang="ja-JP" altLang="en-US" dirty="0" smtClean="0"/>
-              <a:t>従来手法</a:t>
+              <a:t>研究背景 </a:t>
+            </a:r>
+            <a:r>
+              <a:rPr kumimoji="1" lang="en-US" altLang="ja-JP" dirty="0" smtClean="0"/>
+              <a:t>| </a:t>
+            </a:r>
+            <a:r>
+              <a:rPr kumimoji="1" lang="ja-JP" altLang="en-US" dirty="0" smtClean="0"/>
+              <a:t>照度</a:t>
+            </a:r>
+            <a:r>
+              <a:rPr kumimoji="1" lang="ja-JP" altLang="en-US" dirty="0" smtClean="0"/>
+              <a:t>改善</a:t>
+            </a:r>
+            <a:r>
+              <a:rPr lang="ja-JP" altLang="en-US" dirty="0" smtClean="0"/>
+              <a:t>の画出し</a:t>
             </a:r>
             <a:endParaRPr kumimoji="1" lang="ja-JP" altLang="en-US" dirty="0"/>
           </a:p>
@@ -5595,28 +6030,339 @@
       </p:sp>
       <p:sp>
         <p:nvSpPr>
-          <p:cNvPr id="5" name="正方形/長方形 4"/>
-          <p:cNvSpPr/>
+          <p:cNvPr id="5" name="フッター プレースホルダー 4"/>
+          <p:cNvSpPr>
+            <a:spLocks noGrp="1"/>
+          </p:cNvSpPr>
+          <p:nvPr>
+            <p:ph type="ftr" sz="quarter" idx="3"/>
+          </p:nvPr>
+        </p:nvSpPr>
+        <p:spPr/>
+        <p:txBody>
+          <a:bodyPr/>
+          <a:lstStyle/>
+          <a:p>
+            <a:r>
+              <a:rPr lang="ja-JP" altLang="en-US" dirty="0" smtClean="0"/>
+              <a:t>照度改善</a:t>
+            </a:r>
+            <a:r>
+              <a:rPr lang="ja-JP" altLang="en-US" dirty="0" smtClean="0"/>
+              <a:t>は前処理・知覚品質において重要</a:t>
+            </a:r>
+            <a:endParaRPr lang="ja-JP" altLang="en-US" dirty="0"/>
+          </a:p>
+        </p:txBody>
+      </p:sp>
+      <p:pic>
+        <p:nvPicPr>
+          <p:cNvPr id="10" name="図 9"/>
+          <p:cNvPicPr>
+            <a:picLocks noChangeAspect="1"/>
+          </p:cNvPicPr>
           <p:nvPr/>
-        </p:nvSpPr>
-        <p:spPr>
-          <a:xfrm>
-            <a:off x="628650" y="1396537"/>
-            <a:ext cx="3901786" cy="4630190"/>
+        </p:nvPicPr>
+        <p:blipFill>
+          <a:blip r:embed="rId3" cstate="print">
+            <a:extLst>
+              <a:ext uri="{28A0092B-C50C-407E-A947-70E740481C1C}">
+                <a14:useLocalDpi xmlns:a14="http://schemas.microsoft.com/office/drawing/2010/main" val="0"/>
+              </a:ext>
+            </a:extLst>
+          </a:blip>
+          <a:stretch>
+            <a:fillRect/>
+          </a:stretch>
+        </p:blipFill>
+        <p:spPr>
+          <a:xfrm>
+            <a:off x="186813" y="1829530"/>
+            <a:ext cx="4257329" cy="3353280"/>
           </a:xfrm>
           <a:prstGeom prst="rect">
             <a:avLst/>
           </a:prstGeom>
+        </p:spPr>
+      </p:pic>
+      <p:sp>
+        <p:nvSpPr>
+          <p:cNvPr id="11" name="テキスト ボックス 10"/>
+          <p:cNvSpPr txBox="1"/>
+          <p:nvPr/>
+        </p:nvSpPr>
+        <p:spPr>
+          <a:xfrm>
+            <a:off x="1612568" y="5322604"/>
+            <a:ext cx="1405817" cy="369332"/>
+          </a:xfrm>
+          <a:prstGeom prst="rect">
+            <a:avLst/>
+          </a:prstGeom>
+          <a:noFill/>
+        </p:spPr>
+        <p:txBody>
+          <a:bodyPr wrap="square" rtlCol="0">
+            <a:spAutoFit/>
+          </a:bodyPr>
+          <a:lstStyle/>
+          <a:p>
+            <a:pPr algn="ctr"/>
+            <a:r>
+              <a:rPr lang="ja-JP" altLang="en-US" dirty="0" smtClean="0">
+                <a:latin typeface="Meiryo UI" panose="020B0604030504040204" pitchFamily="50" charset="-128"/>
+                <a:ea typeface="Meiryo UI" panose="020B0604030504040204" pitchFamily="50" charset="-128"/>
+              </a:rPr>
+              <a:t>低照度</a:t>
+            </a:r>
+            <a:r>
+              <a:rPr lang="ja-JP" altLang="en-US" dirty="0">
+                <a:latin typeface="Meiryo UI" panose="020B0604030504040204" pitchFamily="50" charset="-128"/>
+                <a:ea typeface="Meiryo UI" panose="020B0604030504040204" pitchFamily="50" charset="-128"/>
+              </a:rPr>
+              <a:t>画像</a:t>
+            </a:r>
+            <a:endParaRPr kumimoji="1" lang="ja-JP" altLang="en-US" dirty="0">
+              <a:latin typeface="Meiryo UI" panose="020B0604030504040204" pitchFamily="50" charset="-128"/>
+              <a:ea typeface="Meiryo UI" panose="020B0604030504040204" pitchFamily="50" charset="-128"/>
+            </a:endParaRPr>
+          </a:p>
+        </p:txBody>
+      </p:sp>
+      <p:sp>
+        <p:nvSpPr>
+          <p:cNvPr id="12" name="テキスト ボックス 11"/>
+          <p:cNvSpPr txBox="1"/>
+          <p:nvPr/>
+        </p:nvSpPr>
+        <p:spPr>
+          <a:xfrm>
+            <a:off x="6063909" y="5322604"/>
+            <a:ext cx="1405817" cy="369332"/>
+          </a:xfrm>
+          <a:prstGeom prst="rect">
+            <a:avLst/>
+          </a:prstGeom>
+          <a:noFill/>
+        </p:spPr>
+        <p:txBody>
+          <a:bodyPr wrap="square" rtlCol="0">
+            <a:spAutoFit/>
+          </a:bodyPr>
+          <a:lstStyle/>
+          <a:p>
+            <a:pPr algn="ctr"/>
+            <a:r>
+              <a:rPr lang="ja-JP" altLang="en-US" dirty="0" smtClean="0">
+                <a:latin typeface="Meiryo UI" panose="020B0604030504040204" pitchFamily="50" charset="-128"/>
+                <a:ea typeface="Meiryo UI" panose="020B0604030504040204" pitchFamily="50" charset="-128"/>
+              </a:rPr>
+              <a:t>高照度</a:t>
+            </a:r>
+            <a:r>
+              <a:rPr lang="ja-JP" altLang="en-US" dirty="0">
+                <a:latin typeface="Meiryo UI" panose="020B0604030504040204" pitchFamily="50" charset="-128"/>
+                <a:ea typeface="Meiryo UI" panose="020B0604030504040204" pitchFamily="50" charset="-128"/>
+              </a:rPr>
+              <a:t>画像</a:t>
+            </a:r>
+            <a:endParaRPr kumimoji="1" lang="ja-JP" altLang="en-US" dirty="0">
+              <a:latin typeface="Meiryo UI" panose="020B0604030504040204" pitchFamily="50" charset="-128"/>
+              <a:ea typeface="Meiryo UI" panose="020B0604030504040204" pitchFamily="50" charset="-128"/>
+            </a:endParaRPr>
+          </a:p>
+        </p:txBody>
+      </p:sp>
+      <p:sp>
+        <p:nvSpPr>
+          <p:cNvPr id="13" name="テキスト ボックス 12"/>
+          <p:cNvSpPr txBox="1"/>
+          <p:nvPr/>
+        </p:nvSpPr>
+        <p:spPr>
+          <a:xfrm>
+            <a:off x="-85298" y="1809394"/>
+            <a:ext cx="1930978" cy="400110"/>
+          </a:xfrm>
+          <a:prstGeom prst="rect">
+            <a:avLst/>
+          </a:prstGeom>
+          <a:noFill/>
+        </p:spPr>
+        <p:txBody>
+          <a:bodyPr wrap="square" rtlCol="0">
+            <a:spAutoFit/>
+          </a:bodyPr>
+          <a:lstStyle/>
+          <a:p>
+            <a:pPr algn="ctr"/>
+            <a:r>
+              <a:rPr lang="ja-JP" altLang="en-US" sz="2000" b="1" dirty="0" smtClean="0">
+                <a:ln w="10160">
+                  <a:solidFill>
+                    <a:schemeClr val="tx1"/>
+                  </a:solidFill>
+                  <a:prstDash val="solid"/>
+                </a:ln>
+                <a:solidFill>
+                  <a:schemeClr val="bg1"/>
+                </a:solidFill>
+                <a:effectLst>
+                  <a:outerShdw blurRad="38100" dist="22860" dir="5400000" algn="tl" rotWithShape="0">
+                    <a:srgbClr val="000000">
+                      <a:alpha val="30000"/>
+                    </a:srgbClr>
+                  </a:outerShdw>
+                </a:effectLst>
+                <a:latin typeface="Meiryo UI" panose="020B0604030504040204" pitchFamily="50" charset="-128"/>
+                <a:ea typeface="Meiryo UI" panose="020B0604030504040204" pitchFamily="50" charset="-128"/>
+              </a:rPr>
+              <a:t>検出不可</a:t>
+            </a:r>
+            <a:endParaRPr kumimoji="1" lang="ja-JP" altLang="en-US" sz="2000" b="1" dirty="0">
+              <a:ln w="10160">
+                <a:solidFill>
+                  <a:schemeClr val="tx1"/>
+                </a:solidFill>
+                <a:prstDash val="solid"/>
+              </a:ln>
+              <a:solidFill>
+                <a:schemeClr val="bg1"/>
+              </a:solidFill>
+              <a:effectLst>
+                <a:outerShdw blurRad="38100" dist="22860" dir="5400000" algn="tl" rotWithShape="0">
+                  <a:srgbClr val="000000">
+                    <a:alpha val="30000"/>
+                  </a:srgbClr>
+                </a:outerShdw>
+              </a:effectLst>
+              <a:latin typeface="Meiryo UI" panose="020B0604030504040204" pitchFamily="50" charset="-128"/>
+              <a:ea typeface="Meiryo UI" panose="020B0604030504040204" pitchFamily="50" charset="-128"/>
+            </a:endParaRPr>
+          </a:p>
+        </p:txBody>
+      </p:sp>
+      <p:sp>
+        <p:nvSpPr>
+          <p:cNvPr id="15" name="テキスト ボックス 14"/>
+          <p:cNvSpPr txBox="1"/>
+          <p:nvPr/>
+        </p:nvSpPr>
+        <p:spPr>
+          <a:xfrm>
+            <a:off x="4505598" y="1797350"/>
+            <a:ext cx="1930978" cy="400110"/>
+          </a:xfrm>
+          <a:prstGeom prst="rect">
+            <a:avLst/>
+          </a:prstGeom>
+          <a:noFill/>
+        </p:spPr>
+        <p:txBody>
+          <a:bodyPr wrap="square" rtlCol="0">
+            <a:spAutoFit/>
+          </a:bodyPr>
+          <a:lstStyle/>
+          <a:p>
+            <a:pPr algn="ctr"/>
+            <a:r>
+              <a:rPr kumimoji="1" lang="ja-JP" altLang="en-US" sz="2000" b="1" dirty="0" smtClean="0">
+                <a:ln w="10160">
+                  <a:solidFill>
+                    <a:schemeClr val="tx1"/>
+                  </a:solidFill>
+                  <a:prstDash val="solid"/>
+                </a:ln>
+                <a:solidFill>
+                  <a:schemeClr val="bg1"/>
+                </a:solidFill>
+                <a:effectLst>
+                  <a:outerShdw blurRad="38100" dist="22860" dir="5400000" algn="tl" rotWithShape="0">
+                    <a:srgbClr val="000000">
+                      <a:alpha val="30000"/>
+                    </a:srgbClr>
+                  </a:outerShdw>
+                </a:effectLst>
+                <a:latin typeface="Meiryo UI" panose="020B0604030504040204" pitchFamily="50" charset="-128"/>
+                <a:ea typeface="Meiryo UI" panose="020B0604030504040204" pitchFamily="50" charset="-128"/>
+              </a:rPr>
+              <a:t>検出率</a:t>
+            </a:r>
+            <a:r>
+              <a:rPr kumimoji="1" lang="en-US" altLang="ja-JP" sz="2000" b="1" dirty="0" smtClean="0">
+                <a:ln w="10160">
+                  <a:solidFill>
+                    <a:schemeClr val="tx1"/>
+                  </a:solidFill>
+                  <a:prstDash val="solid"/>
+                </a:ln>
+                <a:solidFill>
+                  <a:schemeClr val="bg1"/>
+                </a:solidFill>
+                <a:effectLst>
+                  <a:outerShdw blurRad="38100" dist="22860" dir="5400000" algn="tl" rotWithShape="0">
+                    <a:srgbClr val="000000">
+                      <a:alpha val="30000"/>
+                    </a:srgbClr>
+                  </a:outerShdw>
+                </a:effectLst>
+                <a:latin typeface="Meiryo UI" panose="020B0604030504040204" pitchFamily="50" charset="-128"/>
+                <a:ea typeface="Meiryo UI" panose="020B0604030504040204" pitchFamily="50" charset="-128"/>
+              </a:rPr>
+              <a:t>UP</a:t>
+            </a:r>
+            <a:endParaRPr kumimoji="1" lang="ja-JP" altLang="en-US" sz="2000" b="1" dirty="0">
+              <a:ln w="10160">
+                <a:solidFill>
+                  <a:schemeClr val="tx1"/>
+                </a:solidFill>
+                <a:prstDash val="solid"/>
+              </a:ln>
+              <a:solidFill>
+                <a:schemeClr val="bg1"/>
+              </a:solidFill>
+              <a:effectLst>
+                <a:outerShdw blurRad="38100" dist="22860" dir="5400000" algn="tl" rotWithShape="0">
+                  <a:srgbClr val="000000">
+                    <a:alpha val="30000"/>
+                  </a:srgbClr>
+                </a:outerShdw>
+              </a:effectLst>
+              <a:latin typeface="Meiryo UI" panose="020B0604030504040204" pitchFamily="50" charset="-128"/>
+              <a:ea typeface="Meiryo UI" panose="020B0604030504040204" pitchFamily="50" charset="-128"/>
+            </a:endParaRPr>
+          </a:p>
+        </p:txBody>
+      </p:sp>
+      <p:sp>
+        <p:nvSpPr>
+          <p:cNvPr id="17" name="右矢印 16"/>
+          <p:cNvSpPr/>
+          <p:nvPr/>
+        </p:nvSpPr>
+        <p:spPr>
+          <a:xfrm>
+            <a:off x="3931920" y="3259719"/>
+            <a:ext cx="1426464" cy="786959"/>
+          </a:xfrm>
+          <a:prstGeom prst="rightArrow">
+            <a:avLst/>
+          </a:prstGeom>
           <a:solidFill>
-            <a:schemeClr val="bg1">
-              <a:lumMod val="85000"/>
-            </a:schemeClr>
+            <a:srgbClr val="FFC000"/>
           </a:solidFill>
           <a:ln>
             <a:solidFill>
               <a:schemeClr val="tx1"/>
             </a:solidFill>
           </a:ln>
+          <a:scene3d>
+            <a:camera prst="orthographicFront"/>
+            <a:lightRig rig="threePt" dir="t"/>
+          </a:scene3d>
+          <a:sp3d>
+            <a:bevelT/>
+          </a:sp3d>
         </p:spPr>
         <p:style>
           <a:lnRef idx="2">
@@ -5643,10 +6389,2387 @@
           </a:p>
         </p:txBody>
       </p:sp>
+      <p:sp>
+        <p:nvSpPr>
+          <p:cNvPr id="18" name="テキスト ボックス 17"/>
+          <p:cNvSpPr txBox="1"/>
+          <p:nvPr/>
+        </p:nvSpPr>
+        <p:spPr>
+          <a:xfrm>
+            <a:off x="3876764" y="3467118"/>
+            <a:ext cx="1405817" cy="369332"/>
+          </a:xfrm>
+          <a:prstGeom prst="rect">
+            <a:avLst/>
+          </a:prstGeom>
+          <a:noFill/>
+        </p:spPr>
+        <p:txBody>
+          <a:bodyPr wrap="square" rtlCol="0">
+            <a:spAutoFit/>
+          </a:bodyPr>
+          <a:lstStyle/>
+          <a:p>
+            <a:pPr algn="ctr"/>
+            <a:r>
+              <a:rPr lang="ja-JP" altLang="en-US" dirty="0" smtClean="0">
+                <a:latin typeface="Meiryo UI" panose="020B0604030504040204" pitchFamily="50" charset="-128"/>
+                <a:ea typeface="Meiryo UI" panose="020B0604030504040204" pitchFamily="50" charset="-128"/>
+              </a:rPr>
+              <a:t>照度</a:t>
+            </a:r>
+            <a:r>
+              <a:rPr lang="ja-JP" altLang="en-US" dirty="0">
+                <a:latin typeface="Meiryo UI" panose="020B0604030504040204" pitchFamily="50" charset="-128"/>
+                <a:ea typeface="Meiryo UI" panose="020B0604030504040204" pitchFamily="50" charset="-128"/>
+              </a:rPr>
+              <a:t>改善</a:t>
+            </a:r>
+            <a:endParaRPr kumimoji="1" lang="ja-JP" altLang="en-US" dirty="0">
+              <a:latin typeface="Meiryo UI" panose="020B0604030504040204" pitchFamily="50" charset="-128"/>
+              <a:ea typeface="Meiryo UI" panose="020B0604030504040204" pitchFamily="50" charset="-128"/>
+            </a:endParaRPr>
+          </a:p>
+        </p:txBody>
+      </p:sp>
+    </p:spTree>
+    <p:extLst>
+      <p:ext uri="{BB962C8B-B14F-4D97-AF65-F5344CB8AC3E}">
+        <p14:creationId xmlns:p14="http://schemas.microsoft.com/office/powerpoint/2010/main" val="634663582"/>
+      </p:ext>
+    </p:extLst>
+  </p:cSld>
+  <p:clrMapOvr>
+    <a:masterClrMapping/>
+  </p:clrMapOvr>
+</p:sld>
+</file>
+
+<file path=ppt/slides/slide5.xml><?xml version="1.0" encoding="utf-8"?>
+<p:sld xmlns:a="http://schemas.openxmlformats.org/drawingml/2006/main" xmlns:r="http://schemas.openxmlformats.org/officeDocument/2006/relationships" xmlns:p="http://schemas.openxmlformats.org/presentationml/2006/main">
+  <p:cSld>
+    <p:spTree>
+      <p:nvGrpSpPr>
+        <p:cNvPr id="1" name=""/>
+        <p:cNvGrpSpPr/>
+        <p:nvPr/>
+      </p:nvGrpSpPr>
+      <p:grpSpPr>
+        <a:xfrm>
+          <a:off x="0" y="0"/>
+          <a:ext cx="0" cy="0"/>
+          <a:chOff x="0" y="0"/>
+          <a:chExt cx="0" cy="0"/>
+        </a:xfrm>
+      </p:grpSpPr>
+      <p:sp>
+        <p:nvSpPr>
+          <p:cNvPr id="2" name="タイトル 1"/>
+          <p:cNvSpPr>
+            <a:spLocks noGrp="1"/>
+          </p:cNvSpPr>
+          <p:nvPr>
+            <p:ph type="title"/>
+          </p:nvPr>
+        </p:nvSpPr>
+        <p:spPr/>
+        <p:txBody>
+          <a:bodyPr/>
+          <a:lstStyle/>
+          <a:p>
+            <a:r>
+              <a:rPr lang="ja-JP" altLang="en-US" dirty="0" smtClean="0"/>
+              <a:t>研究背景 </a:t>
+            </a:r>
+            <a:r>
+              <a:rPr lang="en-US" altLang="ja-JP" dirty="0" smtClean="0"/>
+              <a:t>| </a:t>
+            </a:r>
+            <a:r>
+              <a:rPr lang="ja-JP" altLang="en-US" dirty="0" smtClean="0"/>
+              <a:t>照度改善の技術</a:t>
+            </a:r>
+            <a:endParaRPr kumimoji="1" lang="ja-JP" altLang="en-US" dirty="0"/>
+          </a:p>
+        </p:txBody>
+      </p:sp>
+      <p:sp>
+        <p:nvSpPr>
+          <p:cNvPr id="4" name="スライド番号プレースホルダー 3"/>
+          <p:cNvSpPr>
+            <a:spLocks noGrp="1"/>
+          </p:cNvSpPr>
+          <p:nvPr>
+            <p:ph type="sldNum" sz="quarter" idx="12"/>
+          </p:nvPr>
+        </p:nvSpPr>
+        <p:spPr/>
+        <p:txBody>
+          <a:bodyPr/>
+          <a:lstStyle/>
+          <a:p>
+            <a:fld id="{347682C8-82D1-46D0-9478-90028B6C6E2B}" type="slidenum">
+              <a:rPr lang="ja-JP" altLang="en-US" smtClean="0"/>
+              <a:pPr/>
+              <a:t>5</a:t>
+            </a:fld>
+            <a:endParaRPr lang="ja-JP" altLang="en-US" dirty="0"/>
+          </a:p>
+        </p:txBody>
+      </p:sp>
+      <p:sp>
+        <p:nvSpPr>
+          <p:cNvPr id="5" name="コンテンツ プレースホルダー 2"/>
+          <p:cNvSpPr txBox="1">
+            <a:spLocks/>
+          </p:cNvSpPr>
+          <p:nvPr/>
+        </p:nvSpPr>
+        <p:spPr>
+          <a:xfrm>
+            <a:off x="659478" y="988152"/>
+            <a:ext cx="5090692" cy="1426633"/>
+          </a:xfrm>
+          <a:prstGeom prst="rect">
+            <a:avLst/>
+          </a:prstGeom>
+          <a:ln w="28575">
+            <a:solidFill>
+              <a:srgbClr val="00B050"/>
+            </a:solidFill>
+          </a:ln>
+        </p:spPr>
+        <p:txBody>
+          <a:bodyPr vert="horz" lIns="91440" tIns="45720" rIns="91440" bIns="45720" rtlCol="0" anchor="ctr">
+            <a:normAutofit/>
+          </a:bodyPr>
+          <a:lstStyle>
+            <a:lvl1pPr marL="228600" indent="-228600" algn="l" defTabSz="914400" rtl="0" eaLnBrk="1" latinLnBrk="0" hangingPunct="1">
+              <a:lnSpc>
+                <a:spcPct val="90000"/>
+              </a:lnSpc>
+              <a:spcBef>
+                <a:spcPts val="1000"/>
+              </a:spcBef>
+              <a:buFont typeface="Arial" panose="020B0604020202020204" pitchFamily="34" charset="0"/>
+              <a:buChar char="•"/>
+              <a:defRPr kumimoji="1" sz="2400" kern="1200">
+                <a:solidFill>
+                  <a:schemeClr val="tx1"/>
+                </a:solidFill>
+                <a:latin typeface="Meiryo UI" panose="020B0604030504040204" pitchFamily="50" charset="-128"/>
+                <a:ea typeface="Meiryo UI" panose="020B0604030504040204" pitchFamily="50" charset="-128"/>
+                <a:cs typeface="+mn-cs"/>
+              </a:defRPr>
+            </a:lvl1pPr>
+            <a:lvl2pPr marL="685800" indent="-228600" algn="l" defTabSz="914400" rtl="0" eaLnBrk="1" latinLnBrk="0" hangingPunct="1">
+              <a:lnSpc>
+                <a:spcPct val="90000"/>
+              </a:lnSpc>
+              <a:spcBef>
+                <a:spcPts val="500"/>
+              </a:spcBef>
+              <a:buFont typeface="Arial" panose="020B0604020202020204" pitchFamily="34" charset="0"/>
+              <a:buChar char="•"/>
+              <a:defRPr kumimoji="1" sz="2000" kern="1200">
+                <a:solidFill>
+                  <a:schemeClr val="tx1"/>
+                </a:solidFill>
+                <a:latin typeface="Meiryo UI" panose="020B0604030504040204" pitchFamily="50" charset="-128"/>
+                <a:ea typeface="Meiryo UI" panose="020B0604030504040204" pitchFamily="50" charset="-128"/>
+                <a:cs typeface="+mn-cs"/>
+              </a:defRPr>
+            </a:lvl2pPr>
+            <a:lvl3pPr marL="1143000" indent="-228600" algn="l" defTabSz="914400" rtl="0" eaLnBrk="1" latinLnBrk="0" hangingPunct="1">
+              <a:lnSpc>
+                <a:spcPct val="90000"/>
+              </a:lnSpc>
+              <a:spcBef>
+                <a:spcPts val="500"/>
+              </a:spcBef>
+              <a:buFont typeface="Arial" panose="020B0604020202020204" pitchFamily="34" charset="0"/>
+              <a:buChar char="•"/>
+              <a:defRPr kumimoji="1" sz="1800" kern="1200">
+                <a:solidFill>
+                  <a:schemeClr val="tx1"/>
+                </a:solidFill>
+                <a:latin typeface="Meiryo UI" panose="020B0604030504040204" pitchFamily="50" charset="-128"/>
+                <a:ea typeface="Meiryo UI" panose="020B0604030504040204" pitchFamily="50" charset="-128"/>
+                <a:cs typeface="+mn-cs"/>
+              </a:defRPr>
+            </a:lvl3pPr>
+            <a:lvl4pPr marL="1600200" indent="-228600" algn="l" defTabSz="914400" rtl="0" eaLnBrk="1" latinLnBrk="0" hangingPunct="1">
+              <a:lnSpc>
+                <a:spcPct val="90000"/>
+              </a:lnSpc>
+              <a:spcBef>
+                <a:spcPts val="500"/>
+              </a:spcBef>
+              <a:buFont typeface="Arial" panose="020B0604020202020204" pitchFamily="34" charset="0"/>
+              <a:buChar char="•"/>
+              <a:defRPr kumimoji="1" sz="1600" kern="1200">
+                <a:solidFill>
+                  <a:schemeClr val="tx1"/>
+                </a:solidFill>
+                <a:latin typeface="Meiryo UI" panose="020B0604030504040204" pitchFamily="50" charset="-128"/>
+                <a:ea typeface="Meiryo UI" panose="020B0604030504040204" pitchFamily="50" charset="-128"/>
+                <a:cs typeface="+mn-cs"/>
+              </a:defRPr>
+            </a:lvl4pPr>
+            <a:lvl5pPr marL="2057400" indent="-228600" algn="l" defTabSz="914400" rtl="0" eaLnBrk="1" latinLnBrk="0" hangingPunct="1">
+              <a:lnSpc>
+                <a:spcPct val="90000"/>
+              </a:lnSpc>
+              <a:spcBef>
+                <a:spcPts val="500"/>
+              </a:spcBef>
+              <a:buFont typeface="Arial" panose="020B0604020202020204" pitchFamily="34" charset="0"/>
+              <a:buChar char="•"/>
+              <a:defRPr kumimoji="1" sz="1600" kern="1200">
+                <a:solidFill>
+                  <a:schemeClr val="tx1"/>
+                </a:solidFill>
+                <a:latin typeface="Meiryo UI" panose="020B0604030504040204" pitchFamily="50" charset="-128"/>
+                <a:ea typeface="Meiryo UI" panose="020B0604030504040204" pitchFamily="50" charset="-128"/>
+                <a:cs typeface="+mn-cs"/>
+              </a:defRPr>
+            </a:lvl5pPr>
+            <a:lvl6pPr marL="2514600" indent="-228600" algn="l" defTabSz="914400" rtl="0" eaLnBrk="1" latinLnBrk="0" hangingPunct="1">
+              <a:lnSpc>
+                <a:spcPct val="90000"/>
+              </a:lnSpc>
+              <a:spcBef>
+                <a:spcPts val="500"/>
+              </a:spcBef>
+              <a:buFont typeface="Arial" panose="020B0604020202020204" pitchFamily="34" charset="0"/>
+              <a:buChar char="•"/>
+              <a:defRPr kumimoji="1" sz="1800" kern="1200">
+                <a:solidFill>
+                  <a:schemeClr val="tx1"/>
+                </a:solidFill>
+                <a:latin typeface="+mn-lt"/>
+                <a:ea typeface="+mn-ea"/>
+                <a:cs typeface="+mn-cs"/>
+              </a:defRPr>
+            </a:lvl6pPr>
+            <a:lvl7pPr marL="2971800" indent="-228600" algn="l" defTabSz="914400" rtl="0" eaLnBrk="1" latinLnBrk="0" hangingPunct="1">
+              <a:lnSpc>
+                <a:spcPct val="90000"/>
+              </a:lnSpc>
+              <a:spcBef>
+                <a:spcPts val="500"/>
+              </a:spcBef>
+              <a:buFont typeface="Arial" panose="020B0604020202020204" pitchFamily="34" charset="0"/>
+              <a:buChar char="•"/>
+              <a:defRPr kumimoji="1" sz="1800" kern="1200">
+                <a:solidFill>
+                  <a:schemeClr val="tx1"/>
+                </a:solidFill>
+                <a:latin typeface="+mn-lt"/>
+                <a:ea typeface="+mn-ea"/>
+                <a:cs typeface="+mn-cs"/>
+              </a:defRPr>
+            </a:lvl7pPr>
+            <a:lvl8pPr marL="3429000" indent="-228600" algn="l" defTabSz="914400" rtl="0" eaLnBrk="1" latinLnBrk="0" hangingPunct="1">
+              <a:lnSpc>
+                <a:spcPct val="90000"/>
+              </a:lnSpc>
+              <a:spcBef>
+                <a:spcPts val="500"/>
+              </a:spcBef>
+              <a:buFont typeface="Arial" panose="020B0604020202020204" pitchFamily="34" charset="0"/>
+              <a:buChar char="•"/>
+              <a:defRPr kumimoji="1" sz="1800" kern="1200">
+                <a:solidFill>
+                  <a:schemeClr val="tx1"/>
+                </a:solidFill>
+                <a:latin typeface="+mn-lt"/>
+                <a:ea typeface="+mn-ea"/>
+                <a:cs typeface="+mn-cs"/>
+              </a:defRPr>
+            </a:lvl8pPr>
+            <a:lvl9pPr marL="3886200" indent="-228600" algn="l" defTabSz="914400" rtl="0" eaLnBrk="1" latinLnBrk="0" hangingPunct="1">
+              <a:lnSpc>
+                <a:spcPct val="90000"/>
+              </a:lnSpc>
+              <a:spcBef>
+                <a:spcPts val="500"/>
+              </a:spcBef>
+              <a:buFont typeface="Arial" panose="020B0604020202020204" pitchFamily="34" charset="0"/>
+              <a:buChar char="•"/>
+              <a:defRPr kumimoji="1" sz="1800" kern="1200">
+                <a:solidFill>
+                  <a:schemeClr val="tx1"/>
+                </a:solidFill>
+                <a:latin typeface="+mn-lt"/>
+                <a:ea typeface="+mn-ea"/>
+                <a:cs typeface="+mn-cs"/>
+              </a:defRPr>
+            </a:lvl9pPr>
+          </a:lstStyle>
+          <a:p>
+            <a:pPr>
+              <a:buFont typeface="Wingdings" panose="05000000000000000000" pitchFamily="2" charset="2"/>
+              <a:buChar char="p"/>
+            </a:pPr>
+            <a:endParaRPr lang="en-US" altLang="ja-JP" sz="2000" dirty="0" smtClean="0"/>
+          </a:p>
+        </p:txBody>
+      </p:sp>
+      <p:sp>
+        <p:nvSpPr>
+          <p:cNvPr id="3" name="コンテンツ プレースホルダー 2"/>
+          <p:cNvSpPr>
+            <a:spLocks noGrp="1"/>
+          </p:cNvSpPr>
+          <p:nvPr>
+            <p:ph idx="1"/>
+          </p:nvPr>
+        </p:nvSpPr>
+        <p:spPr>
+          <a:xfrm>
+            <a:off x="986098" y="778370"/>
+            <a:ext cx="2056361" cy="419562"/>
+          </a:xfrm>
+          <a:solidFill>
+            <a:srgbClr val="00B050"/>
+          </a:solidFill>
+          <a:ln>
+            <a:solidFill>
+              <a:schemeClr val="tx1"/>
+            </a:solidFill>
+          </a:ln>
+        </p:spPr>
+        <p:txBody>
+          <a:bodyPr anchor="ctr">
+            <a:normAutofit lnSpcReduction="10000"/>
+          </a:bodyPr>
+          <a:lstStyle/>
+          <a:p>
+            <a:pPr marL="0" indent="0">
+              <a:buNone/>
+            </a:pPr>
+            <a:r>
+              <a:rPr kumimoji="1" lang="en-US" altLang="ja-JP" b="1" dirty="0" err="1" smtClean="0">
+                <a:solidFill>
+                  <a:schemeClr val="bg1"/>
+                </a:solidFill>
+              </a:rPr>
+              <a:t>Retinex</a:t>
+            </a:r>
+            <a:r>
+              <a:rPr kumimoji="1" lang="ja-JP" altLang="en-US" b="1" dirty="0" smtClean="0">
+                <a:solidFill>
+                  <a:schemeClr val="bg1"/>
+                </a:solidFill>
+              </a:rPr>
+              <a:t>理論</a:t>
+            </a:r>
+            <a:endParaRPr kumimoji="1" lang="ja-JP" altLang="en-US" b="1" dirty="0">
+              <a:solidFill>
+                <a:schemeClr val="bg1"/>
+              </a:solidFill>
+            </a:endParaRPr>
+          </a:p>
+        </p:txBody>
+      </p:sp>
+      <p:sp>
+        <p:nvSpPr>
+          <p:cNvPr id="6" name="正方形/長方形 5"/>
+          <p:cNvSpPr/>
+          <p:nvPr/>
+        </p:nvSpPr>
+        <p:spPr>
+          <a:xfrm>
+            <a:off x="628650" y="1242258"/>
+            <a:ext cx="4931125" cy="1015663"/>
+          </a:xfrm>
+          <a:prstGeom prst="rect">
+            <a:avLst/>
+          </a:prstGeom>
+        </p:spPr>
+        <p:txBody>
+          <a:bodyPr wrap="square">
+            <a:spAutoFit/>
+          </a:bodyPr>
+          <a:lstStyle/>
+          <a:p>
+            <a:pPr>
+              <a:buFont typeface="Wingdings" panose="05000000000000000000" pitchFamily="2" charset="2"/>
+              <a:buChar char="p"/>
+            </a:pPr>
+            <a:r>
+              <a:rPr lang="ja-JP" altLang="en-US" sz="2000" dirty="0">
+                <a:latin typeface="Meiryo UI" panose="020B0604030504040204" pitchFamily="50" charset="-128"/>
+                <a:ea typeface="Meiryo UI" panose="020B0604030504040204" pitchFamily="50" charset="-128"/>
+              </a:rPr>
+              <a:t>　</a:t>
+            </a:r>
+            <a:r>
+              <a:rPr lang="en-US" altLang="ja-JP" sz="2000" dirty="0">
+                <a:latin typeface="Meiryo UI" panose="020B0604030504040204" pitchFamily="50" charset="-128"/>
+                <a:ea typeface="Meiryo UI" panose="020B0604030504040204" pitchFamily="50" charset="-128"/>
+              </a:rPr>
+              <a:t>S = R </a:t>
+            </a:r>
+            <a:r>
+              <a:rPr lang="ja-JP" altLang="en-US" sz="2000" dirty="0">
+                <a:latin typeface="Meiryo UI" panose="020B0604030504040204" pitchFamily="50" charset="-128"/>
+                <a:ea typeface="Meiryo UI" panose="020B0604030504040204" pitchFamily="50" charset="-128"/>
+              </a:rPr>
+              <a:t>・ </a:t>
+            </a:r>
+            <a:r>
+              <a:rPr lang="en-US" altLang="ja-JP" sz="2000" dirty="0">
+                <a:latin typeface="Meiryo UI" panose="020B0604030504040204" pitchFamily="50" charset="-128"/>
+                <a:ea typeface="Meiryo UI" panose="020B0604030504040204" pitchFamily="50" charset="-128"/>
+              </a:rPr>
+              <a:t>I</a:t>
+            </a:r>
+          </a:p>
+          <a:p>
+            <a:r>
+              <a:rPr lang="en-US" altLang="ja-JP" sz="2000" dirty="0">
+                <a:latin typeface="Meiryo UI" panose="020B0604030504040204" pitchFamily="50" charset="-128"/>
+                <a:ea typeface="Meiryo UI" panose="020B0604030504040204" pitchFamily="50" charset="-128"/>
+              </a:rPr>
+              <a:t>    (S:</a:t>
+            </a:r>
+            <a:r>
+              <a:rPr lang="ja-JP" altLang="en-US" sz="2000" dirty="0">
+                <a:latin typeface="Meiryo UI" panose="020B0604030504040204" pitchFamily="50" charset="-128"/>
+                <a:ea typeface="Meiryo UI" panose="020B0604030504040204" pitchFamily="50" charset="-128"/>
+              </a:rPr>
+              <a:t>入力、</a:t>
+            </a:r>
+            <a:r>
+              <a:rPr lang="en-US" altLang="ja-JP" sz="2000" dirty="0">
+                <a:latin typeface="Meiryo UI" panose="020B0604030504040204" pitchFamily="50" charset="-128"/>
+                <a:ea typeface="Meiryo UI" panose="020B0604030504040204" pitchFamily="50" charset="-128"/>
+              </a:rPr>
+              <a:t>R:</a:t>
+            </a:r>
+            <a:r>
+              <a:rPr lang="ja-JP" altLang="en-US" sz="2000" dirty="0">
+                <a:latin typeface="Meiryo UI" panose="020B0604030504040204" pitchFamily="50" charset="-128"/>
+                <a:ea typeface="Meiryo UI" panose="020B0604030504040204" pitchFamily="50" charset="-128"/>
+              </a:rPr>
+              <a:t>反射率成分、</a:t>
+            </a:r>
+            <a:r>
+              <a:rPr lang="en-US" altLang="ja-JP" sz="2000" dirty="0">
+                <a:latin typeface="Meiryo UI" panose="020B0604030504040204" pitchFamily="50" charset="-128"/>
+                <a:ea typeface="Meiryo UI" panose="020B0604030504040204" pitchFamily="50" charset="-128"/>
+              </a:rPr>
+              <a:t>I:</a:t>
+            </a:r>
+            <a:r>
+              <a:rPr lang="ja-JP" altLang="en-US" sz="2000" dirty="0">
+                <a:latin typeface="Meiryo UI" panose="020B0604030504040204" pitchFamily="50" charset="-128"/>
+                <a:ea typeface="Meiryo UI" panose="020B0604030504040204" pitchFamily="50" charset="-128"/>
+              </a:rPr>
+              <a:t>照明光成分</a:t>
+            </a:r>
+            <a:r>
+              <a:rPr lang="en-US" altLang="ja-JP" sz="2000" dirty="0">
+                <a:latin typeface="Meiryo UI" panose="020B0604030504040204" pitchFamily="50" charset="-128"/>
+                <a:ea typeface="Meiryo UI" panose="020B0604030504040204" pitchFamily="50" charset="-128"/>
+              </a:rPr>
+              <a:t>)</a:t>
+            </a:r>
+          </a:p>
+          <a:p>
+            <a:pPr>
+              <a:buFont typeface="Wingdings" panose="05000000000000000000" pitchFamily="2" charset="2"/>
+              <a:buChar char="p"/>
+            </a:pPr>
+            <a:r>
+              <a:rPr lang="en-US" altLang="ja-JP" sz="2000" dirty="0">
+                <a:latin typeface="Meiryo UI" panose="020B0604030504040204" pitchFamily="50" charset="-128"/>
+                <a:ea typeface="Meiryo UI" panose="020B0604030504040204" pitchFamily="50" charset="-128"/>
+              </a:rPr>
+              <a:t> </a:t>
+            </a:r>
+            <a:r>
+              <a:rPr lang="en-US" altLang="ja-JP" sz="2000" dirty="0" smtClean="0">
+                <a:latin typeface="Meiryo UI" panose="020B0604030504040204" pitchFamily="50" charset="-128"/>
+                <a:ea typeface="Meiryo UI" panose="020B0604030504040204" pitchFamily="50" charset="-128"/>
+              </a:rPr>
+              <a:t>“</a:t>
+            </a:r>
+            <a:r>
+              <a:rPr lang="ja-JP" altLang="en-US" sz="2000" dirty="0" smtClean="0">
+                <a:latin typeface="Meiryo UI" panose="020B0604030504040204" pitchFamily="50" charset="-128"/>
+                <a:ea typeface="Meiryo UI" panose="020B0604030504040204" pitchFamily="50" charset="-128"/>
+              </a:rPr>
+              <a:t>明るさの恒常性</a:t>
+            </a:r>
+            <a:r>
+              <a:rPr lang="en-US" altLang="ja-JP" sz="2000" dirty="0" smtClean="0">
+                <a:latin typeface="Meiryo UI" panose="020B0604030504040204" pitchFamily="50" charset="-128"/>
+                <a:ea typeface="Meiryo UI" panose="020B0604030504040204" pitchFamily="50" charset="-128"/>
+              </a:rPr>
+              <a:t>”</a:t>
+            </a:r>
+            <a:r>
+              <a:rPr lang="ja-JP" altLang="en-US" sz="2000" dirty="0" smtClean="0">
+                <a:latin typeface="Meiryo UI" panose="020B0604030504040204" pitchFamily="50" charset="-128"/>
+                <a:ea typeface="Meiryo UI" panose="020B0604030504040204" pitchFamily="50" charset="-128"/>
+              </a:rPr>
+              <a:t>に基づく理論</a:t>
+            </a:r>
+            <a:endParaRPr lang="en-US" altLang="ja-JP" sz="2000" dirty="0">
+              <a:latin typeface="Meiryo UI" panose="020B0604030504040204" pitchFamily="50" charset="-128"/>
+              <a:ea typeface="Meiryo UI" panose="020B0604030504040204" pitchFamily="50" charset="-128"/>
+            </a:endParaRPr>
+          </a:p>
+        </p:txBody>
+      </p:sp>
+      <p:pic>
+        <p:nvPicPr>
+          <p:cNvPr id="7" name="図 6"/>
+          <p:cNvPicPr>
+            <a:picLocks noChangeAspect="1"/>
+          </p:cNvPicPr>
+          <p:nvPr/>
+        </p:nvPicPr>
+        <p:blipFill>
+          <a:blip r:embed="rId3">
+            <a:extLst>
+              <a:ext uri="{28A0092B-C50C-407E-A947-70E740481C1C}">
+                <a14:useLocalDpi xmlns:a14="http://schemas.microsoft.com/office/drawing/2010/main" val="0"/>
+              </a:ext>
+            </a:extLst>
+          </a:blip>
+          <a:stretch>
+            <a:fillRect/>
+          </a:stretch>
+        </p:blipFill>
+        <p:spPr>
+          <a:xfrm>
+            <a:off x="6181048" y="988151"/>
+            <a:ext cx="2496959" cy="1046284"/>
+          </a:xfrm>
+          <a:prstGeom prst="rect">
+            <a:avLst/>
+          </a:prstGeom>
+        </p:spPr>
+      </p:pic>
+      <p:sp>
+        <p:nvSpPr>
+          <p:cNvPr id="8" name="テキスト ボックス 7"/>
+          <p:cNvSpPr txBox="1"/>
+          <p:nvPr/>
+        </p:nvSpPr>
+        <p:spPr>
+          <a:xfrm>
+            <a:off x="6306323" y="2101170"/>
+            <a:ext cx="2246408" cy="369332"/>
+          </a:xfrm>
+          <a:prstGeom prst="rect">
+            <a:avLst/>
+          </a:prstGeom>
+          <a:noFill/>
+        </p:spPr>
+        <p:txBody>
+          <a:bodyPr wrap="square" rtlCol="0">
+            <a:spAutoFit/>
+          </a:bodyPr>
+          <a:lstStyle/>
+          <a:p>
+            <a:pPr algn="ctr"/>
+            <a:r>
+              <a:rPr lang="en-US" altLang="ja-JP" dirty="0" smtClean="0">
+                <a:latin typeface="Meiryo UI" panose="020B0604030504040204" pitchFamily="50" charset="-128"/>
+                <a:ea typeface="Meiryo UI" panose="020B0604030504040204" pitchFamily="50" charset="-128"/>
+              </a:rPr>
+              <a:t>[1]</a:t>
+            </a:r>
+            <a:r>
+              <a:rPr lang="ja-JP" altLang="en-US" dirty="0" smtClean="0">
+                <a:latin typeface="Meiryo UI" panose="020B0604030504040204" pitchFamily="50" charset="-128"/>
+                <a:ea typeface="Meiryo UI" panose="020B0604030504040204" pitchFamily="50" charset="-128"/>
+              </a:rPr>
+              <a:t>の例</a:t>
+            </a:r>
+            <a:r>
+              <a:rPr lang="en-US" altLang="ja-JP" dirty="0" smtClean="0">
+                <a:latin typeface="Meiryo UI" panose="020B0604030504040204" pitchFamily="50" charset="-128"/>
+                <a:ea typeface="Meiryo UI" panose="020B0604030504040204" pitchFamily="50" charset="-128"/>
+              </a:rPr>
+              <a:t>:</a:t>
+            </a:r>
+            <a:r>
+              <a:rPr lang="ja-JP" altLang="en-US" dirty="0" smtClean="0">
+                <a:latin typeface="Meiryo UI" panose="020B0604030504040204" pitchFamily="50" charset="-128"/>
+                <a:ea typeface="Meiryo UI" panose="020B0604030504040204" pitchFamily="50" charset="-128"/>
+              </a:rPr>
+              <a:t>同じ明るさ</a:t>
+            </a:r>
+            <a:endParaRPr kumimoji="1" lang="ja-JP" altLang="en-US" dirty="0">
+              <a:latin typeface="Meiryo UI" panose="020B0604030504040204" pitchFamily="50" charset="-128"/>
+              <a:ea typeface="Meiryo UI" panose="020B0604030504040204" pitchFamily="50" charset="-128"/>
+            </a:endParaRPr>
+          </a:p>
+        </p:txBody>
+      </p:sp>
+      <p:cxnSp>
+        <p:nvCxnSpPr>
+          <p:cNvPr id="10" name="直線矢印コネクタ 9"/>
+          <p:cNvCxnSpPr/>
+          <p:nvPr/>
+        </p:nvCxnSpPr>
+        <p:spPr>
+          <a:xfrm flipH="1" flipV="1">
+            <a:off x="6928338" y="1750089"/>
+            <a:ext cx="738554" cy="351081"/>
+          </a:xfrm>
+          <a:prstGeom prst="straightConnector1">
+            <a:avLst/>
+          </a:prstGeom>
+          <a:ln>
+            <a:solidFill>
+              <a:schemeClr val="accent1"/>
+            </a:solidFill>
+            <a:tailEnd type="triangle"/>
+          </a:ln>
+        </p:spPr>
+        <p:style>
+          <a:lnRef idx="1">
+            <a:schemeClr val="accent4"/>
+          </a:lnRef>
+          <a:fillRef idx="0">
+            <a:schemeClr val="accent4"/>
+          </a:fillRef>
+          <a:effectRef idx="0">
+            <a:schemeClr val="accent4"/>
+          </a:effectRef>
+          <a:fontRef idx="minor">
+            <a:schemeClr val="tx1"/>
+          </a:fontRef>
+        </p:style>
+      </p:cxnSp>
+      <p:cxnSp>
+        <p:nvCxnSpPr>
+          <p:cNvPr id="12" name="直線矢印コネクタ 11"/>
+          <p:cNvCxnSpPr/>
+          <p:nvPr/>
+        </p:nvCxnSpPr>
+        <p:spPr>
+          <a:xfrm flipV="1">
+            <a:off x="7666892" y="1701469"/>
+            <a:ext cx="342900" cy="399701"/>
+          </a:xfrm>
+          <a:prstGeom prst="straightConnector1">
+            <a:avLst/>
+          </a:prstGeom>
+          <a:ln>
+            <a:solidFill>
+              <a:schemeClr val="accent1"/>
+            </a:solidFill>
+            <a:tailEnd type="triangle"/>
+          </a:ln>
+        </p:spPr>
+        <p:style>
+          <a:lnRef idx="1">
+            <a:schemeClr val="accent4"/>
+          </a:lnRef>
+          <a:fillRef idx="0">
+            <a:schemeClr val="accent4"/>
+          </a:fillRef>
+          <a:effectRef idx="0">
+            <a:schemeClr val="accent4"/>
+          </a:effectRef>
+          <a:fontRef idx="minor">
+            <a:schemeClr val="tx1"/>
+          </a:fontRef>
+        </p:style>
+      </p:cxnSp>
+      <p:pic>
+        <p:nvPicPr>
+          <p:cNvPr id="15" name="図 14"/>
+          <p:cNvPicPr>
+            <a:picLocks noChangeAspect="1"/>
+          </p:cNvPicPr>
+          <p:nvPr/>
+        </p:nvPicPr>
+        <p:blipFill>
+          <a:blip r:embed="rId4" cstate="print">
+            <a:extLst>
+              <a:ext uri="{28A0092B-C50C-407E-A947-70E740481C1C}">
+                <a14:useLocalDpi xmlns:a14="http://schemas.microsoft.com/office/drawing/2010/main" val="0"/>
+              </a:ext>
+            </a:extLst>
+          </a:blip>
+          <a:stretch>
+            <a:fillRect/>
+          </a:stretch>
+        </p:blipFill>
+        <p:spPr>
+          <a:xfrm>
+            <a:off x="1197100" y="3615950"/>
+            <a:ext cx="1824404" cy="1488829"/>
+          </a:xfrm>
+          <a:prstGeom prst="rect">
+            <a:avLst/>
+          </a:prstGeom>
+        </p:spPr>
+      </p:pic>
+      <p:pic>
+        <p:nvPicPr>
+          <p:cNvPr id="16" name="図 15"/>
+          <p:cNvPicPr>
+            <a:picLocks noChangeAspect="1"/>
+          </p:cNvPicPr>
+          <p:nvPr/>
+        </p:nvPicPr>
+        <p:blipFill>
+          <a:blip r:embed="rId5" cstate="print">
+            <a:extLst>
+              <a:ext uri="{28A0092B-C50C-407E-A947-70E740481C1C}">
+                <a14:useLocalDpi xmlns:a14="http://schemas.microsoft.com/office/drawing/2010/main" val="0"/>
+              </a:ext>
+            </a:extLst>
+          </a:blip>
+          <a:stretch>
+            <a:fillRect/>
+          </a:stretch>
+        </p:blipFill>
+        <p:spPr>
+          <a:xfrm>
+            <a:off x="6198190" y="3615950"/>
+            <a:ext cx="1824404" cy="1488829"/>
+          </a:xfrm>
+          <a:prstGeom prst="rect">
+            <a:avLst/>
+          </a:prstGeom>
+        </p:spPr>
+      </p:pic>
+      <p:pic>
+        <p:nvPicPr>
+          <p:cNvPr id="18" name="図 17"/>
+          <p:cNvPicPr>
+            <a:picLocks noChangeAspect="1"/>
+          </p:cNvPicPr>
+          <p:nvPr/>
+        </p:nvPicPr>
+        <p:blipFill>
+          <a:blip r:embed="rId6" cstate="print">
+            <a:extLst>
+              <a:ext uri="{28A0092B-C50C-407E-A947-70E740481C1C}">
+                <a14:useLocalDpi xmlns:a14="http://schemas.microsoft.com/office/drawing/2010/main" val="0"/>
+              </a:ext>
+            </a:extLst>
+          </a:blip>
+          <a:stretch>
+            <a:fillRect/>
+          </a:stretch>
+        </p:blipFill>
+        <p:spPr>
+          <a:xfrm>
+            <a:off x="3697645" y="2603601"/>
+            <a:ext cx="1824404" cy="1488829"/>
+          </a:xfrm>
+          <a:prstGeom prst="rect">
+            <a:avLst/>
+          </a:prstGeom>
+        </p:spPr>
+      </p:pic>
+      <p:pic>
+        <p:nvPicPr>
+          <p:cNvPr id="20" name="図 19"/>
+          <p:cNvPicPr>
+            <a:picLocks noChangeAspect="1"/>
+          </p:cNvPicPr>
+          <p:nvPr/>
+        </p:nvPicPr>
+        <p:blipFill>
+          <a:blip r:embed="rId7" cstate="print">
+            <a:extLst>
+              <a:ext uri="{28A0092B-C50C-407E-A947-70E740481C1C}">
+                <a14:useLocalDpi xmlns:a14="http://schemas.microsoft.com/office/drawing/2010/main" val="0"/>
+              </a:ext>
+            </a:extLst>
+          </a:blip>
+          <a:stretch>
+            <a:fillRect/>
+          </a:stretch>
+        </p:blipFill>
+        <p:spPr>
+          <a:xfrm>
+            <a:off x="3697646" y="4647580"/>
+            <a:ext cx="1824403" cy="1488830"/>
+          </a:xfrm>
+          <a:prstGeom prst="rect">
+            <a:avLst/>
+          </a:prstGeom>
+        </p:spPr>
+      </p:pic>
+      <p:sp>
+        <p:nvSpPr>
+          <p:cNvPr id="21" name="曲折矢印 20"/>
+          <p:cNvSpPr/>
+          <p:nvPr/>
+        </p:nvSpPr>
+        <p:spPr>
+          <a:xfrm>
+            <a:off x="2027079" y="2912187"/>
+            <a:ext cx="1608993" cy="690126"/>
+          </a:xfrm>
+          <a:prstGeom prst="bentArrow">
+            <a:avLst/>
+          </a:prstGeom>
+          <a:solidFill>
+            <a:schemeClr val="accent4"/>
+          </a:solidFill>
+          <a:ln>
+            <a:solidFill>
+              <a:schemeClr val="tx1"/>
+            </a:solidFill>
+          </a:ln>
+        </p:spPr>
+        <p:style>
+          <a:lnRef idx="2">
+            <a:schemeClr val="accent1">
+              <a:shade val="50000"/>
+            </a:schemeClr>
+          </a:lnRef>
+          <a:fillRef idx="1">
+            <a:schemeClr val="accent1"/>
+          </a:fillRef>
+          <a:effectRef idx="0">
+            <a:schemeClr val="accent1"/>
+          </a:effectRef>
+          <a:fontRef idx="minor">
+            <a:schemeClr val="lt1"/>
+          </a:fontRef>
+        </p:style>
+        <p:txBody>
+          <a:bodyPr rtlCol="0" anchor="ctr"/>
+          <a:lstStyle/>
+          <a:p>
+            <a:pPr algn="ctr"/>
+            <a:endParaRPr kumimoji="1" lang="ja-JP" altLang="en-US">
+              <a:solidFill>
+                <a:schemeClr val="tx1"/>
+              </a:solidFill>
+            </a:endParaRPr>
+          </a:p>
+        </p:txBody>
+      </p:sp>
+      <p:sp>
+        <p:nvSpPr>
+          <p:cNvPr id="22" name="曲折矢印 21"/>
+          <p:cNvSpPr/>
+          <p:nvPr/>
+        </p:nvSpPr>
+        <p:spPr>
+          <a:xfrm rot="10800000" flipH="1">
+            <a:off x="2027079" y="5118416"/>
+            <a:ext cx="1608993" cy="695704"/>
+          </a:xfrm>
+          <a:prstGeom prst="bentArrow">
+            <a:avLst/>
+          </a:prstGeom>
+          <a:solidFill>
+            <a:schemeClr val="accent4"/>
+          </a:solidFill>
+          <a:ln>
+            <a:solidFill>
+              <a:schemeClr val="tx1"/>
+            </a:solidFill>
+          </a:ln>
+        </p:spPr>
+        <p:style>
+          <a:lnRef idx="2">
+            <a:schemeClr val="accent1">
+              <a:shade val="50000"/>
+            </a:schemeClr>
+          </a:lnRef>
+          <a:fillRef idx="1">
+            <a:schemeClr val="accent1"/>
+          </a:fillRef>
+          <a:effectRef idx="0">
+            <a:schemeClr val="accent1"/>
+          </a:effectRef>
+          <a:fontRef idx="minor">
+            <a:schemeClr val="lt1"/>
+          </a:fontRef>
+        </p:style>
+        <p:txBody>
+          <a:bodyPr rtlCol="0" anchor="ctr"/>
+          <a:lstStyle/>
+          <a:p>
+            <a:pPr algn="ctr"/>
+            <a:endParaRPr kumimoji="1" lang="ja-JP" altLang="en-US">
+              <a:solidFill>
+                <a:schemeClr val="tx1"/>
+              </a:solidFill>
+            </a:endParaRPr>
+          </a:p>
+        </p:txBody>
+      </p:sp>
+      <p:sp>
+        <p:nvSpPr>
+          <p:cNvPr id="23" name="曲折矢印 22"/>
+          <p:cNvSpPr/>
+          <p:nvPr/>
+        </p:nvSpPr>
+        <p:spPr>
+          <a:xfrm rot="5400000">
+            <a:off x="6021189" y="2531961"/>
+            <a:ext cx="618583" cy="1515807"/>
+          </a:xfrm>
+          <a:prstGeom prst="bentArrow">
+            <a:avLst/>
+          </a:prstGeom>
+          <a:solidFill>
+            <a:schemeClr val="accent4"/>
+          </a:solidFill>
+          <a:ln>
+            <a:solidFill>
+              <a:schemeClr val="tx1"/>
+            </a:solidFill>
+          </a:ln>
+        </p:spPr>
+        <p:style>
+          <a:lnRef idx="2">
+            <a:schemeClr val="accent1">
+              <a:shade val="50000"/>
+            </a:schemeClr>
+          </a:lnRef>
+          <a:fillRef idx="1">
+            <a:schemeClr val="accent1"/>
+          </a:fillRef>
+          <a:effectRef idx="0">
+            <a:schemeClr val="accent1"/>
+          </a:effectRef>
+          <a:fontRef idx="minor">
+            <a:schemeClr val="lt1"/>
+          </a:fontRef>
+        </p:style>
+        <p:txBody>
+          <a:bodyPr rtlCol="0" anchor="ctr"/>
+          <a:lstStyle/>
+          <a:p>
+            <a:pPr algn="ctr"/>
+            <a:endParaRPr kumimoji="1" lang="ja-JP" altLang="en-US">
+              <a:solidFill>
+                <a:schemeClr val="tx1"/>
+              </a:solidFill>
+            </a:endParaRPr>
+          </a:p>
+        </p:txBody>
+      </p:sp>
+      <p:sp>
+        <p:nvSpPr>
+          <p:cNvPr id="24" name="曲折矢印 23"/>
+          <p:cNvSpPr/>
+          <p:nvPr/>
+        </p:nvSpPr>
+        <p:spPr>
+          <a:xfrm rot="5400000" flipH="1">
+            <a:off x="6021189" y="4708364"/>
+            <a:ext cx="618583" cy="1515807"/>
+          </a:xfrm>
+          <a:prstGeom prst="bentArrow">
+            <a:avLst/>
+          </a:prstGeom>
+          <a:solidFill>
+            <a:schemeClr val="accent4"/>
+          </a:solidFill>
+          <a:ln>
+            <a:solidFill>
+              <a:schemeClr val="tx1"/>
+            </a:solidFill>
+          </a:ln>
+        </p:spPr>
+        <p:style>
+          <a:lnRef idx="2">
+            <a:schemeClr val="accent1">
+              <a:shade val="50000"/>
+            </a:schemeClr>
+          </a:lnRef>
+          <a:fillRef idx="1">
+            <a:schemeClr val="accent1"/>
+          </a:fillRef>
+          <a:effectRef idx="0">
+            <a:schemeClr val="accent1"/>
+          </a:effectRef>
+          <a:fontRef idx="minor">
+            <a:schemeClr val="lt1"/>
+          </a:fontRef>
+        </p:style>
+        <p:txBody>
+          <a:bodyPr rtlCol="0" anchor="ctr"/>
+          <a:lstStyle/>
+          <a:p>
+            <a:pPr algn="ctr"/>
+            <a:endParaRPr kumimoji="1" lang="ja-JP" altLang="en-US">
+              <a:solidFill>
+                <a:schemeClr val="tx1"/>
+              </a:solidFill>
+            </a:endParaRPr>
+          </a:p>
+        </p:txBody>
+      </p:sp>
+      <p:sp>
+        <p:nvSpPr>
+          <p:cNvPr id="25" name="テキスト ボックス 24"/>
+          <p:cNvSpPr txBox="1"/>
+          <p:nvPr/>
+        </p:nvSpPr>
+        <p:spPr>
+          <a:xfrm>
+            <a:off x="859536" y="2573633"/>
+            <a:ext cx="2372970" cy="369332"/>
+          </a:xfrm>
+          <a:prstGeom prst="rect">
+            <a:avLst/>
+          </a:prstGeom>
+          <a:noFill/>
+        </p:spPr>
+        <p:txBody>
+          <a:bodyPr wrap="square" rtlCol="0">
+            <a:spAutoFit/>
+          </a:bodyPr>
+          <a:lstStyle/>
+          <a:p>
+            <a:pPr algn="ctr"/>
+            <a:r>
+              <a:rPr lang="ja-JP" altLang="en-US" dirty="0" smtClean="0">
+                <a:latin typeface="Meiryo UI" panose="020B0604030504040204" pitchFamily="50" charset="-128"/>
+                <a:ea typeface="Meiryo UI" panose="020B0604030504040204" pitchFamily="50" charset="-128"/>
+              </a:rPr>
+              <a:t>入力画像から分離抽出</a:t>
+            </a:r>
+            <a:endParaRPr kumimoji="1" lang="ja-JP" altLang="en-US" dirty="0">
+              <a:latin typeface="Meiryo UI" panose="020B0604030504040204" pitchFamily="50" charset="-128"/>
+              <a:ea typeface="Meiryo UI" panose="020B0604030504040204" pitchFamily="50" charset="-128"/>
+            </a:endParaRPr>
+          </a:p>
+        </p:txBody>
+      </p:sp>
+      <p:sp>
+        <p:nvSpPr>
+          <p:cNvPr id="26" name="テキスト ボックス 25"/>
+          <p:cNvSpPr txBox="1"/>
+          <p:nvPr/>
+        </p:nvSpPr>
+        <p:spPr>
+          <a:xfrm>
+            <a:off x="859536" y="5777709"/>
+            <a:ext cx="2372970" cy="369332"/>
+          </a:xfrm>
+          <a:prstGeom prst="rect">
+            <a:avLst/>
+          </a:prstGeom>
+          <a:noFill/>
+        </p:spPr>
+        <p:txBody>
+          <a:bodyPr wrap="square" rtlCol="0">
+            <a:spAutoFit/>
+          </a:bodyPr>
+          <a:lstStyle/>
+          <a:p>
+            <a:pPr algn="ctr"/>
+            <a:r>
+              <a:rPr lang="ja-JP" altLang="en-US" dirty="0" smtClean="0">
+                <a:latin typeface="Meiryo UI" panose="020B0604030504040204" pitchFamily="50" charset="-128"/>
+                <a:ea typeface="Meiryo UI" panose="020B0604030504040204" pitchFamily="50" charset="-128"/>
+              </a:rPr>
+              <a:t>入力画像から分離抽出</a:t>
+            </a:r>
+            <a:endParaRPr kumimoji="1" lang="ja-JP" altLang="en-US" dirty="0">
+              <a:latin typeface="Meiryo UI" panose="020B0604030504040204" pitchFamily="50" charset="-128"/>
+              <a:ea typeface="Meiryo UI" panose="020B0604030504040204" pitchFamily="50" charset="-128"/>
+            </a:endParaRPr>
+          </a:p>
+        </p:txBody>
+      </p:sp>
+      <p:sp>
+        <p:nvSpPr>
+          <p:cNvPr id="27" name="テキスト ボックス 26"/>
+          <p:cNvSpPr txBox="1"/>
+          <p:nvPr/>
+        </p:nvSpPr>
+        <p:spPr>
+          <a:xfrm>
+            <a:off x="3486643" y="4117333"/>
+            <a:ext cx="2246408" cy="400110"/>
+          </a:xfrm>
+          <a:prstGeom prst="rect">
+            <a:avLst/>
+          </a:prstGeom>
+          <a:noFill/>
+        </p:spPr>
+        <p:txBody>
+          <a:bodyPr wrap="square" rtlCol="0">
+            <a:spAutoFit/>
+          </a:bodyPr>
+          <a:lstStyle/>
+          <a:p>
+            <a:pPr algn="ctr"/>
+            <a:r>
+              <a:rPr kumimoji="1" lang="ja-JP" altLang="en-US" sz="2000" dirty="0" smtClean="0">
+                <a:latin typeface="Meiryo UI" panose="020B0604030504040204" pitchFamily="50" charset="-128"/>
+                <a:ea typeface="Meiryo UI" panose="020B0604030504040204" pitchFamily="50" charset="-128"/>
+              </a:rPr>
+              <a:t>照明光成分</a:t>
+            </a:r>
+            <a:endParaRPr kumimoji="1" lang="ja-JP" altLang="en-US" sz="2000" dirty="0">
+              <a:latin typeface="Meiryo UI" panose="020B0604030504040204" pitchFamily="50" charset="-128"/>
+              <a:ea typeface="Meiryo UI" panose="020B0604030504040204" pitchFamily="50" charset="-128"/>
+            </a:endParaRPr>
+          </a:p>
+        </p:txBody>
+      </p:sp>
+      <p:sp>
+        <p:nvSpPr>
+          <p:cNvPr id="28" name="テキスト ボックス 27"/>
+          <p:cNvSpPr txBox="1"/>
+          <p:nvPr/>
+        </p:nvSpPr>
+        <p:spPr>
+          <a:xfrm>
+            <a:off x="3503762" y="6092912"/>
+            <a:ext cx="2246408" cy="400110"/>
+          </a:xfrm>
+          <a:prstGeom prst="rect">
+            <a:avLst/>
+          </a:prstGeom>
+          <a:noFill/>
+        </p:spPr>
+        <p:txBody>
+          <a:bodyPr wrap="square" rtlCol="0">
+            <a:spAutoFit/>
+          </a:bodyPr>
+          <a:lstStyle/>
+          <a:p>
+            <a:pPr algn="ctr"/>
+            <a:r>
+              <a:rPr lang="ja-JP" altLang="en-US" sz="2000" dirty="0" smtClean="0">
+                <a:latin typeface="Meiryo UI" panose="020B0604030504040204" pitchFamily="50" charset="-128"/>
+                <a:ea typeface="Meiryo UI" panose="020B0604030504040204" pitchFamily="50" charset="-128"/>
+              </a:rPr>
+              <a:t>反射</a:t>
+            </a:r>
+            <a:r>
+              <a:rPr lang="ja-JP" altLang="en-US" sz="2000" dirty="0">
+                <a:latin typeface="Meiryo UI" panose="020B0604030504040204" pitchFamily="50" charset="-128"/>
+                <a:ea typeface="Meiryo UI" panose="020B0604030504040204" pitchFamily="50" charset="-128"/>
+              </a:rPr>
+              <a:t>率</a:t>
+            </a:r>
+            <a:r>
+              <a:rPr kumimoji="1" lang="ja-JP" altLang="en-US" sz="2000" dirty="0" smtClean="0">
+                <a:latin typeface="Meiryo UI" panose="020B0604030504040204" pitchFamily="50" charset="-128"/>
+                <a:ea typeface="Meiryo UI" panose="020B0604030504040204" pitchFamily="50" charset="-128"/>
+              </a:rPr>
+              <a:t>成分</a:t>
+            </a:r>
+            <a:endParaRPr kumimoji="1" lang="ja-JP" altLang="en-US" sz="2000" dirty="0">
+              <a:latin typeface="Meiryo UI" panose="020B0604030504040204" pitchFamily="50" charset="-128"/>
+              <a:ea typeface="Meiryo UI" panose="020B0604030504040204" pitchFamily="50" charset="-128"/>
+            </a:endParaRPr>
+          </a:p>
+        </p:txBody>
+      </p:sp>
+      <p:sp>
+        <p:nvSpPr>
+          <p:cNvPr id="29" name="テキスト ボックス 28"/>
+          <p:cNvSpPr txBox="1"/>
+          <p:nvPr/>
+        </p:nvSpPr>
+        <p:spPr>
+          <a:xfrm>
+            <a:off x="6120806" y="2573633"/>
+            <a:ext cx="2246408" cy="369332"/>
+          </a:xfrm>
+          <a:prstGeom prst="rect">
+            <a:avLst/>
+          </a:prstGeom>
+          <a:noFill/>
+        </p:spPr>
+        <p:txBody>
+          <a:bodyPr wrap="square" rtlCol="0">
+            <a:spAutoFit/>
+          </a:bodyPr>
+          <a:lstStyle/>
+          <a:p>
+            <a:pPr algn="ctr"/>
+            <a:r>
+              <a:rPr lang="ja-JP" altLang="en-US" dirty="0">
+                <a:latin typeface="Meiryo UI" panose="020B0604030504040204" pitchFamily="50" charset="-128"/>
+                <a:ea typeface="Meiryo UI" panose="020B0604030504040204" pitchFamily="50" charset="-128"/>
+              </a:rPr>
+              <a:t>暗部</a:t>
+            </a:r>
+            <a:r>
+              <a:rPr lang="ja-JP" altLang="en-US" dirty="0" smtClean="0">
+                <a:latin typeface="Meiryo UI" panose="020B0604030504040204" pitchFamily="50" charset="-128"/>
+                <a:ea typeface="Meiryo UI" panose="020B0604030504040204" pitchFamily="50" charset="-128"/>
+              </a:rPr>
+              <a:t>を明るく補正</a:t>
+            </a:r>
+            <a:endParaRPr kumimoji="1" lang="ja-JP" altLang="en-US" dirty="0">
+              <a:latin typeface="Meiryo UI" panose="020B0604030504040204" pitchFamily="50" charset="-128"/>
+              <a:ea typeface="Meiryo UI" panose="020B0604030504040204" pitchFamily="50" charset="-128"/>
+            </a:endParaRPr>
+          </a:p>
+        </p:txBody>
+      </p:sp>
+      <p:sp>
+        <p:nvSpPr>
+          <p:cNvPr id="30" name="テキスト ボックス 29"/>
+          <p:cNvSpPr txBox="1"/>
+          <p:nvPr/>
+        </p:nvSpPr>
+        <p:spPr>
+          <a:xfrm>
+            <a:off x="6120806" y="5772224"/>
+            <a:ext cx="2246408" cy="369332"/>
+          </a:xfrm>
+          <a:prstGeom prst="rect">
+            <a:avLst/>
+          </a:prstGeom>
+          <a:noFill/>
+        </p:spPr>
+        <p:txBody>
+          <a:bodyPr wrap="square" rtlCol="0">
+            <a:spAutoFit/>
+          </a:bodyPr>
+          <a:lstStyle/>
+          <a:p>
+            <a:pPr algn="ctr"/>
+            <a:r>
+              <a:rPr lang="ja-JP" altLang="en-US" dirty="0" smtClean="0">
+                <a:latin typeface="Meiryo UI" panose="020B0604030504040204" pitchFamily="50" charset="-128"/>
+                <a:ea typeface="Meiryo UI" panose="020B0604030504040204" pitchFamily="50" charset="-128"/>
+              </a:rPr>
+              <a:t>本来の値をキープ</a:t>
+            </a:r>
+            <a:endParaRPr kumimoji="1" lang="ja-JP" altLang="en-US" dirty="0">
+              <a:latin typeface="Meiryo UI" panose="020B0604030504040204" pitchFamily="50" charset="-128"/>
+              <a:ea typeface="Meiryo UI" panose="020B0604030504040204" pitchFamily="50" charset="-128"/>
+            </a:endParaRPr>
+          </a:p>
+        </p:txBody>
+      </p:sp>
+      <p:sp>
+        <p:nvSpPr>
+          <p:cNvPr id="9" name="フッター プレースホルダー 8"/>
+          <p:cNvSpPr>
+            <a:spLocks noGrp="1"/>
+          </p:cNvSpPr>
+          <p:nvPr>
+            <p:ph type="ftr" sz="quarter" idx="3"/>
+          </p:nvPr>
+        </p:nvSpPr>
+        <p:spPr/>
+        <p:txBody>
+          <a:bodyPr/>
+          <a:lstStyle/>
+          <a:p>
+            <a:r>
+              <a:rPr lang="ja-JP" altLang="en-US" dirty="0" smtClean="0"/>
+              <a:t>知覚の恒常性を利用することで照度改善を行う</a:t>
+            </a:r>
+            <a:endParaRPr lang="ja-JP" altLang="en-US" dirty="0"/>
+          </a:p>
+        </p:txBody>
+      </p:sp>
+    </p:spTree>
+    <p:extLst>
+      <p:ext uri="{BB962C8B-B14F-4D97-AF65-F5344CB8AC3E}">
+        <p14:creationId xmlns:p14="http://schemas.microsoft.com/office/powerpoint/2010/main" val="1462046450"/>
+      </p:ext>
+    </p:extLst>
+  </p:cSld>
+  <p:clrMapOvr>
+    <a:masterClrMapping/>
+  </p:clrMapOvr>
+</p:sld>
+</file>
+
+<file path=ppt/slides/slide6.xml><?xml version="1.0" encoding="utf-8"?>
+<p:sld xmlns:a="http://schemas.openxmlformats.org/drawingml/2006/main" xmlns:r="http://schemas.openxmlformats.org/officeDocument/2006/relationships" xmlns:p="http://schemas.openxmlformats.org/presentationml/2006/main">
+  <p:cSld>
+    <p:spTree>
+      <p:nvGrpSpPr>
+        <p:cNvPr id="1" name=""/>
+        <p:cNvGrpSpPr/>
+        <p:nvPr/>
+      </p:nvGrpSpPr>
+      <p:grpSpPr>
+        <a:xfrm>
+          <a:off x="0" y="0"/>
+          <a:ext cx="0" cy="0"/>
+          <a:chOff x="0" y="0"/>
+          <a:chExt cx="0" cy="0"/>
+        </a:xfrm>
+      </p:grpSpPr>
+      <p:sp>
+        <p:nvSpPr>
+          <p:cNvPr id="2" name="タイトル 1"/>
+          <p:cNvSpPr>
+            <a:spLocks noGrp="1"/>
+          </p:cNvSpPr>
+          <p:nvPr>
+            <p:ph type="title"/>
+          </p:nvPr>
+        </p:nvSpPr>
+        <p:spPr/>
+        <p:txBody>
+          <a:bodyPr/>
+          <a:lstStyle/>
+          <a:p>
+            <a:r>
+              <a:rPr kumimoji="1" lang="ja-JP" altLang="en-US" dirty="0" smtClean="0"/>
+              <a:t>従来手法 </a:t>
+            </a:r>
+            <a:r>
+              <a:rPr kumimoji="1" lang="en-US" altLang="ja-JP" dirty="0" smtClean="0"/>
+              <a:t>| </a:t>
+            </a:r>
+            <a:r>
+              <a:rPr kumimoji="1" lang="en-US" altLang="ja-JP" dirty="0" err="1" smtClean="0"/>
+              <a:t>Variational</a:t>
+            </a:r>
+            <a:r>
+              <a:rPr kumimoji="1" lang="en-US" altLang="ja-JP" dirty="0" smtClean="0"/>
+              <a:t> </a:t>
+            </a:r>
+            <a:r>
+              <a:rPr kumimoji="1" lang="en-US" altLang="ja-JP" dirty="0" err="1" smtClean="0"/>
+              <a:t>Retinex</a:t>
+            </a:r>
+            <a:r>
+              <a:rPr kumimoji="1" lang="en-US" altLang="ja-JP" dirty="0" smtClean="0"/>
+              <a:t> </a:t>
+            </a:r>
+            <a:endParaRPr kumimoji="1" lang="ja-JP" altLang="en-US" dirty="0"/>
+          </a:p>
+        </p:txBody>
+      </p:sp>
+      <p:sp>
+        <p:nvSpPr>
+          <p:cNvPr id="4" name="スライド番号プレースホルダー 3"/>
+          <p:cNvSpPr>
+            <a:spLocks noGrp="1"/>
+          </p:cNvSpPr>
+          <p:nvPr>
+            <p:ph type="sldNum" sz="quarter" idx="12"/>
+          </p:nvPr>
+        </p:nvSpPr>
+        <p:spPr/>
+        <p:txBody>
+          <a:bodyPr/>
+          <a:lstStyle/>
+          <a:p>
+            <a:fld id="{347682C8-82D1-46D0-9478-90028B6C6E2B}" type="slidenum">
+              <a:rPr lang="ja-JP" altLang="en-US" smtClean="0"/>
+              <a:pPr/>
+              <a:t>6</a:t>
+            </a:fld>
+            <a:endParaRPr lang="ja-JP" altLang="en-US" dirty="0"/>
+          </a:p>
+        </p:txBody>
+      </p:sp>
+      <p:sp>
+        <p:nvSpPr>
+          <p:cNvPr id="5" name="正方形/長方形 4"/>
+          <p:cNvSpPr/>
+          <p:nvPr/>
+        </p:nvSpPr>
+        <p:spPr>
+          <a:xfrm>
+            <a:off x="628650" y="1115183"/>
+            <a:ext cx="3802673" cy="5021848"/>
+          </a:xfrm>
+          <a:prstGeom prst="rect">
+            <a:avLst/>
+          </a:prstGeom>
+          <a:solidFill>
+            <a:schemeClr val="bg1">
+              <a:lumMod val="85000"/>
+            </a:schemeClr>
+          </a:solidFill>
+          <a:ln>
+            <a:solidFill>
+              <a:schemeClr val="tx1"/>
+            </a:solidFill>
+          </a:ln>
+        </p:spPr>
+        <p:style>
+          <a:lnRef idx="2">
+            <a:schemeClr val="accent1">
+              <a:shade val="50000"/>
+            </a:schemeClr>
+          </a:lnRef>
+          <a:fillRef idx="1">
+            <a:schemeClr val="accent1"/>
+          </a:fillRef>
+          <a:effectRef idx="0">
+            <a:schemeClr val="accent1"/>
+          </a:effectRef>
+          <a:fontRef idx="minor">
+            <a:schemeClr val="lt1"/>
+          </a:fontRef>
+        </p:style>
+        <p:txBody>
+          <a:bodyPr rtlCol="0" anchor="ctr"/>
+          <a:lstStyle/>
+          <a:p>
+            <a:pPr algn="ctr"/>
+            <a:endParaRPr kumimoji="1" lang="ja-JP" altLang="en-US"/>
+          </a:p>
+        </p:txBody>
+      </p:sp>
+      <p:sp>
+        <p:nvSpPr>
+          <p:cNvPr id="7" name="テキスト ボックス 6"/>
+          <p:cNvSpPr txBox="1"/>
+          <p:nvPr/>
+        </p:nvSpPr>
+        <p:spPr>
+          <a:xfrm>
+            <a:off x="628650" y="1115183"/>
+            <a:ext cx="993531" cy="400110"/>
+          </a:xfrm>
+          <a:prstGeom prst="rect">
+            <a:avLst/>
+          </a:prstGeom>
+          <a:noFill/>
+        </p:spPr>
+        <p:txBody>
+          <a:bodyPr wrap="square" rtlCol="0">
+            <a:spAutoFit/>
+          </a:bodyPr>
+          <a:lstStyle/>
+          <a:p>
+            <a:r>
+              <a:rPr lang="ja-JP" altLang="en-US" sz="2000" b="1" dirty="0">
+                <a:latin typeface="Meiryo UI" panose="020B0604030504040204" pitchFamily="50" charset="-128"/>
+                <a:ea typeface="Meiryo UI" panose="020B0604030504040204" pitchFamily="50" charset="-128"/>
+              </a:rPr>
+              <a:t>ポイント</a:t>
+            </a:r>
+            <a:endParaRPr kumimoji="1" lang="ja-JP" altLang="en-US" sz="2000" b="1" dirty="0">
+              <a:latin typeface="Meiryo UI" panose="020B0604030504040204" pitchFamily="50" charset="-128"/>
+              <a:ea typeface="Meiryo UI" panose="020B0604030504040204" pitchFamily="50" charset="-128"/>
+            </a:endParaRPr>
+          </a:p>
+        </p:txBody>
+      </p:sp>
+      <p:sp>
+        <p:nvSpPr>
+          <p:cNvPr id="3" name="フッター プレースホルダー 2"/>
+          <p:cNvSpPr>
+            <a:spLocks noGrp="1"/>
+          </p:cNvSpPr>
+          <p:nvPr>
+            <p:ph type="ftr" sz="quarter" idx="3"/>
+          </p:nvPr>
+        </p:nvSpPr>
+        <p:spPr/>
+        <p:txBody>
+          <a:bodyPr/>
+          <a:lstStyle/>
+          <a:p>
+            <a:endParaRPr lang="ja-JP" altLang="en-US" dirty="0"/>
+          </a:p>
+        </p:txBody>
+      </p:sp>
     </p:spTree>
     <p:extLst>
       <p:ext uri="{BB962C8B-B14F-4D97-AF65-F5344CB8AC3E}">
         <p14:creationId xmlns:p14="http://schemas.microsoft.com/office/powerpoint/2010/main" val="631819249"/>
+      </p:ext>
+    </p:extLst>
+  </p:cSld>
+  <p:clrMapOvr>
+    <a:masterClrMapping/>
+  </p:clrMapOvr>
+</p:sld>
+</file>
+
+<file path=ppt/slides/slide7.xml><?xml version="1.0" encoding="utf-8"?>
+<p:sld xmlns:a="http://schemas.openxmlformats.org/drawingml/2006/main" xmlns:r="http://schemas.openxmlformats.org/officeDocument/2006/relationships" xmlns:p="http://schemas.openxmlformats.org/presentationml/2006/main">
+  <p:cSld>
+    <p:spTree>
+      <p:nvGrpSpPr>
+        <p:cNvPr id="1" name=""/>
+        <p:cNvGrpSpPr/>
+        <p:nvPr/>
+      </p:nvGrpSpPr>
+      <p:grpSpPr>
+        <a:xfrm>
+          <a:off x="0" y="0"/>
+          <a:ext cx="0" cy="0"/>
+          <a:chOff x="0" y="0"/>
+          <a:chExt cx="0" cy="0"/>
+        </a:xfrm>
+      </p:grpSpPr>
+      <p:sp>
+        <p:nvSpPr>
+          <p:cNvPr id="2" name="タイトル 1"/>
+          <p:cNvSpPr>
+            <a:spLocks noGrp="1"/>
+          </p:cNvSpPr>
+          <p:nvPr>
+            <p:ph type="title"/>
+          </p:nvPr>
+        </p:nvSpPr>
+        <p:spPr/>
+        <p:txBody>
+          <a:bodyPr/>
+          <a:lstStyle/>
+          <a:p>
+            <a:r>
+              <a:rPr lang="ja-JP" altLang="en-US" dirty="0"/>
+              <a:t>今後</a:t>
+            </a:r>
+            <a:r>
+              <a:rPr lang="ja-JP" altLang="en-US" dirty="0" smtClean="0"/>
+              <a:t>の</a:t>
+            </a:r>
+            <a:r>
+              <a:rPr lang="ja-JP" altLang="en-US" dirty="0"/>
+              <a:t>展望</a:t>
+            </a:r>
+            <a:endParaRPr kumimoji="1" lang="ja-JP" altLang="en-US" dirty="0"/>
+          </a:p>
+        </p:txBody>
+      </p:sp>
+      <p:sp>
+        <p:nvSpPr>
+          <p:cNvPr id="4" name="スライド番号プレースホルダー 3"/>
+          <p:cNvSpPr>
+            <a:spLocks noGrp="1"/>
+          </p:cNvSpPr>
+          <p:nvPr>
+            <p:ph type="sldNum" sz="quarter" idx="12"/>
+          </p:nvPr>
+        </p:nvSpPr>
+        <p:spPr/>
+        <p:txBody>
+          <a:bodyPr/>
+          <a:lstStyle/>
+          <a:p>
+            <a:fld id="{347682C8-82D1-46D0-9478-90028B6C6E2B}" type="slidenum">
+              <a:rPr lang="ja-JP" altLang="en-US" smtClean="0"/>
+              <a:pPr/>
+              <a:t>7</a:t>
+            </a:fld>
+            <a:endParaRPr lang="ja-JP" altLang="en-US" dirty="0"/>
+          </a:p>
+        </p:txBody>
+      </p:sp>
+      <p:sp>
+        <p:nvSpPr>
+          <p:cNvPr id="5" name="フッター プレースホルダー 4"/>
+          <p:cNvSpPr>
+            <a:spLocks noGrp="1"/>
+          </p:cNvSpPr>
+          <p:nvPr>
+            <p:ph type="ftr" sz="quarter" idx="3"/>
+          </p:nvPr>
+        </p:nvSpPr>
+        <p:spPr/>
+        <p:txBody>
+          <a:bodyPr/>
+          <a:lstStyle/>
+          <a:p>
+            <a:r>
+              <a:rPr lang="en-US" altLang="ja-JP" dirty="0" smtClean="0"/>
+              <a:t>5</a:t>
+            </a:r>
+            <a:r>
+              <a:rPr lang="ja-JP" altLang="en-US" dirty="0" smtClean="0"/>
+              <a:t>月 </a:t>
+            </a:r>
+            <a:r>
+              <a:rPr lang="en-US" altLang="ja-JP" dirty="0" smtClean="0"/>
+              <a:t>: </a:t>
+            </a:r>
+            <a:r>
+              <a:rPr lang="ja-JP" altLang="en-US" dirty="0" smtClean="0"/>
+              <a:t>実装 </a:t>
+            </a:r>
+            <a:r>
+              <a:rPr lang="en-US" altLang="ja-JP" dirty="0" smtClean="0"/>
+              <a:t>6</a:t>
+            </a:r>
+            <a:r>
+              <a:rPr lang="ja-JP" altLang="en-US" dirty="0" smtClean="0"/>
+              <a:t>月 </a:t>
+            </a:r>
+            <a:r>
+              <a:rPr lang="en-US" altLang="ja-JP" dirty="0" smtClean="0"/>
+              <a:t>: </a:t>
+            </a:r>
+            <a:r>
+              <a:rPr lang="ja-JP" altLang="en-US" dirty="0" smtClean="0"/>
+              <a:t>実験、論文 </a:t>
+            </a:r>
+            <a:r>
+              <a:rPr lang="en-US" altLang="ja-JP" dirty="0" smtClean="0"/>
+              <a:t>7</a:t>
+            </a:r>
+            <a:r>
+              <a:rPr lang="ja-JP" altLang="en-US" dirty="0" smtClean="0"/>
+              <a:t>月 </a:t>
+            </a:r>
+            <a:r>
+              <a:rPr lang="en-US" altLang="ja-JP" dirty="0" smtClean="0"/>
+              <a:t>: </a:t>
+            </a:r>
+            <a:r>
+              <a:rPr lang="ja-JP" altLang="en-US" dirty="0" smtClean="0"/>
+              <a:t>論文 の予定</a:t>
+            </a:r>
+            <a:endParaRPr lang="en-US" altLang="ja-JP" dirty="0" smtClean="0"/>
+          </a:p>
+        </p:txBody>
+      </p:sp>
+      <p:sp>
+        <p:nvSpPr>
+          <p:cNvPr id="6" name="正方形/長方形 5"/>
+          <p:cNvSpPr/>
+          <p:nvPr/>
+        </p:nvSpPr>
+        <p:spPr>
+          <a:xfrm>
+            <a:off x="717804" y="1396466"/>
+            <a:ext cx="7708392" cy="4370832"/>
+          </a:xfrm>
+          <a:prstGeom prst="rect">
+            <a:avLst/>
+          </a:prstGeom>
+          <a:solidFill>
+            <a:schemeClr val="bg1">
+              <a:lumMod val="75000"/>
+            </a:schemeClr>
+          </a:solidFill>
+          <a:ln w="28575">
+            <a:solidFill>
+              <a:schemeClr val="tx1"/>
+            </a:solidFill>
+          </a:ln>
+        </p:spPr>
+        <p:style>
+          <a:lnRef idx="2">
+            <a:schemeClr val="accent1">
+              <a:shade val="50000"/>
+            </a:schemeClr>
+          </a:lnRef>
+          <a:fillRef idx="1">
+            <a:schemeClr val="accent1"/>
+          </a:fillRef>
+          <a:effectRef idx="0">
+            <a:schemeClr val="accent1"/>
+          </a:effectRef>
+          <a:fontRef idx="minor">
+            <a:schemeClr val="lt1"/>
+          </a:fontRef>
+        </p:style>
+        <p:txBody>
+          <a:bodyPr rtlCol="0" anchor="ctr"/>
+          <a:lstStyle/>
+          <a:p>
+            <a:pPr algn="ctr"/>
+            <a:endParaRPr kumimoji="1" lang="ja-JP" altLang="en-US"/>
+          </a:p>
+        </p:txBody>
+      </p:sp>
+      <p:cxnSp>
+        <p:nvCxnSpPr>
+          <p:cNvPr id="9" name="直線コネクタ 8"/>
+          <p:cNvCxnSpPr/>
+          <p:nvPr/>
+        </p:nvCxnSpPr>
+        <p:spPr>
+          <a:xfrm>
+            <a:off x="3200400" y="1396466"/>
+            <a:ext cx="27432" cy="4370832"/>
+          </a:xfrm>
+          <a:prstGeom prst="line">
+            <a:avLst/>
+          </a:prstGeom>
+          <a:ln w="28575"/>
+        </p:spPr>
+        <p:style>
+          <a:lnRef idx="1">
+            <a:schemeClr val="dk1"/>
+          </a:lnRef>
+          <a:fillRef idx="0">
+            <a:schemeClr val="dk1"/>
+          </a:fillRef>
+          <a:effectRef idx="0">
+            <a:schemeClr val="dk1"/>
+          </a:effectRef>
+          <a:fontRef idx="minor">
+            <a:schemeClr val="tx1"/>
+          </a:fontRef>
+        </p:style>
+      </p:cxnSp>
+      <p:cxnSp>
+        <p:nvCxnSpPr>
+          <p:cNvPr id="10" name="直線コネクタ 9"/>
+          <p:cNvCxnSpPr/>
+          <p:nvPr/>
+        </p:nvCxnSpPr>
+        <p:spPr>
+          <a:xfrm>
+            <a:off x="717804" y="2039112"/>
+            <a:ext cx="7708392" cy="27432"/>
+          </a:xfrm>
+          <a:prstGeom prst="line">
+            <a:avLst/>
+          </a:prstGeom>
+          <a:ln w="28575"/>
+        </p:spPr>
+        <p:style>
+          <a:lnRef idx="1">
+            <a:schemeClr val="dk1"/>
+          </a:lnRef>
+          <a:fillRef idx="0">
+            <a:schemeClr val="dk1"/>
+          </a:fillRef>
+          <a:effectRef idx="0">
+            <a:schemeClr val="dk1"/>
+          </a:effectRef>
+          <a:fontRef idx="minor">
+            <a:schemeClr val="tx1"/>
+          </a:fontRef>
+        </p:style>
+      </p:cxnSp>
+      <p:cxnSp>
+        <p:nvCxnSpPr>
+          <p:cNvPr id="13" name="直線コネクタ 12"/>
+          <p:cNvCxnSpPr/>
+          <p:nvPr/>
+        </p:nvCxnSpPr>
+        <p:spPr>
+          <a:xfrm>
+            <a:off x="5916168" y="1378178"/>
+            <a:ext cx="27432" cy="4370832"/>
+          </a:xfrm>
+          <a:prstGeom prst="line">
+            <a:avLst/>
+          </a:prstGeom>
+          <a:ln w="28575"/>
+        </p:spPr>
+        <p:style>
+          <a:lnRef idx="1">
+            <a:schemeClr val="dk1"/>
+          </a:lnRef>
+          <a:fillRef idx="0">
+            <a:schemeClr val="dk1"/>
+          </a:fillRef>
+          <a:effectRef idx="0">
+            <a:schemeClr val="dk1"/>
+          </a:effectRef>
+          <a:fontRef idx="minor">
+            <a:schemeClr val="tx1"/>
+          </a:fontRef>
+        </p:style>
+      </p:cxnSp>
+      <p:sp>
+        <p:nvSpPr>
+          <p:cNvPr id="14" name="テキスト ボックス 13"/>
+          <p:cNvSpPr txBox="1"/>
+          <p:nvPr/>
+        </p:nvSpPr>
+        <p:spPr>
+          <a:xfrm>
+            <a:off x="1577340" y="1517734"/>
+            <a:ext cx="608076" cy="400110"/>
+          </a:xfrm>
+          <a:prstGeom prst="rect">
+            <a:avLst/>
+          </a:prstGeom>
+          <a:noFill/>
+        </p:spPr>
+        <p:txBody>
+          <a:bodyPr wrap="square" rtlCol="0">
+            <a:spAutoFit/>
+          </a:bodyPr>
+          <a:lstStyle/>
+          <a:p>
+            <a:r>
+              <a:rPr lang="en-US" altLang="ja-JP" sz="2000" dirty="0">
+                <a:latin typeface="Meiryo UI" panose="020B0604030504040204" pitchFamily="50" charset="-128"/>
+                <a:ea typeface="Meiryo UI" panose="020B0604030504040204" pitchFamily="50" charset="-128"/>
+              </a:rPr>
+              <a:t>5</a:t>
+            </a:r>
+            <a:r>
+              <a:rPr lang="ja-JP" altLang="en-US" sz="2000" dirty="0">
+                <a:latin typeface="Meiryo UI" panose="020B0604030504040204" pitchFamily="50" charset="-128"/>
+                <a:ea typeface="Meiryo UI" panose="020B0604030504040204" pitchFamily="50" charset="-128"/>
+              </a:rPr>
+              <a:t>月</a:t>
+            </a:r>
+            <a:endParaRPr kumimoji="1" lang="ja-JP" altLang="en-US" sz="2000" dirty="0">
+              <a:latin typeface="Meiryo UI" panose="020B0604030504040204" pitchFamily="50" charset="-128"/>
+              <a:ea typeface="Meiryo UI" panose="020B0604030504040204" pitchFamily="50" charset="-128"/>
+            </a:endParaRPr>
+          </a:p>
+        </p:txBody>
+      </p:sp>
+      <p:sp>
+        <p:nvSpPr>
+          <p:cNvPr id="17" name="テキスト ボックス 16"/>
+          <p:cNvSpPr txBox="1"/>
+          <p:nvPr/>
+        </p:nvSpPr>
+        <p:spPr>
+          <a:xfrm>
+            <a:off x="4267962" y="1517734"/>
+            <a:ext cx="608076" cy="400110"/>
+          </a:xfrm>
+          <a:prstGeom prst="rect">
+            <a:avLst/>
+          </a:prstGeom>
+          <a:noFill/>
+        </p:spPr>
+        <p:txBody>
+          <a:bodyPr wrap="square" rtlCol="0">
+            <a:spAutoFit/>
+          </a:bodyPr>
+          <a:lstStyle/>
+          <a:p>
+            <a:r>
+              <a:rPr lang="en-US" altLang="ja-JP" sz="2000" dirty="0" smtClean="0">
+                <a:latin typeface="Meiryo UI" panose="020B0604030504040204" pitchFamily="50" charset="-128"/>
+                <a:ea typeface="Meiryo UI" panose="020B0604030504040204" pitchFamily="50" charset="-128"/>
+              </a:rPr>
+              <a:t>6</a:t>
+            </a:r>
+            <a:r>
+              <a:rPr lang="ja-JP" altLang="en-US" sz="2000" dirty="0" smtClean="0">
+                <a:latin typeface="Meiryo UI" panose="020B0604030504040204" pitchFamily="50" charset="-128"/>
+                <a:ea typeface="Meiryo UI" panose="020B0604030504040204" pitchFamily="50" charset="-128"/>
+              </a:rPr>
+              <a:t>月</a:t>
+            </a:r>
+            <a:endParaRPr kumimoji="1" lang="ja-JP" altLang="en-US" sz="2000" dirty="0">
+              <a:latin typeface="Meiryo UI" panose="020B0604030504040204" pitchFamily="50" charset="-128"/>
+              <a:ea typeface="Meiryo UI" panose="020B0604030504040204" pitchFamily="50" charset="-128"/>
+            </a:endParaRPr>
+          </a:p>
+        </p:txBody>
+      </p:sp>
+      <p:sp>
+        <p:nvSpPr>
+          <p:cNvPr id="18" name="テキスト ボックス 17"/>
+          <p:cNvSpPr txBox="1"/>
+          <p:nvPr/>
+        </p:nvSpPr>
+        <p:spPr>
+          <a:xfrm>
+            <a:off x="6917436" y="1517734"/>
+            <a:ext cx="608076" cy="400110"/>
+          </a:xfrm>
+          <a:prstGeom prst="rect">
+            <a:avLst/>
+          </a:prstGeom>
+          <a:noFill/>
+        </p:spPr>
+        <p:txBody>
+          <a:bodyPr wrap="square" rtlCol="0">
+            <a:spAutoFit/>
+          </a:bodyPr>
+          <a:lstStyle/>
+          <a:p>
+            <a:r>
+              <a:rPr lang="en-US" altLang="ja-JP" sz="2000" dirty="0" smtClean="0">
+                <a:latin typeface="Meiryo UI" panose="020B0604030504040204" pitchFamily="50" charset="-128"/>
+                <a:ea typeface="Meiryo UI" panose="020B0604030504040204" pitchFamily="50" charset="-128"/>
+              </a:rPr>
+              <a:t>7</a:t>
+            </a:r>
+            <a:r>
+              <a:rPr lang="ja-JP" altLang="en-US" sz="2000" dirty="0" smtClean="0">
+                <a:latin typeface="Meiryo UI" panose="020B0604030504040204" pitchFamily="50" charset="-128"/>
+                <a:ea typeface="Meiryo UI" panose="020B0604030504040204" pitchFamily="50" charset="-128"/>
+              </a:rPr>
+              <a:t>月</a:t>
+            </a:r>
+            <a:endParaRPr kumimoji="1" lang="ja-JP" altLang="en-US" sz="2000" dirty="0">
+              <a:latin typeface="Meiryo UI" panose="020B0604030504040204" pitchFamily="50" charset="-128"/>
+              <a:ea typeface="Meiryo UI" panose="020B0604030504040204" pitchFamily="50" charset="-128"/>
+            </a:endParaRPr>
+          </a:p>
+        </p:txBody>
+      </p:sp>
+      <p:sp>
+        <p:nvSpPr>
+          <p:cNvPr id="19" name="右矢印 18"/>
+          <p:cNvSpPr/>
+          <p:nvPr/>
+        </p:nvSpPr>
+        <p:spPr>
+          <a:xfrm>
+            <a:off x="1073277" y="2430932"/>
+            <a:ext cx="1783080" cy="795528"/>
+          </a:xfrm>
+          <a:prstGeom prst="rightArrow">
+            <a:avLst/>
+          </a:prstGeom>
+          <a:solidFill>
+            <a:schemeClr val="accent4"/>
+          </a:solidFill>
+          <a:ln>
+            <a:solidFill>
+              <a:schemeClr val="tx1"/>
+            </a:solidFill>
+          </a:ln>
+          <a:scene3d>
+            <a:camera prst="orthographicFront"/>
+            <a:lightRig rig="threePt" dir="t"/>
+          </a:scene3d>
+          <a:sp3d>
+            <a:bevelT/>
+          </a:sp3d>
+        </p:spPr>
+        <p:style>
+          <a:lnRef idx="2">
+            <a:schemeClr val="accent1">
+              <a:shade val="50000"/>
+            </a:schemeClr>
+          </a:lnRef>
+          <a:fillRef idx="1">
+            <a:schemeClr val="accent1"/>
+          </a:fillRef>
+          <a:effectRef idx="0">
+            <a:schemeClr val="accent1"/>
+          </a:effectRef>
+          <a:fontRef idx="minor">
+            <a:schemeClr val="lt1"/>
+          </a:fontRef>
+        </p:style>
+        <p:txBody>
+          <a:bodyPr rtlCol="0" anchor="ctr"/>
+          <a:lstStyle/>
+          <a:p>
+            <a:pPr algn="ctr"/>
+            <a:endParaRPr kumimoji="1" lang="ja-JP" altLang="en-US"/>
+          </a:p>
+        </p:txBody>
+      </p:sp>
+      <p:sp>
+        <p:nvSpPr>
+          <p:cNvPr id="20" name="右矢印 19"/>
+          <p:cNvSpPr/>
+          <p:nvPr/>
+        </p:nvSpPr>
+        <p:spPr>
+          <a:xfrm>
+            <a:off x="3705035" y="3184118"/>
+            <a:ext cx="1783080" cy="795528"/>
+          </a:xfrm>
+          <a:prstGeom prst="rightArrow">
+            <a:avLst/>
+          </a:prstGeom>
+          <a:solidFill>
+            <a:schemeClr val="accent4"/>
+          </a:solidFill>
+          <a:scene3d>
+            <a:camera prst="orthographicFront"/>
+            <a:lightRig rig="threePt" dir="t"/>
+          </a:scene3d>
+          <a:sp3d>
+            <a:bevelT/>
+          </a:sp3d>
+        </p:spPr>
+        <p:style>
+          <a:lnRef idx="2">
+            <a:schemeClr val="accent1">
+              <a:shade val="50000"/>
+            </a:schemeClr>
+          </a:lnRef>
+          <a:fillRef idx="1">
+            <a:schemeClr val="accent1"/>
+          </a:fillRef>
+          <a:effectRef idx="0">
+            <a:schemeClr val="accent1"/>
+          </a:effectRef>
+          <a:fontRef idx="minor">
+            <a:schemeClr val="lt1"/>
+          </a:fontRef>
+        </p:style>
+        <p:txBody>
+          <a:bodyPr rtlCol="0" anchor="ctr"/>
+          <a:lstStyle/>
+          <a:p>
+            <a:pPr algn="ctr"/>
+            <a:endParaRPr kumimoji="1" lang="ja-JP" altLang="en-US"/>
+          </a:p>
+        </p:txBody>
+      </p:sp>
+      <p:sp>
+        <p:nvSpPr>
+          <p:cNvPr id="21" name="右矢印 20"/>
+          <p:cNvSpPr/>
+          <p:nvPr/>
+        </p:nvSpPr>
+        <p:spPr>
+          <a:xfrm>
+            <a:off x="6329934" y="3979646"/>
+            <a:ext cx="1783080" cy="795528"/>
+          </a:xfrm>
+          <a:prstGeom prst="rightArrow">
+            <a:avLst/>
+          </a:prstGeom>
+          <a:solidFill>
+            <a:schemeClr val="accent4"/>
+          </a:solidFill>
+          <a:scene3d>
+            <a:camera prst="orthographicFront"/>
+            <a:lightRig rig="threePt" dir="t"/>
+          </a:scene3d>
+          <a:sp3d>
+            <a:bevelT/>
+          </a:sp3d>
+        </p:spPr>
+        <p:style>
+          <a:lnRef idx="2">
+            <a:schemeClr val="accent1">
+              <a:shade val="50000"/>
+            </a:schemeClr>
+          </a:lnRef>
+          <a:fillRef idx="1">
+            <a:schemeClr val="accent1"/>
+          </a:fillRef>
+          <a:effectRef idx="0">
+            <a:schemeClr val="accent1"/>
+          </a:effectRef>
+          <a:fontRef idx="minor">
+            <a:schemeClr val="lt1"/>
+          </a:fontRef>
+        </p:style>
+        <p:txBody>
+          <a:bodyPr rtlCol="0" anchor="ctr"/>
+          <a:lstStyle/>
+          <a:p>
+            <a:pPr algn="ctr"/>
+            <a:endParaRPr kumimoji="1" lang="ja-JP" altLang="en-US"/>
+          </a:p>
+        </p:txBody>
+      </p:sp>
+      <p:sp>
+        <p:nvSpPr>
+          <p:cNvPr id="22" name="角丸四角形吹き出し 21"/>
+          <p:cNvSpPr/>
+          <p:nvPr/>
+        </p:nvSpPr>
+        <p:spPr>
+          <a:xfrm>
+            <a:off x="764667" y="3732758"/>
+            <a:ext cx="2400300" cy="1042416"/>
+          </a:xfrm>
+          <a:prstGeom prst="wedgeRoundRectCallout">
+            <a:avLst>
+              <a:gd name="adj1" fmla="val -5448"/>
+              <a:gd name="adj2" fmla="val -97784"/>
+              <a:gd name="adj3" fmla="val 16667"/>
+            </a:avLst>
+          </a:prstGeom>
+          <a:solidFill>
+            <a:schemeClr val="bg1"/>
+          </a:solidFill>
+          <a:ln>
+            <a:solidFill>
+              <a:schemeClr val="tx1"/>
+            </a:solidFill>
+          </a:ln>
+        </p:spPr>
+        <p:style>
+          <a:lnRef idx="2">
+            <a:schemeClr val="accent1">
+              <a:shade val="50000"/>
+            </a:schemeClr>
+          </a:lnRef>
+          <a:fillRef idx="1">
+            <a:schemeClr val="accent1"/>
+          </a:fillRef>
+          <a:effectRef idx="0">
+            <a:schemeClr val="accent1"/>
+          </a:effectRef>
+          <a:fontRef idx="minor">
+            <a:schemeClr val="lt1"/>
+          </a:fontRef>
+        </p:style>
+        <p:txBody>
+          <a:bodyPr rtlCol="0" anchor="ctr"/>
+          <a:lstStyle/>
+          <a:p>
+            <a:pPr algn="ctr"/>
+            <a:endParaRPr kumimoji="1" lang="ja-JP" altLang="en-US"/>
+          </a:p>
+        </p:txBody>
+      </p:sp>
+      <p:sp>
+        <p:nvSpPr>
+          <p:cNvPr id="23" name="テキスト ボックス 22"/>
+          <p:cNvSpPr txBox="1"/>
+          <p:nvPr/>
+        </p:nvSpPr>
+        <p:spPr>
+          <a:xfrm>
+            <a:off x="938403" y="3900023"/>
+            <a:ext cx="2080260" cy="707886"/>
+          </a:xfrm>
+          <a:prstGeom prst="rect">
+            <a:avLst/>
+          </a:prstGeom>
+          <a:noFill/>
+        </p:spPr>
+        <p:txBody>
+          <a:bodyPr wrap="square" rtlCol="0">
+            <a:spAutoFit/>
+          </a:bodyPr>
+          <a:lstStyle/>
+          <a:p>
+            <a:pPr algn="ctr"/>
+            <a:r>
+              <a:rPr lang="ja-JP" altLang="en-US" sz="2000" b="1" dirty="0" smtClean="0">
+                <a:latin typeface="Meiryo UI" panose="020B0604030504040204" pitchFamily="50" charset="-128"/>
+                <a:ea typeface="Meiryo UI" panose="020B0604030504040204" pitchFamily="50" charset="-128"/>
+              </a:rPr>
+              <a:t>提案手法の考案</a:t>
+            </a:r>
+            <a:endParaRPr lang="en-US" altLang="ja-JP" sz="2000" b="1" dirty="0" smtClean="0">
+              <a:latin typeface="Meiryo UI" panose="020B0604030504040204" pitchFamily="50" charset="-128"/>
+              <a:ea typeface="Meiryo UI" panose="020B0604030504040204" pitchFamily="50" charset="-128"/>
+            </a:endParaRPr>
+          </a:p>
+          <a:p>
+            <a:pPr algn="ctr"/>
+            <a:r>
+              <a:rPr kumimoji="1" lang="ja-JP" altLang="en-US" sz="2000" b="1" dirty="0">
+                <a:latin typeface="Meiryo UI" panose="020B0604030504040204" pitchFamily="50" charset="-128"/>
+                <a:ea typeface="Meiryo UI" panose="020B0604030504040204" pitchFamily="50" charset="-128"/>
+              </a:rPr>
+              <a:t>実装</a:t>
+            </a:r>
+          </a:p>
+        </p:txBody>
+      </p:sp>
+      <p:sp>
+        <p:nvSpPr>
+          <p:cNvPr id="24" name="角丸四角形吹き出し 23"/>
+          <p:cNvSpPr/>
+          <p:nvPr/>
+        </p:nvSpPr>
+        <p:spPr>
+          <a:xfrm>
+            <a:off x="3322701" y="4276631"/>
+            <a:ext cx="2400300" cy="1292065"/>
+          </a:xfrm>
+          <a:prstGeom prst="wedgeRoundRectCallout">
+            <a:avLst>
+              <a:gd name="adj1" fmla="val -5448"/>
+              <a:gd name="adj2" fmla="val -86461"/>
+              <a:gd name="adj3" fmla="val 16667"/>
+            </a:avLst>
+          </a:prstGeom>
+          <a:solidFill>
+            <a:schemeClr val="bg1"/>
+          </a:solidFill>
+          <a:ln>
+            <a:solidFill>
+              <a:schemeClr val="tx1"/>
+            </a:solidFill>
+          </a:ln>
+        </p:spPr>
+        <p:style>
+          <a:lnRef idx="2">
+            <a:schemeClr val="accent1">
+              <a:shade val="50000"/>
+            </a:schemeClr>
+          </a:lnRef>
+          <a:fillRef idx="1">
+            <a:schemeClr val="accent1"/>
+          </a:fillRef>
+          <a:effectRef idx="0">
+            <a:schemeClr val="accent1"/>
+          </a:effectRef>
+          <a:fontRef idx="minor">
+            <a:schemeClr val="lt1"/>
+          </a:fontRef>
+        </p:style>
+        <p:txBody>
+          <a:bodyPr rtlCol="0" anchor="ctr"/>
+          <a:lstStyle/>
+          <a:p>
+            <a:pPr algn="ctr"/>
+            <a:endParaRPr kumimoji="1" lang="ja-JP" altLang="en-US"/>
+          </a:p>
+        </p:txBody>
+      </p:sp>
+      <p:sp>
+        <p:nvSpPr>
+          <p:cNvPr id="25" name="テキスト ボックス 24"/>
+          <p:cNvSpPr txBox="1"/>
+          <p:nvPr/>
+        </p:nvSpPr>
+        <p:spPr>
+          <a:xfrm>
+            <a:off x="3479863" y="4425331"/>
+            <a:ext cx="2123123" cy="1015663"/>
+          </a:xfrm>
+          <a:prstGeom prst="rect">
+            <a:avLst/>
+          </a:prstGeom>
+          <a:noFill/>
+        </p:spPr>
+        <p:txBody>
+          <a:bodyPr wrap="square" rtlCol="0">
+            <a:spAutoFit/>
+          </a:bodyPr>
+          <a:lstStyle/>
+          <a:p>
+            <a:pPr algn="ctr"/>
+            <a:r>
+              <a:rPr kumimoji="1" lang="ja-JP" altLang="en-US" sz="2000" b="1" dirty="0" smtClean="0">
+                <a:latin typeface="Meiryo UI" panose="020B0604030504040204" pitchFamily="50" charset="-128"/>
+                <a:ea typeface="Meiryo UI" panose="020B0604030504040204" pitchFamily="50" charset="-128"/>
+              </a:rPr>
+              <a:t>従来手法との比較</a:t>
+            </a:r>
+            <a:endParaRPr kumimoji="1" lang="en-US" altLang="ja-JP" sz="2000" b="1" dirty="0" smtClean="0">
+              <a:latin typeface="Meiryo UI" panose="020B0604030504040204" pitchFamily="50" charset="-128"/>
+              <a:ea typeface="Meiryo UI" panose="020B0604030504040204" pitchFamily="50" charset="-128"/>
+            </a:endParaRPr>
+          </a:p>
+          <a:p>
+            <a:pPr algn="ctr"/>
+            <a:r>
+              <a:rPr kumimoji="1" lang="ja-JP" altLang="en-US" sz="2000" b="1" dirty="0" smtClean="0">
+                <a:latin typeface="Meiryo UI" panose="020B0604030504040204" pitchFamily="50" charset="-128"/>
+                <a:ea typeface="Meiryo UI" panose="020B0604030504040204" pitchFamily="50" charset="-128"/>
+              </a:rPr>
+              <a:t>手法、諸々修正</a:t>
+            </a:r>
+            <a:endParaRPr kumimoji="1" lang="en-US" altLang="ja-JP" sz="2000" b="1" dirty="0" smtClean="0">
+              <a:latin typeface="Meiryo UI" panose="020B0604030504040204" pitchFamily="50" charset="-128"/>
+              <a:ea typeface="Meiryo UI" panose="020B0604030504040204" pitchFamily="50" charset="-128"/>
+            </a:endParaRPr>
+          </a:p>
+          <a:p>
+            <a:pPr algn="ctr"/>
+            <a:r>
+              <a:rPr lang="ja-JP" altLang="en-US" sz="2000" b="1" dirty="0" smtClean="0">
+                <a:latin typeface="Meiryo UI" panose="020B0604030504040204" pitchFamily="50" charset="-128"/>
+                <a:ea typeface="Meiryo UI" panose="020B0604030504040204" pitchFamily="50" charset="-128"/>
+              </a:rPr>
+              <a:t>学会論文執筆</a:t>
+            </a:r>
+            <a:endParaRPr kumimoji="1" lang="ja-JP" altLang="en-US" sz="2000" b="1" dirty="0">
+              <a:latin typeface="Meiryo UI" panose="020B0604030504040204" pitchFamily="50" charset="-128"/>
+              <a:ea typeface="Meiryo UI" panose="020B0604030504040204" pitchFamily="50" charset="-128"/>
+            </a:endParaRPr>
+          </a:p>
+        </p:txBody>
+      </p:sp>
+      <p:sp>
+        <p:nvSpPr>
+          <p:cNvPr id="26" name="角丸四角形吹き出し 25"/>
+          <p:cNvSpPr/>
+          <p:nvPr/>
+        </p:nvSpPr>
+        <p:spPr>
+          <a:xfrm>
+            <a:off x="5968745" y="2690342"/>
+            <a:ext cx="2400300" cy="1042416"/>
+          </a:xfrm>
+          <a:prstGeom prst="wedgeRoundRectCallout">
+            <a:avLst>
+              <a:gd name="adj1" fmla="val -10400"/>
+              <a:gd name="adj2" fmla="val 82041"/>
+              <a:gd name="adj3" fmla="val 16667"/>
+            </a:avLst>
+          </a:prstGeom>
+          <a:solidFill>
+            <a:schemeClr val="bg1"/>
+          </a:solidFill>
+          <a:ln>
+            <a:solidFill>
+              <a:schemeClr val="tx1"/>
+            </a:solidFill>
+          </a:ln>
+        </p:spPr>
+        <p:style>
+          <a:lnRef idx="2">
+            <a:schemeClr val="accent1">
+              <a:shade val="50000"/>
+            </a:schemeClr>
+          </a:lnRef>
+          <a:fillRef idx="1">
+            <a:schemeClr val="accent1"/>
+          </a:fillRef>
+          <a:effectRef idx="0">
+            <a:schemeClr val="accent1"/>
+          </a:effectRef>
+          <a:fontRef idx="minor">
+            <a:schemeClr val="lt1"/>
+          </a:fontRef>
+        </p:style>
+        <p:txBody>
+          <a:bodyPr rtlCol="0" anchor="ctr"/>
+          <a:lstStyle/>
+          <a:p>
+            <a:pPr algn="ctr"/>
+            <a:endParaRPr kumimoji="1" lang="ja-JP" altLang="en-US"/>
+          </a:p>
+        </p:txBody>
+      </p:sp>
+      <p:sp>
+        <p:nvSpPr>
+          <p:cNvPr id="27" name="テキスト ボックス 26"/>
+          <p:cNvSpPr txBox="1"/>
+          <p:nvPr/>
+        </p:nvSpPr>
+        <p:spPr>
+          <a:xfrm>
+            <a:off x="6125906" y="2912383"/>
+            <a:ext cx="2123123" cy="707886"/>
+          </a:xfrm>
+          <a:prstGeom prst="rect">
+            <a:avLst/>
+          </a:prstGeom>
+          <a:noFill/>
+        </p:spPr>
+        <p:txBody>
+          <a:bodyPr wrap="square" rtlCol="0">
+            <a:spAutoFit/>
+          </a:bodyPr>
+          <a:lstStyle/>
+          <a:p>
+            <a:pPr algn="ctr"/>
+            <a:r>
+              <a:rPr lang="ja-JP" altLang="en-US" sz="2000" b="1" dirty="0" smtClean="0">
+                <a:latin typeface="Meiryo UI" panose="020B0604030504040204" pitchFamily="50" charset="-128"/>
+                <a:ea typeface="Meiryo UI" panose="020B0604030504040204" pitchFamily="50" charset="-128"/>
+              </a:rPr>
+              <a:t>学会論文執筆、投稿</a:t>
+            </a:r>
+            <a:endParaRPr lang="en-US" altLang="ja-JP" sz="2000" b="1" dirty="0" smtClean="0">
+              <a:latin typeface="Meiryo UI" panose="020B0604030504040204" pitchFamily="50" charset="-128"/>
+              <a:ea typeface="Meiryo UI" panose="020B0604030504040204" pitchFamily="50" charset="-128"/>
+            </a:endParaRPr>
+          </a:p>
+        </p:txBody>
+      </p:sp>
+    </p:spTree>
+    <p:extLst>
+      <p:ext uri="{BB962C8B-B14F-4D97-AF65-F5344CB8AC3E}">
+        <p14:creationId xmlns:p14="http://schemas.microsoft.com/office/powerpoint/2010/main" val="2722739690"/>
       </p:ext>
     </p:extLst>
   </p:cSld>
